--- a/2016-09-13 Compare FFT Speed/Figures.pptx
+++ b/2016-09-13 Compare FFT Speed/Figures.pptx
@@ -296,7 +296,7 @@
           <a:p>
             <a:fld id="{416C9C19-CFF4-4FAE-9690-4F73D1444028}" type="datetimeFigureOut">
               <a:rPr lang="en-US" smtClean="0"/>
-              <a:t>9/12/2016</a:t>
+              <a:t>9/14/2016</a:t>
             </a:fld>
             <a:endParaRPr lang="en-US"/>
           </a:p>
@@ -466,7 +466,7 @@
           <a:p>
             <a:fld id="{416C9C19-CFF4-4FAE-9690-4F73D1444028}" type="datetimeFigureOut">
               <a:rPr lang="en-US" smtClean="0"/>
-              <a:t>9/12/2016</a:t>
+              <a:t>9/14/2016</a:t>
             </a:fld>
             <a:endParaRPr lang="en-US"/>
           </a:p>
@@ -646,7 +646,7 @@
           <a:p>
             <a:fld id="{416C9C19-CFF4-4FAE-9690-4F73D1444028}" type="datetimeFigureOut">
               <a:rPr lang="en-US" smtClean="0"/>
-              <a:t>9/12/2016</a:t>
+              <a:t>9/14/2016</a:t>
             </a:fld>
             <a:endParaRPr lang="en-US"/>
           </a:p>
@@ -816,7 +816,7 @@
           <a:p>
             <a:fld id="{416C9C19-CFF4-4FAE-9690-4F73D1444028}" type="datetimeFigureOut">
               <a:rPr lang="en-US" smtClean="0"/>
-              <a:t>9/12/2016</a:t>
+              <a:t>9/14/2016</a:t>
             </a:fld>
             <a:endParaRPr lang="en-US"/>
           </a:p>
@@ -1062,7 +1062,7 @@
           <a:p>
             <a:fld id="{416C9C19-CFF4-4FAE-9690-4F73D1444028}" type="datetimeFigureOut">
               <a:rPr lang="en-US" smtClean="0"/>
-              <a:t>9/12/2016</a:t>
+              <a:t>9/14/2016</a:t>
             </a:fld>
             <a:endParaRPr lang="en-US"/>
           </a:p>
@@ -1350,7 +1350,7 @@
           <a:p>
             <a:fld id="{416C9C19-CFF4-4FAE-9690-4F73D1444028}" type="datetimeFigureOut">
               <a:rPr lang="en-US" smtClean="0"/>
-              <a:t>9/12/2016</a:t>
+              <a:t>9/14/2016</a:t>
             </a:fld>
             <a:endParaRPr lang="en-US"/>
           </a:p>
@@ -1772,7 +1772,7 @@
           <a:p>
             <a:fld id="{416C9C19-CFF4-4FAE-9690-4F73D1444028}" type="datetimeFigureOut">
               <a:rPr lang="en-US" smtClean="0"/>
-              <a:t>9/12/2016</a:t>
+              <a:t>9/14/2016</a:t>
             </a:fld>
             <a:endParaRPr lang="en-US"/>
           </a:p>
@@ -1890,7 +1890,7 @@
           <a:p>
             <a:fld id="{416C9C19-CFF4-4FAE-9690-4F73D1444028}" type="datetimeFigureOut">
               <a:rPr lang="en-US" smtClean="0"/>
-              <a:t>9/12/2016</a:t>
+              <a:t>9/14/2016</a:t>
             </a:fld>
             <a:endParaRPr lang="en-US"/>
           </a:p>
@@ -1985,7 +1985,7 @@
           <a:p>
             <a:fld id="{416C9C19-CFF4-4FAE-9690-4F73D1444028}" type="datetimeFigureOut">
               <a:rPr lang="en-US" smtClean="0"/>
-              <a:t>9/12/2016</a:t>
+              <a:t>9/14/2016</a:t>
             </a:fld>
             <a:endParaRPr lang="en-US"/>
           </a:p>
@@ -2262,7 +2262,7 @@
           <a:p>
             <a:fld id="{416C9C19-CFF4-4FAE-9690-4F73D1444028}" type="datetimeFigureOut">
               <a:rPr lang="en-US" smtClean="0"/>
-              <a:t>9/12/2016</a:t>
+              <a:t>9/14/2016</a:t>
             </a:fld>
             <a:endParaRPr lang="en-US"/>
           </a:p>
@@ -2515,7 +2515,7 @@
           <a:p>
             <a:fld id="{416C9C19-CFF4-4FAE-9690-4F73D1444028}" type="datetimeFigureOut">
               <a:rPr lang="en-US" smtClean="0"/>
-              <a:t>9/12/2016</a:t>
+              <a:t>9/14/2016</a:t>
             </a:fld>
             <a:endParaRPr lang="en-US"/>
           </a:p>
@@ -2728,7 +2728,7 @@
           <a:p>
             <a:fld id="{416C9C19-CFF4-4FAE-9690-4F73D1444028}" type="datetimeFigureOut">
               <a:rPr lang="en-US" smtClean="0"/>
-              <a:t>9/12/2016</a:t>
+              <a:t>9/14/2016</a:t>
             </a:fld>
             <a:endParaRPr lang="en-US"/>
           </a:p>
@@ -18448,7 +18448,7 @@
       </p:grpSpPr>
       <p:pic>
         <p:nvPicPr>
-          <p:cNvPr id="2052" name="Picture 4"/>
+          <p:cNvPr id="1026" name="Picture 2"/>
           <p:cNvPicPr>
             <a:picLocks noChangeAspect="1" noChangeArrowheads="1"/>
           </p:cNvPicPr>
@@ -18469,8 +18469,8 @@
         </p:blipFill>
         <p:spPr bwMode="auto">
           <a:xfrm>
-            <a:off x="1676400" y="1447800"/>
-            <a:ext cx="5486400" cy="3230563"/>
+            <a:off x="1371600" y="2743200"/>
+            <a:ext cx="5486400" cy="3230562"/>
           </a:xfrm>
           <a:prstGeom prst="rect">
             <a:avLst/>

--- a/2016-09-13 Compare FFT Speed/Figures.pptx
+++ b/2016-09-13 Compare FFT Speed/Figures.pptx
@@ -5,15 +5,17 @@
     <p:sldMasterId id="2147483648" r:id="rId1"/>
   </p:sldMasterIdLst>
   <p:sldIdLst>
-    <p:sldId id="256" r:id="rId2"/>
-    <p:sldId id="263" r:id="rId3"/>
-    <p:sldId id="264" r:id="rId4"/>
-    <p:sldId id="257" r:id="rId5"/>
-    <p:sldId id="258" r:id="rId6"/>
-    <p:sldId id="259" r:id="rId7"/>
-    <p:sldId id="260" r:id="rId8"/>
-    <p:sldId id="261" r:id="rId9"/>
-    <p:sldId id="262" r:id="rId10"/>
+    <p:sldId id="265" r:id="rId2"/>
+    <p:sldId id="266" r:id="rId3"/>
+    <p:sldId id="256" r:id="rId4"/>
+    <p:sldId id="263" r:id="rId5"/>
+    <p:sldId id="264" r:id="rId6"/>
+    <p:sldId id="257" r:id="rId7"/>
+    <p:sldId id="258" r:id="rId8"/>
+    <p:sldId id="259" r:id="rId9"/>
+    <p:sldId id="260" r:id="rId10"/>
+    <p:sldId id="261" r:id="rId11"/>
+    <p:sldId id="262" r:id="rId12"/>
   </p:sldIdLst>
   <p:sldSz cx="9144000" cy="6858000" type="screen4x3"/>
   <p:notesSz cx="6858000" cy="9144000"/>
@@ -3105,16 +3107,4869 @@
       </p:grpSpPr>
       <p:grpSp>
         <p:nvGrpSpPr>
+          <p:cNvPr id="6" name="Group 5"/>
+          <p:cNvGrpSpPr/>
+          <p:nvPr/>
+        </p:nvGrpSpPr>
+        <p:grpSpPr>
+          <a:xfrm>
+            <a:off x="1553033" y="1300425"/>
+            <a:ext cx="6676567" cy="4490775"/>
+            <a:chOff x="1553033" y="1300425"/>
+            <a:chExt cx="6676567" cy="4490775"/>
+          </a:xfrm>
+        </p:grpSpPr>
+        <p:pic>
+          <p:nvPicPr>
+            <p:cNvPr id="7173" name="Picture 5" descr="C:\Users\T410\Desktop\2016-09-05 FIR FFT Benchmarking\IMG_6498-001.JPG"/>
+            <p:cNvPicPr>
+              <a:picLocks noChangeAspect="1" noChangeArrowheads="1"/>
+            </p:cNvPicPr>
+            <p:nvPr/>
+          </p:nvPicPr>
+          <p:blipFill>
+            <a:blip r:embed="rId2">
+              <a:extLst>
+                <a:ext uri="{28A0092B-C50C-407E-A947-70E740481C1C}">
+                  <a14:useLocalDpi xmlns:a14="http://schemas.microsoft.com/office/drawing/2010/main" val="0"/>
+                </a:ext>
+              </a:extLst>
+            </a:blip>
+            <a:srcRect/>
+            <a:stretch>
+              <a:fillRect/>
+            </a:stretch>
+          </p:blipFill>
+          <p:spPr bwMode="auto">
+            <a:xfrm>
+              <a:off x="2560320" y="2007250"/>
+              <a:ext cx="5669280" cy="3783950"/>
+            </a:xfrm>
+            <a:prstGeom prst="rect">
+              <a:avLst/>
+            </a:prstGeom>
+            <a:noFill/>
+            <a:extLst>
+              <a:ext uri="{909E8E84-426E-40DD-AFC4-6F175D3DCCD1}">
+                <a14:hiddenFill xmlns:a14="http://schemas.microsoft.com/office/drawing/2010/main">
+                  <a:solidFill>
+                    <a:srgbClr val="FFFFFF"/>
+                  </a:solidFill>
+                </a14:hiddenFill>
+              </a:ext>
+            </a:extLst>
+          </p:spPr>
+        </p:pic>
+        <p:sp>
+          <p:nvSpPr>
+            <p:cNvPr id="3" name="Freeform 2"/>
+            <p:cNvSpPr/>
+            <p:nvPr/>
+          </p:nvSpPr>
+          <p:spPr>
+            <a:xfrm>
+              <a:off x="1553033" y="1300425"/>
+              <a:ext cx="4863554" cy="3316778"/>
+            </a:xfrm>
+            <a:custGeom>
+              <a:avLst/>
+              <a:gdLst>
+                <a:gd name="connsiteX0" fmla="*/ 29028 w 3439885"/>
+                <a:gd name="connsiteY0" fmla="*/ 1233714 h 2046514"/>
+                <a:gd name="connsiteX1" fmla="*/ 29028 w 3439885"/>
+                <a:gd name="connsiteY1" fmla="*/ 1973943 h 2046514"/>
+                <a:gd name="connsiteX2" fmla="*/ 798285 w 3439885"/>
+                <a:gd name="connsiteY2" fmla="*/ 2046514 h 2046514"/>
+                <a:gd name="connsiteX3" fmla="*/ 1349828 w 3439885"/>
+                <a:gd name="connsiteY3" fmla="*/ 1596572 h 2046514"/>
+                <a:gd name="connsiteX4" fmla="*/ 1843314 w 3439885"/>
+                <a:gd name="connsiteY4" fmla="*/ 1233714 h 2046514"/>
+                <a:gd name="connsiteX5" fmla="*/ 2612571 w 3439885"/>
+                <a:gd name="connsiteY5" fmla="*/ 1045029 h 2046514"/>
+                <a:gd name="connsiteX6" fmla="*/ 3178628 w 3439885"/>
+                <a:gd name="connsiteY6" fmla="*/ 1074057 h 2046514"/>
+                <a:gd name="connsiteX7" fmla="*/ 3439885 w 3439885"/>
+                <a:gd name="connsiteY7" fmla="*/ 116114 h 2046514"/>
+                <a:gd name="connsiteX8" fmla="*/ 2757714 w 3439885"/>
+                <a:gd name="connsiteY8" fmla="*/ 0 h 2046514"/>
+                <a:gd name="connsiteX9" fmla="*/ 2061028 w 3439885"/>
+                <a:gd name="connsiteY9" fmla="*/ 72572 h 2046514"/>
+                <a:gd name="connsiteX10" fmla="*/ 1277257 w 3439885"/>
+                <a:gd name="connsiteY10" fmla="*/ 377372 h 2046514"/>
+                <a:gd name="connsiteX11" fmla="*/ 783771 w 3439885"/>
+                <a:gd name="connsiteY11" fmla="*/ 667657 h 2046514"/>
+                <a:gd name="connsiteX12" fmla="*/ 0 w 3439885"/>
+                <a:gd name="connsiteY12" fmla="*/ 1277257 h 2046514"/>
+                <a:gd name="connsiteX0" fmla="*/ 29028 w 3439885"/>
+                <a:gd name="connsiteY0" fmla="*/ 1233714 h 2046514"/>
+                <a:gd name="connsiteX1" fmla="*/ 29028 w 3439885"/>
+                <a:gd name="connsiteY1" fmla="*/ 1973943 h 2046514"/>
+                <a:gd name="connsiteX2" fmla="*/ 798285 w 3439885"/>
+                <a:gd name="connsiteY2" fmla="*/ 2046514 h 2046514"/>
+                <a:gd name="connsiteX3" fmla="*/ 1349828 w 3439885"/>
+                <a:gd name="connsiteY3" fmla="*/ 1596572 h 2046514"/>
+                <a:gd name="connsiteX4" fmla="*/ 1843314 w 3439885"/>
+                <a:gd name="connsiteY4" fmla="*/ 1233714 h 2046514"/>
+                <a:gd name="connsiteX5" fmla="*/ 2612571 w 3439885"/>
+                <a:gd name="connsiteY5" fmla="*/ 1045029 h 2046514"/>
+                <a:gd name="connsiteX6" fmla="*/ 3178628 w 3439885"/>
+                <a:gd name="connsiteY6" fmla="*/ 1074057 h 2046514"/>
+                <a:gd name="connsiteX7" fmla="*/ 3439885 w 3439885"/>
+                <a:gd name="connsiteY7" fmla="*/ 116114 h 2046514"/>
+                <a:gd name="connsiteX8" fmla="*/ 2757714 w 3439885"/>
+                <a:gd name="connsiteY8" fmla="*/ 0 h 2046514"/>
+                <a:gd name="connsiteX9" fmla="*/ 2061028 w 3439885"/>
+                <a:gd name="connsiteY9" fmla="*/ 72572 h 2046514"/>
+                <a:gd name="connsiteX10" fmla="*/ 783771 w 3439885"/>
+                <a:gd name="connsiteY10" fmla="*/ 667657 h 2046514"/>
+                <a:gd name="connsiteX11" fmla="*/ 0 w 3439885"/>
+                <a:gd name="connsiteY11" fmla="*/ 1277257 h 2046514"/>
+                <a:gd name="connsiteX0" fmla="*/ 0 w 3410857"/>
+                <a:gd name="connsiteY0" fmla="*/ 1233714 h 2046514"/>
+                <a:gd name="connsiteX1" fmla="*/ 0 w 3410857"/>
+                <a:gd name="connsiteY1" fmla="*/ 1973943 h 2046514"/>
+                <a:gd name="connsiteX2" fmla="*/ 769257 w 3410857"/>
+                <a:gd name="connsiteY2" fmla="*/ 2046514 h 2046514"/>
+                <a:gd name="connsiteX3" fmla="*/ 1320800 w 3410857"/>
+                <a:gd name="connsiteY3" fmla="*/ 1596572 h 2046514"/>
+                <a:gd name="connsiteX4" fmla="*/ 1814286 w 3410857"/>
+                <a:gd name="connsiteY4" fmla="*/ 1233714 h 2046514"/>
+                <a:gd name="connsiteX5" fmla="*/ 2583543 w 3410857"/>
+                <a:gd name="connsiteY5" fmla="*/ 1045029 h 2046514"/>
+                <a:gd name="connsiteX6" fmla="*/ 3149600 w 3410857"/>
+                <a:gd name="connsiteY6" fmla="*/ 1074057 h 2046514"/>
+                <a:gd name="connsiteX7" fmla="*/ 3410857 w 3410857"/>
+                <a:gd name="connsiteY7" fmla="*/ 116114 h 2046514"/>
+                <a:gd name="connsiteX8" fmla="*/ 2728686 w 3410857"/>
+                <a:gd name="connsiteY8" fmla="*/ 0 h 2046514"/>
+                <a:gd name="connsiteX9" fmla="*/ 2032000 w 3410857"/>
+                <a:gd name="connsiteY9" fmla="*/ 72572 h 2046514"/>
+                <a:gd name="connsiteX10" fmla="*/ 754743 w 3410857"/>
+                <a:gd name="connsiteY10" fmla="*/ 667657 h 2046514"/>
+                <a:gd name="connsiteX11" fmla="*/ 46598 w 3410857"/>
+                <a:gd name="connsiteY11" fmla="*/ 1148693 h 2046514"/>
+                <a:gd name="connsiteX0" fmla="*/ 0 w 3410857"/>
+                <a:gd name="connsiteY0" fmla="*/ 1233714 h 2046514"/>
+                <a:gd name="connsiteX1" fmla="*/ 0 w 3410857"/>
+                <a:gd name="connsiteY1" fmla="*/ 1973943 h 2046514"/>
+                <a:gd name="connsiteX2" fmla="*/ 769257 w 3410857"/>
+                <a:gd name="connsiteY2" fmla="*/ 2046514 h 2046514"/>
+                <a:gd name="connsiteX3" fmla="*/ 1320800 w 3410857"/>
+                <a:gd name="connsiteY3" fmla="*/ 1596572 h 2046514"/>
+                <a:gd name="connsiteX4" fmla="*/ 1814286 w 3410857"/>
+                <a:gd name="connsiteY4" fmla="*/ 1233714 h 2046514"/>
+                <a:gd name="connsiteX5" fmla="*/ 2583543 w 3410857"/>
+                <a:gd name="connsiteY5" fmla="*/ 1045029 h 2046514"/>
+                <a:gd name="connsiteX6" fmla="*/ 3149600 w 3410857"/>
+                <a:gd name="connsiteY6" fmla="*/ 1074057 h 2046514"/>
+                <a:gd name="connsiteX7" fmla="*/ 3410857 w 3410857"/>
+                <a:gd name="connsiteY7" fmla="*/ 116114 h 2046514"/>
+                <a:gd name="connsiteX8" fmla="*/ 2728686 w 3410857"/>
+                <a:gd name="connsiteY8" fmla="*/ 0 h 2046514"/>
+                <a:gd name="connsiteX9" fmla="*/ 2032000 w 3410857"/>
+                <a:gd name="connsiteY9" fmla="*/ 72572 h 2046514"/>
+                <a:gd name="connsiteX10" fmla="*/ 716930 w 3410857"/>
+                <a:gd name="connsiteY10" fmla="*/ 501280 h 2046514"/>
+                <a:gd name="connsiteX11" fmla="*/ 46598 w 3410857"/>
+                <a:gd name="connsiteY11" fmla="*/ 1148693 h 2046514"/>
+                <a:gd name="connsiteX0" fmla="*/ 0 w 3410857"/>
+                <a:gd name="connsiteY0" fmla="*/ 1233714 h 2046514"/>
+                <a:gd name="connsiteX1" fmla="*/ 0 w 3410857"/>
+                <a:gd name="connsiteY1" fmla="*/ 1973943 h 2046514"/>
+                <a:gd name="connsiteX2" fmla="*/ 769257 w 3410857"/>
+                <a:gd name="connsiteY2" fmla="*/ 2046514 h 2046514"/>
+                <a:gd name="connsiteX3" fmla="*/ 1320800 w 3410857"/>
+                <a:gd name="connsiteY3" fmla="*/ 1596572 h 2046514"/>
+                <a:gd name="connsiteX4" fmla="*/ 1814286 w 3410857"/>
+                <a:gd name="connsiteY4" fmla="*/ 1233714 h 2046514"/>
+                <a:gd name="connsiteX5" fmla="*/ 2583543 w 3410857"/>
+                <a:gd name="connsiteY5" fmla="*/ 1045029 h 2046514"/>
+                <a:gd name="connsiteX6" fmla="*/ 3149600 w 3410857"/>
+                <a:gd name="connsiteY6" fmla="*/ 1074057 h 2046514"/>
+                <a:gd name="connsiteX7" fmla="*/ 3410857 w 3410857"/>
+                <a:gd name="connsiteY7" fmla="*/ 116114 h 2046514"/>
+                <a:gd name="connsiteX8" fmla="*/ 2728686 w 3410857"/>
+                <a:gd name="connsiteY8" fmla="*/ 0 h 2046514"/>
+                <a:gd name="connsiteX9" fmla="*/ 2009312 w 3410857"/>
+                <a:gd name="connsiteY9" fmla="*/ 42322 h 2046514"/>
+                <a:gd name="connsiteX10" fmla="*/ 716930 w 3410857"/>
+                <a:gd name="connsiteY10" fmla="*/ 501280 h 2046514"/>
+                <a:gd name="connsiteX11" fmla="*/ 46598 w 3410857"/>
+                <a:gd name="connsiteY11" fmla="*/ 1148693 h 2046514"/>
+                <a:gd name="connsiteX0" fmla="*/ 0 w 3410857"/>
+                <a:gd name="connsiteY0" fmla="*/ 1233714 h 2046514"/>
+                <a:gd name="connsiteX1" fmla="*/ 0 w 3410857"/>
+                <a:gd name="connsiteY1" fmla="*/ 1973943 h 2046514"/>
+                <a:gd name="connsiteX2" fmla="*/ 769257 w 3410857"/>
+                <a:gd name="connsiteY2" fmla="*/ 2046514 h 2046514"/>
+                <a:gd name="connsiteX3" fmla="*/ 1320800 w 3410857"/>
+                <a:gd name="connsiteY3" fmla="*/ 1596572 h 2046514"/>
+                <a:gd name="connsiteX4" fmla="*/ 1814286 w 3410857"/>
+                <a:gd name="connsiteY4" fmla="*/ 1233714 h 2046514"/>
+                <a:gd name="connsiteX5" fmla="*/ 2583543 w 3410857"/>
+                <a:gd name="connsiteY5" fmla="*/ 1045029 h 2046514"/>
+                <a:gd name="connsiteX6" fmla="*/ 2695844 w 3410857"/>
+                <a:gd name="connsiteY6" fmla="*/ 975743 h 2046514"/>
+                <a:gd name="connsiteX7" fmla="*/ 3410857 w 3410857"/>
+                <a:gd name="connsiteY7" fmla="*/ 116114 h 2046514"/>
+                <a:gd name="connsiteX8" fmla="*/ 2728686 w 3410857"/>
+                <a:gd name="connsiteY8" fmla="*/ 0 h 2046514"/>
+                <a:gd name="connsiteX9" fmla="*/ 2009312 w 3410857"/>
+                <a:gd name="connsiteY9" fmla="*/ 42322 h 2046514"/>
+                <a:gd name="connsiteX10" fmla="*/ 716930 w 3410857"/>
+                <a:gd name="connsiteY10" fmla="*/ 501280 h 2046514"/>
+                <a:gd name="connsiteX11" fmla="*/ 46598 w 3410857"/>
+                <a:gd name="connsiteY11" fmla="*/ 1148693 h 2046514"/>
+                <a:gd name="connsiteX0" fmla="*/ 0 w 2728686"/>
+                <a:gd name="connsiteY0" fmla="*/ 1233714 h 2046514"/>
+                <a:gd name="connsiteX1" fmla="*/ 0 w 2728686"/>
+                <a:gd name="connsiteY1" fmla="*/ 1973943 h 2046514"/>
+                <a:gd name="connsiteX2" fmla="*/ 769257 w 2728686"/>
+                <a:gd name="connsiteY2" fmla="*/ 2046514 h 2046514"/>
+                <a:gd name="connsiteX3" fmla="*/ 1320800 w 2728686"/>
+                <a:gd name="connsiteY3" fmla="*/ 1596572 h 2046514"/>
+                <a:gd name="connsiteX4" fmla="*/ 1814286 w 2728686"/>
+                <a:gd name="connsiteY4" fmla="*/ 1233714 h 2046514"/>
+                <a:gd name="connsiteX5" fmla="*/ 2583543 w 2728686"/>
+                <a:gd name="connsiteY5" fmla="*/ 1045029 h 2046514"/>
+                <a:gd name="connsiteX6" fmla="*/ 2695844 w 2728686"/>
+                <a:gd name="connsiteY6" fmla="*/ 975743 h 2046514"/>
+                <a:gd name="connsiteX7" fmla="*/ 2728686 w 2728686"/>
+                <a:gd name="connsiteY7" fmla="*/ 0 h 2046514"/>
+                <a:gd name="connsiteX8" fmla="*/ 2009312 w 2728686"/>
+                <a:gd name="connsiteY8" fmla="*/ 42322 h 2046514"/>
+                <a:gd name="connsiteX9" fmla="*/ 716930 w 2728686"/>
+                <a:gd name="connsiteY9" fmla="*/ 501280 h 2046514"/>
+                <a:gd name="connsiteX10" fmla="*/ 46598 w 2728686"/>
+                <a:gd name="connsiteY10" fmla="*/ 1148693 h 2046514"/>
+                <a:gd name="connsiteX0" fmla="*/ 0 w 2872375"/>
+                <a:gd name="connsiteY0" fmla="*/ 1211026 h 2023826"/>
+                <a:gd name="connsiteX1" fmla="*/ 0 w 2872375"/>
+                <a:gd name="connsiteY1" fmla="*/ 1951255 h 2023826"/>
+                <a:gd name="connsiteX2" fmla="*/ 769257 w 2872375"/>
+                <a:gd name="connsiteY2" fmla="*/ 2023826 h 2023826"/>
+                <a:gd name="connsiteX3" fmla="*/ 1320800 w 2872375"/>
+                <a:gd name="connsiteY3" fmla="*/ 1573884 h 2023826"/>
+                <a:gd name="connsiteX4" fmla="*/ 1814286 w 2872375"/>
+                <a:gd name="connsiteY4" fmla="*/ 1211026 h 2023826"/>
+                <a:gd name="connsiteX5" fmla="*/ 2583543 w 2872375"/>
+                <a:gd name="connsiteY5" fmla="*/ 1022341 h 2023826"/>
+                <a:gd name="connsiteX6" fmla="*/ 2695844 w 2872375"/>
+                <a:gd name="connsiteY6" fmla="*/ 953055 h 2023826"/>
+                <a:gd name="connsiteX7" fmla="*/ 2872375 w 2872375"/>
+                <a:gd name="connsiteY7" fmla="*/ 0 h 2023826"/>
+                <a:gd name="connsiteX8" fmla="*/ 2009312 w 2872375"/>
+                <a:gd name="connsiteY8" fmla="*/ 19634 h 2023826"/>
+                <a:gd name="connsiteX9" fmla="*/ 716930 w 2872375"/>
+                <a:gd name="connsiteY9" fmla="*/ 478592 h 2023826"/>
+                <a:gd name="connsiteX10" fmla="*/ 46598 w 2872375"/>
+                <a:gd name="connsiteY10" fmla="*/ 1126005 h 2023826"/>
+                <a:gd name="connsiteX0" fmla="*/ 0 w 2963126"/>
+                <a:gd name="connsiteY0" fmla="*/ 1191392 h 2004192"/>
+                <a:gd name="connsiteX1" fmla="*/ 0 w 2963126"/>
+                <a:gd name="connsiteY1" fmla="*/ 1931621 h 2004192"/>
+                <a:gd name="connsiteX2" fmla="*/ 769257 w 2963126"/>
+                <a:gd name="connsiteY2" fmla="*/ 2004192 h 2004192"/>
+                <a:gd name="connsiteX3" fmla="*/ 1320800 w 2963126"/>
+                <a:gd name="connsiteY3" fmla="*/ 1554250 h 2004192"/>
+                <a:gd name="connsiteX4" fmla="*/ 1814286 w 2963126"/>
+                <a:gd name="connsiteY4" fmla="*/ 1191392 h 2004192"/>
+                <a:gd name="connsiteX5" fmla="*/ 2583543 w 2963126"/>
+                <a:gd name="connsiteY5" fmla="*/ 1002707 h 2004192"/>
+                <a:gd name="connsiteX6" fmla="*/ 2695844 w 2963126"/>
+                <a:gd name="connsiteY6" fmla="*/ 933421 h 2004192"/>
+                <a:gd name="connsiteX7" fmla="*/ 2963126 w 2963126"/>
+                <a:gd name="connsiteY7" fmla="*/ 3054 h 2004192"/>
+                <a:gd name="connsiteX8" fmla="*/ 2009312 w 2963126"/>
+                <a:gd name="connsiteY8" fmla="*/ 0 h 2004192"/>
+                <a:gd name="connsiteX9" fmla="*/ 716930 w 2963126"/>
+                <a:gd name="connsiteY9" fmla="*/ 458958 h 2004192"/>
+                <a:gd name="connsiteX10" fmla="*/ 46598 w 2963126"/>
+                <a:gd name="connsiteY10" fmla="*/ 1106371 h 2004192"/>
+                <a:gd name="connsiteX0" fmla="*/ 0 w 3008502"/>
+                <a:gd name="connsiteY0" fmla="*/ 1203463 h 2016263"/>
+                <a:gd name="connsiteX1" fmla="*/ 0 w 3008502"/>
+                <a:gd name="connsiteY1" fmla="*/ 1943692 h 2016263"/>
+                <a:gd name="connsiteX2" fmla="*/ 769257 w 3008502"/>
+                <a:gd name="connsiteY2" fmla="*/ 2016263 h 2016263"/>
+                <a:gd name="connsiteX3" fmla="*/ 1320800 w 3008502"/>
+                <a:gd name="connsiteY3" fmla="*/ 1566321 h 2016263"/>
+                <a:gd name="connsiteX4" fmla="*/ 1814286 w 3008502"/>
+                <a:gd name="connsiteY4" fmla="*/ 1203463 h 2016263"/>
+                <a:gd name="connsiteX5" fmla="*/ 2583543 w 3008502"/>
+                <a:gd name="connsiteY5" fmla="*/ 1014778 h 2016263"/>
+                <a:gd name="connsiteX6" fmla="*/ 2695844 w 3008502"/>
+                <a:gd name="connsiteY6" fmla="*/ 945492 h 2016263"/>
+                <a:gd name="connsiteX7" fmla="*/ 3008502 w 3008502"/>
+                <a:gd name="connsiteY7" fmla="*/ 0 h 2016263"/>
+                <a:gd name="connsiteX8" fmla="*/ 2009312 w 3008502"/>
+                <a:gd name="connsiteY8" fmla="*/ 12071 h 2016263"/>
+                <a:gd name="connsiteX9" fmla="*/ 716930 w 3008502"/>
+                <a:gd name="connsiteY9" fmla="*/ 471029 h 2016263"/>
+                <a:gd name="connsiteX10" fmla="*/ 46598 w 3008502"/>
+                <a:gd name="connsiteY10" fmla="*/ 1118442 h 2016263"/>
+                <a:gd name="connsiteX0" fmla="*/ 0 w 3008502"/>
+                <a:gd name="connsiteY0" fmla="*/ 1203463 h 2016263"/>
+                <a:gd name="connsiteX1" fmla="*/ 0 w 3008502"/>
+                <a:gd name="connsiteY1" fmla="*/ 1943692 h 2016263"/>
+                <a:gd name="connsiteX2" fmla="*/ 769257 w 3008502"/>
+                <a:gd name="connsiteY2" fmla="*/ 2016263 h 2016263"/>
+                <a:gd name="connsiteX3" fmla="*/ 1320800 w 3008502"/>
+                <a:gd name="connsiteY3" fmla="*/ 1566321 h 2016263"/>
+                <a:gd name="connsiteX4" fmla="*/ 1814286 w 3008502"/>
+                <a:gd name="connsiteY4" fmla="*/ 1203463 h 2016263"/>
+                <a:gd name="connsiteX5" fmla="*/ 2583543 w 3008502"/>
+                <a:gd name="connsiteY5" fmla="*/ 1014778 h 2016263"/>
+                <a:gd name="connsiteX6" fmla="*/ 2748782 w 3008502"/>
+                <a:gd name="connsiteY6" fmla="*/ 968180 h 2016263"/>
+                <a:gd name="connsiteX7" fmla="*/ 3008502 w 3008502"/>
+                <a:gd name="connsiteY7" fmla="*/ 0 h 2016263"/>
+                <a:gd name="connsiteX8" fmla="*/ 2009312 w 3008502"/>
+                <a:gd name="connsiteY8" fmla="*/ 12071 h 2016263"/>
+                <a:gd name="connsiteX9" fmla="*/ 716930 w 3008502"/>
+                <a:gd name="connsiteY9" fmla="*/ 471029 h 2016263"/>
+                <a:gd name="connsiteX10" fmla="*/ 46598 w 3008502"/>
+                <a:gd name="connsiteY10" fmla="*/ 1118442 h 2016263"/>
+                <a:gd name="connsiteX0" fmla="*/ 0 w 3008502"/>
+                <a:gd name="connsiteY0" fmla="*/ 1203463 h 2016263"/>
+                <a:gd name="connsiteX1" fmla="*/ 0 w 3008502"/>
+                <a:gd name="connsiteY1" fmla="*/ 1943692 h 2016263"/>
+                <a:gd name="connsiteX2" fmla="*/ 769257 w 3008502"/>
+                <a:gd name="connsiteY2" fmla="*/ 2016263 h 2016263"/>
+                <a:gd name="connsiteX3" fmla="*/ 1320800 w 3008502"/>
+                <a:gd name="connsiteY3" fmla="*/ 1566321 h 2016263"/>
+                <a:gd name="connsiteX4" fmla="*/ 1814286 w 3008502"/>
+                <a:gd name="connsiteY4" fmla="*/ 1203463 h 2016263"/>
+                <a:gd name="connsiteX5" fmla="*/ 2568418 w 3008502"/>
+                <a:gd name="connsiteY5" fmla="*/ 1158467 h 2016263"/>
+                <a:gd name="connsiteX6" fmla="*/ 2748782 w 3008502"/>
+                <a:gd name="connsiteY6" fmla="*/ 968180 h 2016263"/>
+                <a:gd name="connsiteX7" fmla="*/ 3008502 w 3008502"/>
+                <a:gd name="connsiteY7" fmla="*/ 0 h 2016263"/>
+                <a:gd name="connsiteX8" fmla="*/ 2009312 w 3008502"/>
+                <a:gd name="connsiteY8" fmla="*/ 12071 h 2016263"/>
+                <a:gd name="connsiteX9" fmla="*/ 716930 w 3008502"/>
+                <a:gd name="connsiteY9" fmla="*/ 471029 h 2016263"/>
+                <a:gd name="connsiteX10" fmla="*/ 46598 w 3008502"/>
+                <a:gd name="connsiteY10" fmla="*/ 1118442 h 2016263"/>
+                <a:gd name="connsiteX0" fmla="*/ 0 w 3008502"/>
+                <a:gd name="connsiteY0" fmla="*/ 1203463 h 2016263"/>
+                <a:gd name="connsiteX1" fmla="*/ 0 w 3008502"/>
+                <a:gd name="connsiteY1" fmla="*/ 1943692 h 2016263"/>
+                <a:gd name="connsiteX2" fmla="*/ 769257 w 3008502"/>
+                <a:gd name="connsiteY2" fmla="*/ 2016263 h 2016263"/>
+                <a:gd name="connsiteX3" fmla="*/ 1320800 w 3008502"/>
+                <a:gd name="connsiteY3" fmla="*/ 1566321 h 2016263"/>
+                <a:gd name="connsiteX4" fmla="*/ 1814286 w 3008502"/>
+                <a:gd name="connsiteY4" fmla="*/ 1203463 h 2016263"/>
+                <a:gd name="connsiteX5" fmla="*/ 2568418 w 3008502"/>
+                <a:gd name="connsiteY5" fmla="*/ 1158467 h 2016263"/>
+                <a:gd name="connsiteX6" fmla="*/ 2756344 w 3008502"/>
+                <a:gd name="connsiteY6" fmla="*/ 1043806 h 2016263"/>
+                <a:gd name="connsiteX7" fmla="*/ 3008502 w 3008502"/>
+                <a:gd name="connsiteY7" fmla="*/ 0 h 2016263"/>
+                <a:gd name="connsiteX8" fmla="*/ 2009312 w 3008502"/>
+                <a:gd name="connsiteY8" fmla="*/ 12071 h 2016263"/>
+                <a:gd name="connsiteX9" fmla="*/ 716930 w 3008502"/>
+                <a:gd name="connsiteY9" fmla="*/ 471029 h 2016263"/>
+                <a:gd name="connsiteX10" fmla="*/ 46598 w 3008502"/>
+                <a:gd name="connsiteY10" fmla="*/ 1118442 h 2016263"/>
+                <a:gd name="connsiteX0" fmla="*/ 0 w 3008502"/>
+                <a:gd name="connsiteY0" fmla="*/ 1203463 h 2016263"/>
+                <a:gd name="connsiteX1" fmla="*/ 0 w 3008502"/>
+                <a:gd name="connsiteY1" fmla="*/ 1943692 h 2016263"/>
+                <a:gd name="connsiteX2" fmla="*/ 769257 w 3008502"/>
+                <a:gd name="connsiteY2" fmla="*/ 2016263 h 2016263"/>
+                <a:gd name="connsiteX3" fmla="*/ 1320800 w 3008502"/>
+                <a:gd name="connsiteY3" fmla="*/ 1566321 h 2016263"/>
+                <a:gd name="connsiteX4" fmla="*/ 1814286 w 3008502"/>
+                <a:gd name="connsiteY4" fmla="*/ 1203463 h 2016263"/>
+                <a:gd name="connsiteX5" fmla="*/ 2568418 w 3008502"/>
+                <a:gd name="connsiteY5" fmla="*/ 1158467 h 2016263"/>
+                <a:gd name="connsiteX6" fmla="*/ 3008502 w 3008502"/>
+                <a:gd name="connsiteY6" fmla="*/ 0 h 2016263"/>
+                <a:gd name="connsiteX7" fmla="*/ 2009312 w 3008502"/>
+                <a:gd name="connsiteY7" fmla="*/ 12071 h 2016263"/>
+                <a:gd name="connsiteX8" fmla="*/ 716930 w 3008502"/>
+                <a:gd name="connsiteY8" fmla="*/ 471029 h 2016263"/>
+                <a:gd name="connsiteX9" fmla="*/ 46598 w 3008502"/>
+                <a:gd name="connsiteY9" fmla="*/ 1118442 h 2016263"/>
+                <a:gd name="connsiteX0" fmla="*/ 0 w 3008502"/>
+                <a:gd name="connsiteY0" fmla="*/ 1203463 h 2016263"/>
+                <a:gd name="connsiteX1" fmla="*/ 0 w 3008502"/>
+                <a:gd name="connsiteY1" fmla="*/ 1943692 h 2016263"/>
+                <a:gd name="connsiteX2" fmla="*/ 769257 w 3008502"/>
+                <a:gd name="connsiteY2" fmla="*/ 2016263 h 2016263"/>
+                <a:gd name="connsiteX3" fmla="*/ 1320800 w 3008502"/>
+                <a:gd name="connsiteY3" fmla="*/ 1566321 h 2016263"/>
+                <a:gd name="connsiteX4" fmla="*/ 1814286 w 3008502"/>
+                <a:gd name="connsiteY4" fmla="*/ 1203463 h 2016263"/>
+                <a:gd name="connsiteX5" fmla="*/ 2704545 w 3008502"/>
+                <a:gd name="connsiteY5" fmla="*/ 1166029 h 2016263"/>
+                <a:gd name="connsiteX6" fmla="*/ 3008502 w 3008502"/>
+                <a:gd name="connsiteY6" fmla="*/ 0 h 2016263"/>
+                <a:gd name="connsiteX7" fmla="*/ 2009312 w 3008502"/>
+                <a:gd name="connsiteY7" fmla="*/ 12071 h 2016263"/>
+                <a:gd name="connsiteX8" fmla="*/ 716930 w 3008502"/>
+                <a:gd name="connsiteY8" fmla="*/ 471029 h 2016263"/>
+                <a:gd name="connsiteX9" fmla="*/ 46598 w 3008502"/>
+                <a:gd name="connsiteY9" fmla="*/ 1118442 h 2016263"/>
+                <a:gd name="connsiteX0" fmla="*/ 0 w 3008502"/>
+                <a:gd name="connsiteY0" fmla="*/ 1203463 h 2016263"/>
+                <a:gd name="connsiteX1" fmla="*/ 0 w 3008502"/>
+                <a:gd name="connsiteY1" fmla="*/ 1943692 h 2016263"/>
+                <a:gd name="connsiteX2" fmla="*/ 769257 w 3008502"/>
+                <a:gd name="connsiteY2" fmla="*/ 2016263 h 2016263"/>
+                <a:gd name="connsiteX3" fmla="*/ 1320800 w 3008502"/>
+                <a:gd name="connsiteY3" fmla="*/ 1566321 h 2016263"/>
+                <a:gd name="connsiteX4" fmla="*/ 1859662 w 3008502"/>
+                <a:gd name="connsiteY4" fmla="*/ 1324464 h 2016263"/>
+                <a:gd name="connsiteX5" fmla="*/ 2704545 w 3008502"/>
+                <a:gd name="connsiteY5" fmla="*/ 1166029 h 2016263"/>
+                <a:gd name="connsiteX6" fmla="*/ 3008502 w 3008502"/>
+                <a:gd name="connsiteY6" fmla="*/ 0 h 2016263"/>
+                <a:gd name="connsiteX7" fmla="*/ 2009312 w 3008502"/>
+                <a:gd name="connsiteY7" fmla="*/ 12071 h 2016263"/>
+                <a:gd name="connsiteX8" fmla="*/ 716930 w 3008502"/>
+                <a:gd name="connsiteY8" fmla="*/ 471029 h 2016263"/>
+                <a:gd name="connsiteX9" fmla="*/ 46598 w 3008502"/>
+                <a:gd name="connsiteY9" fmla="*/ 1118442 h 2016263"/>
+                <a:gd name="connsiteX0" fmla="*/ 0 w 3008502"/>
+                <a:gd name="connsiteY0" fmla="*/ 1203463 h 2016263"/>
+                <a:gd name="connsiteX1" fmla="*/ 0 w 3008502"/>
+                <a:gd name="connsiteY1" fmla="*/ 1943692 h 2016263"/>
+                <a:gd name="connsiteX2" fmla="*/ 769257 w 3008502"/>
+                <a:gd name="connsiteY2" fmla="*/ 2016263 h 2016263"/>
+                <a:gd name="connsiteX3" fmla="*/ 1320800 w 3008502"/>
+                <a:gd name="connsiteY3" fmla="*/ 1566321 h 2016263"/>
+                <a:gd name="connsiteX4" fmla="*/ 1852100 w 3008502"/>
+                <a:gd name="connsiteY4" fmla="*/ 1279089 h 2016263"/>
+                <a:gd name="connsiteX5" fmla="*/ 2704545 w 3008502"/>
+                <a:gd name="connsiteY5" fmla="*/ 1166029 h 2016263"/>
+                <a:gd name="connsiteX6" fmla="*/ 3008502 w 3008502"/>
+                <a:gd name="connsiteY6" fmla="*/ 0 h 2016263"/>
+                <a:gd name="connsiteX7" fmla="*/ 2009312 w 3008502"/>
+                <a:gd name="connsiteY7" fmla="*/ 12071 h 2016263"/>
+                <a:gd name="connsiteX8" fmla="*/ 716930 w 3008502"/>
+                <a:gd name="connsiteY8" fmla="*/ 471029 h 2016263"/>
+                <a:gd name="connsiteX9" fmla="*/ 46598 w 3008502"/>
+                <a:gd name="connsiteY9" fmla="*/ 1118442 h 2016263"/>
+                <a:gd name="connsiteX0" fmla="*/ 0 w 3008502"/>
+                <a:gd name="connsiteY0" fmla="*/ 1203463 h 2016263"/>
+                <a:gd name="connsiteX1" fmla="*/ 0 w 3008502"/>
+                <a:gd name="connsiteY1" fmla="*/ 1943692 h 2016263"/>
+                <a:gd name="connsiteX2" fmla="*/ 769257 w 3008502"/>
+                <a:gd name="connsiteY2" fmla="*/ 2016263 h 2016263"/>
+                <a:gd name="connsiteX3" fmla="*/ 1464490 w 3008502"/>
+                <a:gd name="connsiteY3" fmla="*/ 1566321 h 2016263"/>
+                <a:gd name="connsiteX4" fmla="*/ 1852100 w 3008502"/>
+                <a:gd name="connsiteY4" fmla="*/ 1279089 h 2016263"/>
+                <a:gd name="connsiteX5" fmla="*/ 2704545 w 3008502"/>
+                <a:gd name="connsiteY5" fmla="*/ 1166029 h 2016263"/>
+                <a:gd name="connsiteX6" fmla="*/ 3008502 w 3008502"/>
+                <a:gd name="connsiteY6" fmla="*/ 0 h 2016263"/>
+                <a:gd name="connsiteX7" fmla="*/ 2009312 w 3008502"/>
+                <a:gd name="connsiteY7" fmla="*/ 12071 h 2016263"/>
+                <a:gd name="connsiteX8" fmla="*/ 716930 w 3008502"/>
+                <a:gd name="connsiteY8" fmla="*/ 471029 h 2016263"/>
+                <a:gd name="connsiteX9" fmla="*/ 46598 w 3008502"/>
+                <a:gd name="connsiteY9" fmla="*/ 1118442 h 2016263"/>
+                <a:gd name="connsiteX0" fmla="*/ 0 w 3008502"/>
+                <a:gd name="connsiteY0" fmla="*/ 1203463 h 2016263"/>
+                <a:gd name="connsiteX1" fmla="*/ 0 w 3008502"/>
+                <a:gd name="connsiteY1" fmla="*/ 1943692 h 2016263"/>
+                <a:gd name="connsiteX2" fmla="*/ 769257 w 3008502"/>
+                <a:gd name="connsiteY2" fmla="*/ 2016263 h 2016263"/>
+                <a:gd name="connsiteX3" fmla="*/ 1335926 w 3008502"/>
+                <a:gd name="connsiteY3" fmla="*/ 1589009 h 2016263"/>
+                <a:gd name="connsiteX4" fmla="*/ 1852100 w 3008502"/>
+                <a:gd name="connsiteY4" fmla="*/ 1279089 h 2016263"/>
+                <a:gd name="connsiteX5" fmla="*/ 2704545 w 3008502"/>
+                <a:gd name="connsiteY5" fmla="*/ 1166029 h 2016263"/>
+                <a:gd name="connsiteX6" fmla="*/ 3008502 w 3008502"/>
+                <a:gd name="connsiteY6" fmla="*/ 0 h 2016263"/>
+                <a:gd name="connsiteX7" fmla="*/ 2009312 w 3008502"/>
+                <a:gd name="connsiteY7" fmla="*/ 12071 h 2016263"/>
+                <a:gd name="connsiteX8" fmla="*/ 716930 w 3008502"/>
+                <a:gd name="connsiteY8" fmla="*/ 471029 h 2016263"/>
+                <a:gd name="connsiteX9" fmla="*/ 46598 w 3008502"/>
+                <a:gd name="connsiteY9" fmla="*/ 1118442 h 2016263"/>
+                <a:gd name="connsiteX0" fmla="*/ 0 w 3008502"/>
+                <a:gd name="connsiteY0" fmla="*/ 1203463 h 2016263"/>
+                <a:gd name="connsiteX1" fmla="*/ 0 w 3008502"/>
+                <a:gd name="connsiteY1" fmla="*/ 1943692 h 2016263"/>
+                <a:gd name="connsiteX2" fmla="*/ 769257 w 3008502"/>
+                <a:gd name="connsiteY2" fmla="*/ 2016263 h 2016263"/>
+                <a:gd name="connsiteX3" fmla="*/ 1335926 w 3008502"/>
+                <a:gd name="connsiteY3" fmla="*/ 1589009 h 2016263"/>
+                <a:gd name="connsiteX4" fmla="*/ 1791599 w 3008502"/>
+                <a:gd name="connsiteY4" fmla="*/ 1271526 h 2016263"/>
+                <a:gd name="connsiteX5" fmla="*/ 2704545 w 3008502"/>
+                <a:gd name="connsiteY5" fmla="*/ 1166029 h 2016263"/>
+                <a:gd name="connsiteX6" fmla="*/ 3008502 w 3008502"/>
+                <a:gd name="connsiteY6" fmla="*/ 0 h 2016263"/>
+                <a:gd name="connsiteX7" fmla="*/ 2009312 w 3008502"/>
+                <a:gd name="connsiteY7" fmla="*/ 12071 h 2016263"/>
+                <a:gd name="connsiteX8" fmla="*/ 716930 w 3008502"/>
+                <a:gd name="connsiteY8" fmla="*/ 471029 h 2016263"/>
+                <a:gd name="connsiteX9" fmla="*/ 46598 w 3008502"/>
+                <a:gd name="connsiteY9" fmla="*/ 1118442 h 2016263"/>
+                <a:gd name="connsiteX0" fmla="*/ 0 w 3008502"/>
+                <a:gd name="connsiteY0" fmla="*/ 1203463 h 2016263"/>
+                <a:gd name="connsiteX1" fmla="*/ 0 w 3008502"/>
+                <a:gd name="connsiteY1" fmla="*/ 1943692 h 2016263"/>
+                <a:gd name="connsiteX2" fmla="*/ 769257 w 3008502"/>
+                <a:gd name="connsiteY2" fmla="*/ 2016263 h 2016263"/>
+                <a:gd name="connsiteX3" fmla="*/ 1320801 w 3008502"/>
+                <a:gd name="connsiteY3" fmla="*/ 1664635 h 2016263"/>
+                <a:gd name="connsiteX4" fmla="*/ 1791599 w 3008502"/>
+                <a:gd name="connsiteY4" fmla="*/ 1271526 h 2016263"/>
+                <a:gd name="connsiteX5" fmla="*/ 2704545 w 3008502"/>
+                <a:gd name="connsiteY5" fmla="*/ 1166029 h 2016263"/>
+                <a:gd name="connsiteX6" fmla="*/ 3008502 w 3008502"/>
+                <a:gd name="connsiteY6" fmla="*/ 0 h 2016263"/>
+                <a:gd name="connsiteX7" fmla="*/ 2009312 w 3008502"/>
+                <a:gd name="connsiteY7" fmla="*/ 12071 h 2016263"/>
+                <a:gd name="connsiteX8" fmla="*/ 716930 w 3008502"/>
+                <a:gd name="connsiteY8" fmla="*/ 471029 h 2016263"/>
+                <a:gd name="connsiteX9" fmla="*/ 46598 w 3008502"/>
+                <a:gd name="connsiteY9" fmla="*/ 1118442 h 2016263"/>
+                <a:gd name="connsiteX0" fmla="*/ 0 w 3008502"/>
+                <a:gd name="connsiteY0" fmla="*/ 1203463 h 2016263"/>
+                <a:gd name="connsiteX1" fmla="*/ 0 w 3008502"/>
+                <a:gd name="connsiteY1" fmla="*/ 1943692 h 2016263"/>
+                <a:gd name="connsiteX2" fmla="*/ 810420 w 3008502"/>
+                <a:gd name="connsiteY2" fmla="*/ 1716708 h 2016263"/>
+                <a:gd name="connsiteX3" fmla="*/ 769257 w 3008502"/>
+                <a:gd name="connsiteY3" fmla="*/ 2016263 h 2016263"/>
+                <a:gd name="connsiteX4" fmla="*/ 1320801 w 3008502"/>
+                <a:gd name="connsiteY4" fmla="*/ 1664635 h 2016263"/>
+                <a:gd name="connsiteX5" fmla="*/ 1791599 w 3008502"/>
+                <a:gd name="connsiteY5" fmla="*/ 1271526 h 2016263"/>
+                <a:gd name="connsiteX6" fmla="*/ 2704545 w 3008502"/>
+                <a:gd name="connsiteY6" fmla="*/ 1166029 h 2016263"/>
+                <a:gd name="connsiteX7" fmla="*/ 3008502 w 3008502"/>
+                <a:gd name="connsiteY7" fmla="*/ 0 h 2016263"/>
+                <a:gd name="connsiteX8" fmla="*/ 2009312 w 3008502"/>
+                <a:gd name="connsiteY8" fmla="*/ 12071 h 2016263"/>
+                <a:gd name="connsiteX9" fmla="*/ 716930 w 3008502"/>
+                <a:gd name="connsiteY9" fmla="*/ 471029 h 2016263"/>
+                <a:gd name="connsiteX10" fmla="*/ 46598 w 3008502"/>
+                <a:gd name="connsiteY10" fmla="*/ 1118442 h 2016263"/>
+                <a:gd name="connsiteX0" fmla="*/ 0 w 3008502"/>
+                <a:gd name="connsiteY0" fmla="*/ 1203463 h 2049905"/>
+                <a:gd name="connsiteX1" fmla="*/ 0 w 3008502"/>
+                <a:gd name="connsiteY1" fmla="*/ 1943692 h 2049905"/>
+                <a:gd name="connsiteX2" fmla="*/ 769257 w 3008502"/>
+                <a:gd name="connsiteY2" fmla="*/ 2016263 h 2049905"/>
+                <a:gd name="connsiteX3" fmla="*/ 1320801 w 3008502"/>
+                <a:gd name="connsiteY3" fmla="*/ 1664635 h 2049905"/>
+                <a:gd name="connsiteX4" fmla="*/ 1791599 w 3008502"/>
+                <a:gd name="connsiteY4" fmla="*/ 1271526 h 2049905"/>
+                <a:gd name="connsiteX5" fmla="*/ 2704545 w 3008502"/>
+                <a:gd name="connsiteY5" fmla="*/ 1166029 h 2049905"/>
+                <a:gd name="connsiteX6" fmla="*/ 3008502 w 3008502"/>
+                <a:gd name="connsiteY6" fmla="*/ 0 h 2049905"/>
+                <a:gd name="connsiteX7" fmla="*/ 2009312 w 3008502"/>
+                <a:gd name="connsiteY7" fmla="*/ 12071 h 2049905"/>
+                <a:gd name="connsiteX8" fmla="*/ 716930 w 3008502"/>
+                <a:gd name="connsiteY8" fmla="*/ 471029 h 2049905"/>
+                <a:gd name="connsiteX9" fmla="*/ 46598 w 3008502"/>
+                <a:gd name="connsiteY9" fmla="*/ 1118442 h 2049905"/>
+                <a:gd name="connsiteX0" fmla="*/ 0 w 3008502"/>
+                <a:gd name="connsiteY0" fmla="*/ 1203463 h 1979554"/>
+                <a:gd name="connsiteX1" fmla="*/ 0 w 3008502"/>
+                <a:gd name="connsiteY1" fmla="*/ 1943692 h 1979554"/>
+                <a:gd name="connsiteX2" fmla="*/ 761695 w 3008502"/>
+                <a:gd name="connsiteY2" fmla="*/ 1744010 h 1979554"/>
+                <a:gd name="connsiteX3" fmla="*/ 1320801 w 3008502"/>
+                <a:gd name="connsiteY3" fmla="*/ 1664635 h 1979554"/>
+                <a:gd name="connsiteX4" fmla="*/ 1791599 w 3008502"/>
+                <a:gd name="connsiteY4" fmla="*/ 1271526 h 1979554"/>
+                <a:gd name="connsiteX5" fmla="*/ 2704545 w 3008502"/>
+                <a:gd name="connsiteY5" fmla="*/ 1166029 h 1979554"/>
+                <a:gd name="connsiteX6" fmla="*/ 3008502 w 3008502"/>
+                <a:gd name="connsiteY6" fmla="*/ 0 h 1979554"/>
+                <a:gd name="connsiteX7" fmla="*/ 2009312 w 3008502"/>
+                <a:gd name="connsiteY7" fmla="*/ 12071 h 1979554"/>
+                <a:gd name="connsiteX8" fmla="*/ 716930 w 3008502"/>
+                <a:gd name="connsiteY8" fmla="*/ 471029 h 1979554"/>
+                <a:gd name="connsiteX9" fmla="*/ 46598 w 3008502"/>
+                <a:gd name="connsiteY9" fmla="*/ 1118442 h 1979554"/>
+                <a:gd name="connsiteX0" fmla="*/ 0 w 3008502"/>
+                <a:gd name="connsiteY0" fmla="*/ 1203463 h 1981768"/>
+                <a:gd name="connsiteX1" fmla="*/ 0 w 3008502"/>
+                <a:gd name="connsiteY1" fmla="*/ 1943692 h 1981768"/>
+                <a:gd name="connsiteX2" fmla="*/ 996136 w 3008502"/>
+                <a:gd name="connsiteY2" fmla="*/ 1766697 h 1981768"/>
+                <a:gd name="connsiteX3" fmla="*/ 1320801 w 3008502"/>
+                <a:gd name="connsiteY3" fmla="*/ 1664635 h 1981768"/>
+                <a:gd name="connsiteX4" fmla="*/ 1791599 w 3008502"/>
+                <a:gd name="connsiteY4" fmla="*/ 1271526 h 1981768"/>
+                <a:gd name="connsiteX5" fmla="*/ 2704545 w 3008502"/>
+                <a:gd name="connsiteY5" fmla="*/ 1166029 h 1981768"/>
+                <a:gd name="connsiteX6" fmla="*/ 3008502 w 3008502"/>
+                <a:gd name="connsiteY6" fmla="*/ 0 h 1981768"/>
+                <a:gd name="connsiteX7" fmla="*/ 2009312 w 3008502"/>
+                <a:gd name="connsiteY7" fmla="*/ 12071 h 1981768"/>
+                <a:gd name="connsiteX8" fmla="*/ 716930 w 3008502"/>
+                <a:gd name="connsiteY8" fmla="*/ 471029 h 1981768"/>
+                <a:gd name="connsiteX9" fmla="*/ 46598 w 3008502"/>
+                <a:gd name="connsiteY9" fmla="*/ 1118442 h 1981768"/>
+                <a:gd name="connsiteX0" fmla="*/ 0 w 3008502"/>
+                <a:gd name="connsiteY0" fmla="*/ 1203463 h 1981768"/>
+                <a:gd name="connsiteX1" fmla="*/ 0 w 3008502"/>
+                <a:gd name="connsiteY1" fmla="*/ 1943692 h 1981768"/>
+                <a:gd name="connsiteX2" fmla="*/ 996136 w 3008502"/>
+                <a:gd name="connsiteY2" fmla="*/ 1766697 h 1981768"/>
+                <a:gd name="connsiteX3" fmla="*/ 1207363 w 3008502"/>
+                <a:gd name="connsiteY3" fmla="*/ 1740261 h 1981768"/>
+                <a:gd name="connsiteX4" fmla="*/ 1791599 w 3008502"/>
+                <a:gd name="connsiteY4" fmla="*/ 1271526 h 1981768"/>
+                <a:gd name="connsiteX5" fmla="*/ 2704545 w 3008502"/>
+                <a:gd name="connsiteY5" fmla="*/ 1166029 h 1981768"/>
+                <a:gd name="connsiteX6" fmla="*/ 3008502 w 3008502"/>
+                <a:gd name="connsiteY6" fmla="*/ 0 h 1981768"/>
+                <a:gd name="connsiteX7" fmla="*/ 2009312 w 3008502"/>
+                <a:gd name="connsiteY7" fmla="*/ 12071 h 1981768"/>
+                <a:gd name="connsiteX8" fmla="*/ 716930 w 3008502"/>
+                <a:gd name="connsiteY8" fmla="*/ 471029 h 1981768"/>
+                <a:gd name="connsiteX9" fmla="*/ 46598 w 3008502"/>
+                <a:gd name="connsiteY9" fmla="*/ 1118442 h 1981768"/>
+                <a:gd name="connsiteX0" fmla="*/ 0 w 3008502"/>
+                <a:gd name="connsiteY0" fmla="*/ 1203463 h 1975806"/>
+                <a:gd name="connsiteX1" fmla="*/ 0 w 3008502"/>
+                <a:gd name="connsiteY1" fmla="*/ 1943692 h 1975806"/>
+                <a:gd name="connsiteX2" fmla="*/ 897823 w 3008502"/>
+                <a:gd name="connsiteY2" fmla="*/ 1698634 h 1975806"/>
+                <a:gd name="connsiteX3" fmla="*/ 1207363 w 3008502"/>
+                <a:gd name="connsiteY3" fmla="*/ 1740261 h 1975806"/>
+                <a:gd name="connsiteX4" fmla="*/ 1791599 w 3008502"/>
+                <a:gd name="connsiteY4" fmla="*/ 1271526 h 1975806"/>
+                <a:gd name="connsiteX5" fmla="*/ 2704545 w 3008502"/>
+                <a:gd name="connsiteY5" fmla="*/ 1166029 h 1975806"/>
+                <a:gd name="connsiteX6" fmla="*/ 3008502 w 3008502"/>
+                <a:gd name="connsiteY6" fmla="*/ 0 h 1975806"/>
+                <a:gd name="connsiteX7" fmla="*/ 2009312 w 3008502"/>
+                <a:gd name="connsiteY7" fmla="*/ 12071 h 1975806"/>
+                <a:gd name="connsiteX8" fmla="*/ 716930 w 3008502"/>
+                <a:gd name="connsiteY8" fmla="*/ 471029 h 1975806"/>
+                <a:gd name="connsiteX9" fmla="*/ 46598 w 3008502"/>
+                <a:gd name="connsiteY9" fmla="*/ 1118442 h 1975806"/>
+                <a:gd name="connsiteX0" fmla="*/ 0 w 3008502"/>
+                <a:gd name="connsiteY0" fmla="*/ 1203463 h 1740261"/>
+                <a:gd name="connsiteX1" fmla="*/ 897823 w 3008502"/>
+                <a:gd name="connsiteY1" fmla="*/ 1698634 h 1740261"/>
+                <a:gd name="connsiteX2" fmla="*/ 1207363 w 3008502"/>
+                <a:gd name="connsiteY2" fmla="*/ 1740261 h 1740261"/>
+                <a:gd name="connsiteX3" fmla="*/ 1791599 w 3008502"/>
+                <a:gd name="connsiteY3" fmla="*/ 1271526 h 1740261"/>
+                <a:gd name="connsiteX4" fmla="*/ 2704545 w 3008502"/>
+                <a:gd name="connsiteY4" fmla="*/ 1166029 h 1740261"/>
+                <a:gd name="connsiteX5" fmla="*/ 3008502 w 3008502"/>
+                <a:gd name="connsiteY5" fmla="*/ 0 h 1740261"/>
+                <a:gd name="connsiteX6" fmla="*/ 2009312 w 3008502"/>
+                <a:gd name="connsiteY6" fmla="*/ 12071 h 1740261"/>
+                <a:gd name="connsiteX7" fmla="*/ 716930 w 3008502"/>
+                <a:gd name="connsiteY7" fmla="*/ 471029 h 1740261"/>
+                <a:gd name="connsiteX8" fmla="*/ 46598 w 3008502"/>
+                <a:gd name="connsiteY8" fmla="*/ 1118442 h 1740261"/>
+                <a:gd name="connsiteX0" fmla="*/ 851225 w 2961904"/>
+                <a:gd name="connsiteY0" fmla="*/ 1698634 h 1740261"/>
+                <a:gd name="connsiteX1" fmla="*/ 1160765 w 2961904"/>
+                <a:gd name="connsiteY1" fmla="*/ 1740261 h 1740261"/>
+                <a:gd name="connsiteX2" fmla="*/ 1745001 w 2961904"/>
+                <a:gd name="connsiteY2" fmla="*/ 1271526 h 1740261"/>
+                <a:gd name="connsiteX3" fmla="*/ 2657947 w 2961904"/>
+                <a:gd name="connsiteY3" fmla="*/ 1166029 h 1740261"/>
+                <a:gd name="connsiteX4" fmla="*/ 2961904 w 2961904"/>
+                <a:gd name="connsiteY4" fmla="*/ 0 h 1740261"/>
+                <a:gd name="connsiteX5" fmla="*/ 1962714 w 2961904"/>
+                <a:gd name="connsiteY5" fmla="*/ 12071 h 1740261"/>
+                <a:gd name="connsiteX6" fmla="*/ 670332 w 2961904"/>
+                <a:gd name="connsiteY6" fmla="*/ 471029 h 1740261"/>
+                <a:gd name="connsiteX7" fmla="*/ 0 w 2961904"/>
+                <a:gd name="connsiteY7" fmla="*/ 1118442 h 1740261"/>
+                <a:gd name="connsiteX0" fmla="*/ 548721 w 2659400"/>
+                <a:gd name="connsiteY0" fmla="*/ 1698634 h 1740261"/>
+                <a:gd name="connsiteX1" fmla="*/ 858261 w 2659400"/>
+                <a:gd name="connsiteY1" fmla="*/ 1740261 h 1740261"/>
+                <a:gd name="connsiteX2" fmla="*/ 1442497 w 2659400"/>
+                <a:gd name="connsiteY2" fmla="*/ 1271526 h 1740261"/>
+                <a:gd name="connsiteX3" fmla="*/ 2355443 w 2659400"/>
+                <a:gd name="connsiteY3" fmla="*/ 1166029 h 1740261"/>
+                <a:gd name="connsiteX4" fmla="*/ 2659400 w 2659400"/>
+                <a:gd name="connsiteY4" fmla="*/ 0 h 1740261"/>
+                <a:gd name="connsiteX5" fmla="*/ 1660210 w 2659400"/>
+                <a:gd name="connsiteY5" fmla="*/ 12071 h 1740261"/>
+                <a:gd name="connsiteX6" fmla="*/ 367828 w 2659400"/>
+                <a:gd name="connsiteY6" fmla="*/ 471029 h 1740261"/>
+                <a:gd name="connsiteX7" fmla="*/ 0 w 2659400"/>
+                <a:gd name="connsiteY7" fmla="*/ 861314 h 1740261"/>
+                <a:gd name="connsiteX0" fmla="*/ 87403 w 2659400"/>
+                <a:gd name="connsiteY0" fmla="*/ 1675946 h 1740261"/>
+                <a:gd name="connsiteX1" fmla="*/ 858261 w 2659400"/>
+                <a:gd name="connsiteY1" fmla="*/ 1740261 h 1740261"/>
+                <a:gd name="connsiteX2" fmla="*/ 1442497 w 2659400"/>
+                <a:gd name="connsiteY2" fmla="*/ 1271526 h 1740261"/>
+                <a:gd name="connsiteX3" fmla="*/ 2355443 w 2659400"/>
+                <a:gd name="connsiteY3" fmla="*/ 1166029 h 1740261"/>
+                <a:gd name="connsiteX4" fmla="*/ 2659400 w 2659400"/>
+                <a:gd name="connsiteY4" fmla="*/ 0 h 1740261"/>
+                <a:gd name="connsiteX5" fmla="*/ 1660210 w 2659400"/>
+                <a:gd name="connsiteY5" fmla="*/ 12071 h 1740261"/>
+                <a:gd name="connsiteX6" fmla="*/ 367828 w 2659400"/>
+                <a:gd name="connsiteY6" fmla="*/ 471029 h 1740261"/>
+                <a:gd name="connsiteX7" fmla="*/ 0 w 2659400"/>
+                <a:gd name="connsiteY7" fmla="*/ 861314 h 1740261"/>
+                <a:gd name="connsiteX0" fmla="*/ 215967 w 2659400"/>
+                <a:gd name="connsiteY0" fmla="*/ 1721322 h 1740261"/>
+                <a:gd name="connsiteX1" fmla="*/ 858261 w 2659400"/>
+                <a:gd name="connsiteY1" fmla="*/ 1740261 h 1740261"/>
+                <a:gd name="connsiteX2" fmla="*/ 1442497 w 2659400"/>
+                <a:gd name="connsiteY2" fmla="*/ 1271526 h 1740261"/>
+                <a:gd name="connsiteX3" fmla="*/ 2355443 w 2659400"/>
+                <a:gd name="connsiteY3" fmla="*/ 1166029 h 1740261"/>
+                <a:gd name="connsiteX4" fmla="*/ 2659400 w 2659400"/>
+                <a:gd name="connsiteY4" fmla="*/ 0 h 1740261"/>
+                <a:gd name="connsiteX5" fmla="*/ 1660210 w 2659400"/>
+                <a:gd name="connsiteY5" fmla="*/ 12071 h 1740261"/>
+                <a:gd name="connsiteX6" fmla="*/ 367828 w 2659400"/>
+                <a:gd name="connsiteY6" fmla="*/ 471029 h 1740261"/>
+                <a:gd name="connsiteX7" fmla="*/ 0 w 2659400"/>
+                <a:gd name="connsiteY7" fmla="*/ 861314 h 1740261"/>
+                <a:gd name="connsiteX0" fmla="*/ 215967 w 2659400"/>
+                <a:gd name="connsiteY0" fmla="*/ 1698634 h 1740261"/>
+                <a:gd name="connsiteX1" fmla="*/ 858261 w 2659400"/>
+                <a:gd name="connsiteY1" fmla="*/ 1740261 h 1740261"/>
+                <a:gd name="connsiteX2" fmla="*/ 1442497 w 2659400"/>
+                <a:gd name="connsiteY2" fmla="*/ 1271526 h 1740261"/>
+                <a:gd name="connsiteX3" fmla="*/ 2355443 w 2659400"/>
+                <a:gd name="connsiteY3" fmla="*/ 1166029 h 1740261"/>
+                <a:gd name="connsiteX4" fmla="*/ 2659400 w 2659400"/>
+                <a:gd name="connsiteY4" fmla="*/ 0 h 1740261"/>
+                <a:gd name="connsiteX5" fmla="*/ 1660210 w 2659400"/>
+                <a:gd name="connsiteY5" fmla="*/ 12071 h 1740261"/>
+                <a:gd name="connsiteX6" fmla="*/ 367828 w 2659400"/>
+                <a:gd name="connsiteY6" fmla="*/ 471029 h 1740261"/>
+                <a:gd name="connsiteX7" fmla="*/ 0 w 2659400"/>
+                <a:gd name="connsiteY7" fmla="*/ 861314 h 1740261"/>
+                <a:gd name="connsiteX0" fmla="*/ 170591 w 2614024"/>
+                <a:gd name="connsiteY0" fmla="*/ 1698634 h 1740261"/>
+                <a:gd name="connsiteX1" fmla="*/ 812885 w 2614024"/>
+                <a:gd name="connsiteY1" fmla="*/ 1740261 h 1740261"/>
+                <a:gd name="connsiteX2" fmla="*/ 1397121 w 2614024"/>
+                <a:gd name="connsiteY2" fmla="*/ 1271526 h 1740261"/>
+                <a:gd name="connsiteX3" fmla="*/ 2310067 w 2614024"/>
+                <a:gd name="connsiteY3" fmla="*/ 1166029 h 1740261"/>
+                <a:gd name="connsiteX4" fmla="*/ 2614024 w 2614024"/>
+                <a:gd name="connsiteY4" fmla="*/ 0 h 1740261"/>
+                <a:gd name="connsiteX5" fmla="*/ 1614834 w 2614024"/>
+                <a:gd name="connsiteY5" fmla="*/ 12071 h 1740261"/>
+                <a:gd name="connsiteX6" fmla="*/ 322452 w 2614024"/>
+                <a:gd name="connsiteY6" fmla="*/ 471029 h 1740261"/>
+                <a:gd name="connsiteX7" fmla="*/ 0 w 2614024"/>
+                <a:gd name="connsiteY7" fmla="*/ 914252 h 1740261"/>
+                <a:gd name="connsiteX0" fmla="*/ 261342 w 2704775"/>
+                <a:gd name="connsiteY0" fmla="*/ 1698634 h 1740261"/>
+                <a:gd name="connsiteX1" fmla="*/ 903636 w 2704775"/>
+                <a:gd name="connsiteY1" fmla="*/ 1740261 h 1740261"/>
+                <a:gd name="connsiteX2" fmla="*/ 1487872 w 2704775"/>
+                <a:gd name="connsiteY2" fmla="*/ 1271526 h 1740261"/>
+                <a:gd name="connsiteX3" fmla="*/ 2400818 w 2704775"/>
+                <a:gd name="connsiteY3" fmla="*/ 1166029 h 1740261"/>
+                <a:gd name="connsiteX4" fmla="*/ 2704775 w 2704775"/>
+                <a:gd name="connsiteY4" fmla="*/ 0 h 1740261"/>
+                <a:gd name="connsiteX5" fmla="*/ 1705585 w 2704775"/>
+                <a:gd name="connsiteY5" fmla="*/ 12071 h 1740261"/>
+                <a:gd name="connsiteX6" fmla="*/ 413203 w 2704775"/>
+                <a:gd name="connsiteY6" fmla="*/ 471029 h 1740261"/>
+                <a:gd name="connsiteX7" fmla="*/ 0 w 2704775"/>
+                <a:gd name="connsiteY7" fmla="*/ 944502 h 1740261"/>
+                <a:gd name="connsiteX0" fmla="*/ 261342 w 2402271"/>
+                <a:gd name="connsiteY0" fmla="*/ 1686563 h 1728190"/>
+                <a:gd name="connsiteX1" fmla="*/ 903636 w 2402271"/>
+                <a:gd name="connsiteY1" fmla="*/ 1728190 h 1728190"/>
+                <a:gd name="connsiteX2" fmla="*/ 1487872 w 2402271"/>
+                <a:gd name="connsiteY2" fmla="*/ 1259455 h 1728190"/>
+                <a:gd name="connsiteX3" fmla="*/ 2400818 w 2402271"/>
+                <a:gd name="connsiteY3" fmla="*/ 1153958 h 1728190"/>
+                <a:gd name="connsiteX4" fmla="*/ 2402271 w 2402271"/>
+                <a:gd name="connsiteY4" fmla="*/ 3054 h 1728190"/>
+                <a:gd name="connsiteX5" fmla="*/ 1705585 w 2402271"/>
+                <a:gd name="connsiteY5" fmla="*/ 0 h 1728190"/>
+                <a:gd name="connsiteX6" fmla="*/ 413203 w 2402271"/>
+                <a:gd name="connsiteY6" fmla="*/ 458958 h 1728190"/>
+                <a:gd name="connsiteX7" fmla="*/ 0 w 2402271"/>
+                <a:gd name="connsiteY7" fmla="*/ 932431 h 1728190"/>
+                <a:gd name="connsiteX0" fmla="*/ 261342 w 2510728"/>
+                <a:gd name="connsiteY0" fmla="*/ 1686563 h 1728190"/>
+                <a:gd name="connsiteX1" fmla="*/ 903636 w 2510728"/>
+                <a:gd name="connsiteY1" fmla="*/ 1728190 h 1728190"/>
+                <a:gd name="connsiteX2" fmla="*/ 1487872 w 2510728"/>
+                <a:gd name="connsiteY2" fmla="*/ 1259455 h 1728190"/>
+                <a:gd name="connsiteX3" fmla="*/ 2400818 w 2510728"/>
+                <a:gd name="connsiteY3" fmla="*/ 1153958 h 1728190"/>
+                <a:gd name="connsiteX4" fmla="*/ 2503217 w 2510728"/>
+                <a:gd name="connsiteY4" fmla="*/ 418996 h 1728190"/>
+                <a:gd name="connsiteX5" fmla="*/ 2402271 w 2510728"/>
+                <a:gd name="connsiteY5" fmla="*/ 3054 h 1728190"/>
+                <a:gd name="connsiteX6" fmla="*/ 1705585 w 2510728"/>
+                <a:gd name="connsiteY6" fmla="*/ 0 h 1728190"/>
+                <a:gd name="connsiteX7" fmla="*/ 413203 w 2510728"/>
+                <a:gd name="connsiteY7" fmla="*/ 458958 h 1728190"/>
+                <a:gd name="connsiteX8" fmla="*/ 0 w 2510728"/>
+                <a:gd name="connsiteY8" fmla="*/ 932431 h 1728190"/>
+                <a:gd name="connsiteX0" fmla="*/ 261342 w 2534130"/>
+                <a:gd name="connsiteY0" fmla="*/ 1686563 h 1728190"/>
+                <a:gd name="connsiteX1" fmla="*/ 903636 w 2534130"/>
+                <a:gd name="connsiteY1" fmla="*/ 1728190 h 1728190"/>
+                <a:gd name="connsiteX2" fmla="*/ 1487872 w 2534130"/>
+                <a:gd name="connsiteY2" fmla="*/ 1259455 h 1728190"/>
+                <a:gd name="connsiteX3" fmla="*/ 2400818 w 2534130"/>
+                <a:gd name="connsiteY3" fmla="*/ 1153958 h 1728190"/>
+                <a:gd name="connsiteX4" fmla="*/ 2533467 w 2534130"/>
+                <a:gd name="connsiteY4" fmla="*/ 434122 h 1728190"/>
+                <a:gd name="connsiteX5" fmla="*/ 2402271 w 2534130"/>
+                <a:gd name="connsiteY5" fmla="*/ 3054 h 1728190"/>
+                <a:gd name="connsiteX6" fmla="*/ 1705585 w 2534130"/>
+                <a:gd name="connsiteY6" fmla="*/ 0 h 1728190"/>
+                <a:gd name="connsiteX7" fmla="*/ 413203 w 2534130"/>
+                <a:gd name="connsiteY7" fmla="*/ 458958 h 1728190"/>
+                <a:gd name="connsiteX8" fmla="*/ 0 w 2534130"/>
+                <a:gd name="connsiteY8" fmla="*/ 932431 h 1728190"/>
+                <a:gd name="connsiteX0" fmla="*/ 261342 w 2534130"/>
+                <a:gd name="connsiteY0" fmla="*/ 1686563 h 1728190"/>
+                <a:gd name="connsiteX1" fmla="*/ 903636 w 2534130"/>
+                <a:gd name="connsiteY1" fmla="*/ 1728190 h 1728190"/>
+                <a:gd name="connsiteX2" fmla="*/ 1487872 w 2534130"/>
+                <a:gd name="connsiteY2" fmla="*/ 1259455 h 1728190"/>
+                <a:gd name="connsiteX3" fmla="*/ 2400818 w 2534130"/>
+                <a:gd name="connsiteY3" fmla="*/ 1153958 h 1728190"/>
+                <a:gd name="connsiteX4" fmla="*/ 2533467 w 2534130"/>
+                <a:gd name="connsiteY4" fmla="*/ 434122 h 1728190"/>
+                <a:gd name="connsiteX5" fmla="*/ 2402271 w 2534130"/>
+                <a:gd name="connsiteY5" fmla="*/ 3054 h 1728190"/>
+                <a:gd name="connsiteX6" fmla="*/ 1705585 w 2534130"/>
+                <a:gd name="connsiteY6" fmla="*/ 0 h 1728190"/>
+                <a:gd name="connsiteX7" fmla="*/ 1005823 w 2534130"/>
+                <a:gd name="connsiteY7" fmla="*/ 176993 h 1728190"/>
+                <a:gd name="connsiteX8" fmla="*/ 413203 w 2534130"/>
+                <a:gd name="connsiteY8" fmla="*/ 458958 h 1728190"/>
+                <a:gd name="connsiteX9" fmla="*/ 0 w 2534130"/>
+                <a:gd name="connsiteY9" fmla="*/ 932431 h 1728190"/>
+                <a:gd name="connsiteX0" fmla="*/ 261342 w 2534130"/>
+                <a:gd name="connsiteY0" fmla="*/ 1686563 h 1728190"/>
+                <a:gd name="connsiteX1" fmla="*/ 903636 w 2534130"/>
+                <a:gd name="connsiteY1" fmla="*/ 1728190 h 1728190"/>
+                <a:gd name="connsiteX2" fmla="*/ 1571060 w 2534130"/>
+                <a:gd name="connsiteY2" fmla="*/ 1168704 h 1728190"/>
+                <a:gd name="connsiteX3" fmla="*/ 2400818 w 2534130"/>
+                <a:gd name="connsiteY3" fmla="*/ 1153958 h 1728190"/>
+                <a:gd name="connsiteX4" fmla="*/ 2533467 w 2534130"/>
+                <a:gd name="connsiteY4" fmla="*/ 434122 h 1728190"/>
+                <a:gd name="connsiteX5" fmla="*/ 2402271 w 2534130"/>
+                <a:gd name="connsiteY5" fmla="*/ 3054 h 1728190"/>
+                <a:gd name="connsiteX6" fmla="*/ 1705585 w 2534130"/>
+                <a:gd name="connsiteY6" fmla="*/ 0 h 1728190"/>
+                <a:gd name="connsiteX7" fmla="*/ 1005823 w 2534130"/>
+                <a:gd name="connsiteY7" fmla="*/ 176993 h 1728190"/>
+                <a:gd name="connsiteX8" fmla="*/ 413203 w 2534130"/>
+                <a:gd name="connsiteY8" fmla="*/ 458958 h 1728190"/>
+                <a:gd name="connsiteX9" fmla="*/ 0 w 2534130"/>
+                <a:gd name="connsiteY9" fmla="*/ 932431 h 1728190"/>
+              </a:gdLst>
+              <a:ahLst/>
+              <a:cxnLst>
+                <a:cxn ang="0">
+                  <a:pos x="connsiteX0" y="connsiteY0"/>
+                </a:cxn>
+                <a:cxn ang="0">
+                  <a:pos x="connsiteX1" y="connsiteY1"/>
+                </a:cxn>
+                <a:cxn ang="0">
+                  <a:pos x="connsiteX2" y="connsiteY2"/>
+                </a:cxn>
+                <a:cxn ang="0">
+                  <a:pos x="connsiteX3" y="connsiteY3"/>
+                </a:cxn>
+                <a:cxn ang="0">
+                  <a:pos x="connsiteX4" y="connsiteY4"/>
+                </a:cxn>
+                <a:cxn ang="0">
+                  <a:pos x="connsiteX5" y="connsiteY5"/>
+                </a:cxn>
+                <a:cxn ang="0">
+                  <a:pos x="connsiteX6" y="connsiteY6"/>
+                </a:cxn>
+                <a:cxn ang="0">
+                  <a:pos x="connsiteX7" y="connsiteY7"/>
+                </a:cxn>
+                <a:cxn ang="0">
+                  <a:pos x="connsiteX8" y="connsiteY8"/>
+                </a:cxn>
+                <a:cxn ang="0">
+                  <a:pos x="connsiteX9" y="connsiteY9"/>
+                </a:cxn>
+              </a:cxnLst>
+              <a:rect l="l" t="t" r="r" b="b"/>
+              <a:pathLst>
+                <a:path w="2534130" h="1728190">
+                  <a:moveTo>
+                    <a:pt x="261342" y="1686563"/>
+                  </a:moveTo>
+                  <a:lnTo>
+                    <a:pt x="903636" y="1728190"/>
+                  </a:lnTo>
+                  <a:lnTo>
+                    <a:pt x="1571060" y="1168704"/>
+                  </a:lnTo>
+                  <a:lnTo>
+                    <a:pt x="2400818" y="1153958"/>
+                  </a:lnTo>
+                  <a:cubicBezTo>
+                    <a:pt x="2552396" y="1034048"/>
+                    <a:pt x="2533225" y="625939"/>
+                    <a:pt x="2533467" y="434122"/>
+                  </a:cubicBezTo>
+                  <a:cubicBezTo>
+                    <a:pt x="2533709" y="242305"/>
+                    <a:pt x="2517564" y="93054"/>
+                    <a:pt x="2402271" y="3054"/>
+                  </a:cubicBezTo>
+                  <a:lnTo>
+                    <a:pt x="1705585" y="0"/>
+                  </a:lnTo>
+                  <a:cubicBezTo>
+                    <a:pt x="1489977" y="76644"/>
+                    <a:pt x="1221431" y="100349"/>
+                    <a:pt x="1005823" y="176993"/>
+                  </a:cubicBezTo>
+                  <a:lnTo>
+                    <a:pt x="413203" y="458958"/>
+                  </a:lnTo>
+                  <a:lnTo>
+                    <a:pt x="0" y="932431"/>
+                  </a:lnTo>
+                </a:path>
+              </a:pathLst>
+            </a:custGeom>
+            <a:solidFill>
+              <a:srgbClr val="663300">
+                <a:alpha val="50000"/>
+              </a:srgbClr>
+            </a:solidFill>
+            <a:effectLst>
+              <a:softEdge rad="685800"/>
+            </a:effectLst>
+          </p:spPr>
+          <p:style>
+            <a:lnRef idx="2">
+              <a:schemeClr val="accent1">
+                <a:shade val="50000"/>
+              </a:schemeClr>
+            </a:lnRef>
+            <a:fillRef idx="1">
+              <a:schemeClr val="accent1"/>
+            </a:fillRef>
+            <a:effectRef idx="0">
+              <a:schemeClr val="accent1"/>
+            </a:effectRef>
+            <a:fontRef idx="minor">
+              <a:schemeClr val="lt1"/>
+            </a:fontRef>
+          </p:style>
+          <p:txBody>
+            <a:bodyPr rtlCol="0" anchor="ctr"/>
+            <a:lstStyle/>
+            <a:p>
+              <a:pPr algn="ctr"/>
+              <a:endParaRPr lang="en-US"/>
+            </a:p>
+          </p:txBody>
+        </p:sp>
+        <p:sp>
+          <p:nvSpPr>
+            <p:cNvPr id="4" name="Rectangle 3"/>
+            <p:cNvSpPr/>
+            <p:nvPr/>
+          </p:nvSpPr>
+          <p:spPr>
+            <a:xfrm rot="20225487">
+              <a:off x="2704925" y="2752481"/>
+              <a:ext cx="3605251" cy="2099887"/>
+            </a:xfrm>
+            <a:prstGeom prst="rect">
+              <a:avLst/>
+            </a:prstGeom>
+            <a:noFill/>
+          </p:spPr>
+          <p:txBody>
+            <a:bodyPr wrap="none" lIns="91440" tIns="45720" rIns="91440" bIns="45720">
+              <a:prstTxWarp prst="textArchUp">
+                <a:avLst>
+                  <a:gd name="adj" fmla="val 12967752"/>
+                </a:avLst>
+              </a:prstTxWarp>
+              <a:spAutoFit/>
+              <a:scene3d>
+                <a:camera prst="orthographicFront"/>
+                <a:lightRig rig="flat" dir="tl">
+                  <a:rot lat="0" lon="0" rev="6600000"/>
+                </a:lightRig>
+              </a:scene3d>
+              <a:sp3d extrusionH="25400" contourW="8890">
+                <a:bevelT w="38100" h="38100"/>
+                <a:contourClr>
+                  <a:schemeClr val="accent2">
+                    <a:shade val="75000"/>
+                  </a:schemeClr>
+                </a:contourClr>
+              </a:sp3d>
+            </a:bodyPr>
+            <a:lstStyle/>
+            <a:p>
+              <a:pPr algn="ctr"/>
+              <a:r>
+                <a:rPr lang="en-US" sz="9600" b="1" cap="none" spc="0" dirty="0" smtClean="0">
+                  <a:ln w="11430"/>
+                  <a:solidFill>
+                    <a:srgbClr val="FFFF00"/>
+                  </a:solidFill>
+                  <a:effectLst/>
+                </a:rPr>
+                <a:t>Go </a:t>
+              </a:r>
+              <a:r>
+                <a:rPr lang="en-US" sz="9600" b="1" cap="none" spc="0" dirty="0" smtClean="0">
+                  <a:ln w="11430"/>
+                  <a:solidFill>
+                    <a:srgbClr val="FFFF00"/>
+                  </a:solidFill>
+                  <a:effectLst/>
+                </a:rPr>
+                <a:t>FFT!</a:t>
+              </a:r>
+            </a:p>
+          </p:txBody>
+        </p:sp>
+      </p:grpSp>
+    </p:spTree>
+    <p:extLst>
+      <p:ext uri="{BB962C8B-B14F-4D97-AF65-F5344CB8AC3E}">
+        <p14:creationId xmlns:p14="http://schemas.microsoft.com/office/powerpoint/2010/main" val="3853747656"/>
+      </p:ext>
+    </p:extLst>
+  </p:cSld>
+  <p:clrMapOvr>
+    <a:masterClrMapping/>
+  </p:clrMapOvr>
+</p:sld>
+</file>
+
+<file path=ppt/slides/slide10.xml><?xml version="1.0" encoding="utf-8"?>
+<p:sld xmlns:a="http://schemas.openxmlformats.org/drawingml/2006/main" xmlns:r="http://schemas.openxmlformats.org/officeDocument/2006/relationships" xmlns:p="http://schemas.openxmlformats.org/presentationml/2006/main">
+  <p:cSld>
+    <p:spTree>
+      <p:nvGrpSpPr>
+        <p:cNvPr id="1" name=""/>
+        <p:cNvGrpSpPr/>
+        <p:nvPr/>
+      </p:nvGrpSpPr>
+      <p:grpSpPr>
+        <a:xfrm>
+          <a:off x="0" y="0"/>
+          <a:ext cx="0" cy="0"/>
+          <a:chOff x="0" y="0"/>
+          <a:chExt cx="0" cy="0"/>
+        </a:xfrm>
+      </p:grpSpPr>
+      <p:graphicFrame>
+        <p:nvGraphicFramePr>
+          <p:cNvPr id="2" name="Table 1"/>
+          <p:cNvGraphicFramePr>
+            <a:graphicFrameLocks noGrp="1"/>
+          </p:cNvGraphicFramePr>
+          <p:nvPr>
+            <p:extLst>
+              <p:ext uri="{D42A27DB-BD31-4B8C-83A1-F6EECF244321}">
+                <p14:modId xmlns:p14="http://schemas.microsoft.com/office/powerpoint/2010/main" val="1279215876"/>
+              </p:ext>
+            </p:extLst>
+          </p:nvPr>
+        </p:nvGraphicFramePr>
+        <p:xfrm>
+          <a:off x="2" y="2362200"/>
+          <a:ext cx="9143996" cy="1773555"/>
+        </p:xfrm>
+        <a:graphic>
+          <a:graphicData uri="http://schemas.openxmlformats.org/drawingml/2006/table">
+            <a:tbl>
+              <a:tblPr/>
+              <a:tblGrid>
+                <a:gridCol w="533398"/>
+                <a:gridCol w="753070"/>
+                <a:gridCol w="1304330"/>
+                <a:gridCol w="1143000"/>
+                <a:gridCol w="1066800"/>
+                <a:gridCol w="975886"/>
+                <a:gridCol w="1122504"/>
+                <a:gridCol w="1122504"/>
+                <a:gridCol w="1122504"/>
+              </a:tblGrid>
+              <a:tr h="190500">
+                <a:tc gridSpan="2">
+                  <a:txBody>
+                    <a:bodyPr/>
+                    <a:lstStyle/>
+                    <a:p>
+                      <a:pPr algn="ctr" fontAlgn="b"/>
+                      <a:r>
+                        <a:rPr lang="en-US" sz="1600" b="1" i="0" u="none" strike="noStrike" dirty="0">
+                          <a:solidFill>
+                            <a:srgbClr val="000000"/>
+                          </a:solidFill>
+                          <a:effectLst/>
+                          <a:latin typeface="Calibri"/>
+                        </a:rPr>
+                        <a:t> </a:t>
+                      </a:r>
+                    </a:p>
+                  </a:txBody>
+                  <a:tcPr marL="9525" marR="9525" marT="9525" marB="0" anchor="b">
+                    <a:lnL w="6350" cap="flat" cmpd="sng" algn="ctr">
+                      <a:solidFill>
+                        <a:srgbClr val="000000"/>
+                      </a:solidFill>
+                      <a:prstDash val="solid"/>
+                      <a:round/>
+                      <a:headEnd type="none" w="med" len="med"/>
+                      <a:tailEnd type="none" w="med" len="med"/>
+                    </a:lnL>
+                    <a:lnR w="6350" cap="flat" cmpd="sng" algn="ctr">
+                      <a:solidFill>
+                        <a:srgbClr val="000000"/>
+                      </a:solidFill>
+                      <a:prstDash val="solid"/>
+                      <a:round/>
+                      <a:headEnd type="none" w="med" len="med"/>
+                      <a:tailEnd type="none" w="med" len="med"/>
+                    </a:lnR>
+                    <a:lnT w="6350" cap="flat" cmpd="sng" algn="ctr">
+                      <a:solidFill>
+                        <a:srgbClr val="000000"/>
+                      </a:solidFill>
+                      <a:prstDash val="solid"/>
+                      <a:round/>
+                      <a:headEnd type="none" w="med" len="med"/>
+                      <a:tailEnd type="none" w="med" len="med"/>
+                    </a:lnT>
+                    <a:lnB w="6350" cap="flat" cmpd="sng" algn="ctr">
+                      <a:solidFill>
+                        <a:srgbClr val="000000"/>
+                      </a:solidFill>
+                      <a:prstDash val="solid"/>
+                      <a:round/>
+                      <a:headEnd type="none" w="med" len="med"/>
+                      <a:tailEnd type="none" w="med" len="med"/>
+                    </a:lnB>
+                    <a:solidFill>
+                      <a:srgbClr val="F2F2F2"/>
+                    </a:solidFill>
+                  </a:tcPr>
+                </a:tc>
+                <a:tc hMerge="1">
+                  <a:txBody>
+                    <a:bodyPr/>
+                    <a:lstStyle/>
+                    <a:p>
+                      <a:endParaRPr lang="en-US"/>
+                    </a:p>
+                  </a:txBody>
+                  <a:tcPr/>
+                </a:tc>
+                <a:tc gridSpan="7">
+                  <a:txBody>
+                    <a:bodyPr/>
+                    <a:lstStyle/>
+                    <a:p>
+                      <a:pPr algn="ctr" fontAlgn="b"/>
+                      <a:r>
+                        <a:rPr lang="en-US" sz="1600" b="1" i="0" u="none" strike="noStrike" dirty="0">
+                          <a:solidFill>
+                            <a:srgbClr val="000000"/>
+                          </a:solidFill>
+                          <a:effectLst/>
+                          <a:latin typeface="Calibri"/>
+                        </a:rPr>
+                        <a:t>Max Sample Rate (Hz) for FFT+IFFT with 50% Overlap  (Bigger is Better)</a:t>
+                      </a:r>
+                    </a:p>
+                  </a:txBody>
+                  <a:tcPr marL="9525" marR="9525" marT="9525" marB="0" anchor="b">
+                    <a:lnL w="6350" cap="flat" cmpd="sng" algn="ctr">
+                      <a:solidFill>
+                        <a:srgbClr val="000000"/>
+                      </a:solidFill>
+                      <a:prstDash val="solid"/>
+                      <a:round/>
+                      <a:headEnd type="none" w="med" len="med"/>
+                      <a:tailEnd type="none" w="med" len="med"/>
+                    </a:lnL>
+                    <a:lnR w="6350" cap="flat" cmpd="sng" algn="ctr">
+                      <a:solidFill>
+                        <a:srgbClr val="000000"/>
+                      </a:solidFill>
+                      <a:prstDash val="solid"/>
+                      <a:round/>
+                      <a:headEnd type="none" w="med" len="med"/>
+                      <a:tailEnd type="none" w="med" len="med"/>
+                    </a:lnR>
+                    <a:lnT w="6350" cap="flat" cmpd="sng" algn="ctr">
+                      <a:solidFill>
+                        <a:srgbClr val="000000"/>
+                      </a:solidFill>
+                      <a:prstDash val="solid"/>
+                      <a:round/>
+                      <a:headEnd type="none" w="med" len="med"/>
+                      <a:tailEnd type="none" w="med" len="med"/>
+                    </a:lnT>
+                    <a:lnB w="6350" cap="flat" cmpd="sng" algn="ctr">
+                      <a:solidFill>
+                        <a:srgbClr val="000000"/>
+                      </a:solidFill>
+                      <a:prstDash val="solid"/>
+                      <a:round/>
+                      <a:headEnd type="none" w="med" len="med"/>
+                      <a:tailEnd type="none" w="med" len="med"/>
+                    </a:lnB>
+                    <a:solidFill>
+                      <a:srgbClr val="F2F2F2"/>
+                    </a:solidFill>
+                  </a:tcPr>
+                </a:tc>
+                <a:tc hMerge="1">
+                  <a:txBody>
+                    <a:bodyPr/>
+                    <a:lstStyle/>
+                    <a:p>
+                      <a:endParaRPr lang="en-US"/>
+                    </a:p>
+                  </a:txBody>
+                  <a:tcPr/>
+                </a:tc>
+                <a:tc hMerge="1">
+                  <a:txBody>
+                    <a:bodyPr/>
+                    <a:lstStyle/>
+                    <a:p>
+                      <a:endParaRPr lang="en-US"/>
+                    </a:p>
+                  </a:txBody>
+                  <a:tcPr/>
+                </a:tc>
+                <a:tc hMerge="1">
+                  <a:txBody>
+                    <a:bodyPr/>
+                    <a:lstStyle/>
+                    <a:p>
+                      <a:endParaRPr lang="en-US"/>
+                    </a:p>
+                  </a:txBody>
+                  <a:tcPr/>
+                </a:tc>
+                <a:tc hMerge="1">
+                  <a:txBody>
+                    <a:bodyPr/>
+                    <a:lstStyle/>
+                    <a:p>
+                      <a:endParaRPr lang="en-US"/>
+                    </a:p>
+                  </a:txBody>
+                  <a:tcPr/>
+                </a:tc>
+                <a:tc hMerge="1">
+                  <a:txBody>
+                    <a:bodyPr/>
+                    <a:lstStyle/>
+                    <a:p>
+                      <a:endParaRPr lang="en-US"/>
+                    </a:p>
+                  </a:txBody>
+                  <a:tcPr/>
+                </a:tc>
+                <a:tc hMerge="1">
+                  <a:txBody>
+                    <a:bodyPr/>
+                    <a:lstStyle/>
+                    <a:p>
+                      <a:endParaRPr lang="en-US"/>
+                    </a:p>
+                  </a:txBody>
+                  <a:tcPr/>
+                </a:tc>
+              </a:tr>
+              <a:tr h="190500">
+                <a:tc gridSpan="2">
+                  <a:txBody>
+                    <a:bodyPr/>
+                    <a:lstStyle/>
+                    <a:p>
+                      <a:pPr algn="ctr" fontAlgn="b"/>
+                      <a:r>
+                        <a:rPr lang="en-US" sz="1600" b="1" i="0" u="none" strike="noStrike">
+                          <a:solidFill>
+                            <a:srgbClr val="000000"/>
+                          </a:solidFill>
+                          <a:effectLst/>
+                          <a:latin typeface="Calibri"/>
+                        </a:rPr>
+                        <a:t>Inputs</a:t>
+                      </a:r>
+                    </a:p>
+                  </a:txBody>
+                  <a:tcPr marL="9525" marR="9525" marT="9525" marB="0" anchor="b">
+                    <a:lnL w="6350" cap="flat" cmpd="sng" algn="ctr">
+                      <a:solidFill>
+                        <a:srgbClr val="000000"/>
+                      </a:solidFill>
+                      <a:prstDash val="solid"/>
+                      <a:round/>
+                      <a:headEnd type="none" w="med" len="med"/>
+                      <a:tailEnd type="none" w="med" len="med"/>
+                    </a:lnL>
+                    <a:lnR w="6350" cap="flat" cmpd="sng" algn="ctr">
+                      <a:solidFill>
+                        <a:srgbClr val="000000"/>
+                      </a:solidFill>
+                      <a:prstDash val="solid"/>
+                      <a:round/>
+                      <a:headEnd type="none" w="med" len="med"/>
+                      <a:tailEnd type="none" w="med" len="med"/>
+                    </a:lnR>
+                    <a:lnT w="6350" cap="flat" cmpd="sng" algn="ctr">
+                      <a:solidFill>
+                        <a:srgbClr val="000000"/>
+                      </a:solidFill>
+                      <a:prstDash val="solid"/>
+                      <a:round/>
+                      <a:headEnd type="none" w="med" len="med"/>
+                      <a:tailEnd type="none" w="med" len="med"/>
+                    </a:lnT>
+                    <a:lnB w="6350" cap="flat" cmpd="sng" algn="ctr">
+                      <a:solidFill>
+                        <a:srgbClr val="000000"/>
+                      </a:solidFill>
+                      <a:prstDash val="solid"/>
+                      <a:round/>
+                      <a:headEnd type="none" w="med" len="med"/>
+                      <a:tailEnd type="none" w="med" len="med"/>
+                    </a:lnB>
+                    <a:solidFill>
+                      <a:srgbClr val="FFFFFF"/>
+                    </a:solidFill>
+                  </a:tcPr>
+                </a:tc>
+                <a:tc hMerge="1">
+                  <a:txBody>
+                    <a:bodyPr/>
+                    <a:lstStyle/>
+                    <a:p>
+                      <a:endParaRPr lang="en-US"/>
+                    </a:p>
+                  </a:txBody>
+                  <a:tcPr/>
+                </a:tc>
+                <a:tc gridSpan="5">
+                  <a:txBody>
+                    <a:bodyPr/>
+                    <a:lstStyle/>
+                    <a:p>
+                      <a:pPr algn="ctr" fontAlgn="b"/>
+                      <a:r>
+                        <a:rPr lang="en-US" sz="1600" b="1" i="0" u="none" strike="noStrike">
+                          <a:solidFill>
+                            <a:srgbClr val="000000"/>
+                          </a:solidFill>
+                          <a:effectLst/>
+                          <a:latin typeface="Calibri"/>
+                        </a:rPr>
+                        <a:t>Generic C</a:t>
+                      </a:r>
+                    </a:p>
+                  </a:txBody>
+                  <a:tcPr marL="9525" marR="9525" marT="9525" marB="0" anchor="b">
+                    <a:lnL w="6350" cap="flat" cmpd="sng" algn="ctr">
+                      <a:solidFill>
+                        <a:srgbClr val="000000"/>
+                      </a:solidFill>
+                      <a:prstDash val="solid"/>
+                      <a:round/>
+                      <a:headEnd type="none" w="med" len="med"/>
+                      <a:tailEnd type="none" w="med" len="med"/>
+                    </a:lnL>
+                    <a:lnR w="6350" cap="flat" cmpd="sng" algn="ctr">
+                      <a:solidFill>
+                        <a:srgbClr val="000000"/>
+                      </a:solidFill>
+                      <a:prstDash val="solid"/>
+                      <a:round/>
+                      <a:headEnd type="none" w="med" len="med"/>
+                      <a:tailEnd type="none" w="med" len="med"/>
+                    </a:lnR>
+                    <a:lnT w="6350" cap="flat" cmpd="sng" algn="ctr">
+                      <a:solidFill>
+                        <a:srgbClr val="000000"/>
+                      </a:solidFill>
+                      <a:prstDash val="solid"/>
+                      <a:round/>
+                      <a:headEnd type="none" w="med" len="med"/>
+                      <a:tailEnd type="none" w="med" len="med"/>
+                    </a:lnT>
+                    <a:lnB w="6350" cap="flat" cmpd="sng" algn="ctr">
+                      <a:solidFill>
+                        <a:srgbClr val="000000"/>
+                      </a:solidFill>
+                      <a:prstDash val="solid"/>
+                      <a:round/>
+                      <a:headEnd type="none" w="med" len="med"/>
+                      <a:tailEnd type="none" w="med" len="med"/>
+                    </a:lnB>
+                    <a:solidFill>
+                      <a:srgbClr val="FDE9D9"/>
+                    </a:solidFill>
+                  </a:tcPr>
+                </a:tc>
+                <a:tc hMerge="1">
+                  <a:txBody>
+                    <a:bodyPr/>
+                    <a:lstStyle/>
+                    <a:p>
+                      <a:endParaRPr lang="en-US"/>
+                    </a:p>
+                  </a:txBody>
+                  <a:tcPr/>
+                </a:tc>
+                <a:tc hMerge="1">
+                  <a:txBody>
+                    <a:bodyPr/>
+                    <a:lstStyle/>
+                    <a:p>
+                      <a:endParaRPr lang="en-US"/>
+                    </a:p>
+                  </a:txBody>
+                  <a:tcPr/>
+                </a:tc>
+                <a:tc hMerge="1">
+                  <a:txBody>
+                    <a:bodyPr/>
+                    <a:lstStyle/>
+                    <a:p>
+                      <a:endParaRPr lang="en-US"/>
+                    </a:p>
+                  </a:txBody>
+                  <a:tcPr/>
+                </a:tc>
+                <a:tc hMerge="1">
+                  <a:txBody>
+                    <a:bodyPr/>
+                    <a:lstStyle/>
+                    <a:p>
+                      <a:endParaRPr lang="en-US"/>
+                    </a:p>
+                  </a:txBody>
+                  <a:tcPr/>
+                </a:tc>
+                <a:tc gridSpan="2">
+                  <a:txBody>
+                    <a:bodyPr/>
+                    <a:lstStyle/>
+                    <a:p>
+                      <a:pPr algn="ctr" fontAlgn="b"/>
+                      <a:r>
+                        <a:rPr lang="en-US" sz="1600" b="1" i="0" u="none" strike="noStrike">
+                          <a:solidFill>
+                            <a:srgbClr val="000000"/>
+                          </a:solidFill>
+                          <a:effectLst/>
+                          <a:latin typeface="Calibri"/>
+                        </a:rPr>
+                        <a:t>CMSIS</a:t>
+                      </a:r>
+                    </a:p>
+                  </a:txBody>
+                  <a:tcPr marL="9525" marR="9525" marT="9525" marB="0" anchor="b">
+                    <a:lnL w="6350" cap="flat" cmpd="sng" algn="ctr">
+                      <a:solidFill>
+                        <a:srgbClr val="000000"/>
+                      </a:solidFill>
+                      <a:prstDash val="solid"/>
+                      <a:round/>
+                      <a:headEnd type="none" w="med" len="med"/>
+                      <a:tailEnd type="none" w="med" len="med"/>
+                    </a:lnL>
+                    <a:lnR w="6350" cap="flat" cmpd="sng" algn="ctr">
+                      <a:solidFill>
+                        <a:srgbClr val="000000"/>
+                      </a:solidFill>
+                      <a:prstDash val="solid"/>
+                      <a:round/>
+                      <a:headEnd type="none" w="med" len="med"/>
+                      <a:tailEnd type="none" w="med" len="med"/>
+                    </a:lnR>
+                    <a:lnT w="6350" cap="flat" cmpd="sng" algn="ctr">
+                      <a:solidFill>
+                        <a:srgbClr val="000000"/>
+                      </a:solidFill>
+                      <a:prstDash val="solid"/>
+                      <a:round/>
+                      <a:headEnd type="none" w="med" len="med"/>
+                      <a:tailEnd type="none" w="med" len="med"/>
+                    </a:lnT>
+                    <a:lnB w="6350" cap="flat" cmpd="sng" algn="ctr">
+                      <a:solidFill>
+                        <a:srgbClr val="000000"/>
+                      </a:solidFill>
+                      <a:prstDash val="solid"/>
+                      <a:round/>
+                      <a:headEnd type="none" w="med" len="med"/>
+                      <a:tailEnd type="none" w="med" len="med"/>
+                    </a:lnB>
+                    <a:solidFill>
+                      <a:srgbClr val="DCE6F1"/>
+                    </a:solidFill>
+                  </a:tcPr>
+                </a:tc>
+                <a:tc hMerge="1">
+                  <a:txBody>
+                    <a:bodyPr/>
+                    <a:lstStyle/>
+                    <a:p>
+                      <a:endParaRPr lang="en-US"/>
+                    </a:p>
+                  </a:txBody>
+                  <a:tcPr/>
+                </a:tc>
+              </a:tr>
+              <a:tr h="190500">
+                <a:tc>
+                  <a:txBody>
+                    <a:bodyPr/>
+                    <a:lstStyle/>
+                    <a:p>
+                      <a:pPr algn="ctr" fontAlgn="b"/>
+                      <a:r>
+                        <a:rPr lang="en-US" sz="1600" b="1" i="0" u="none" strike="noStrike">
+                          <a:solidFill>
+                            <a:srgbClr val="000000"/>
+                          </a:solidFill>
+                          <a:effectLst/>
+                          <a:latin typeface="Calibri"/>
+                        </a:rPr>
+                        <a:t>N</a:t>
+                      </a:r>
+                    </a:p>
+                  </a:txBody>
+                  <a:tcPr marL="9525" marR="9525" marT="9525" marB="0" anchor="b">
+                    <a:lnL w="6350" cap="flat" cmpd="sng" algn="ctr">
+                      <a:solidFill>
+                        <a:srgbClr val="000000"/>
+                      </a:solidFill>
+                      <a:prstDash val="solid"/>
+                      <a:round/>
+                      <a:headEnd type="none" w="med" len="med"/>
+                      <a:tailEnd type="none" w="med" len="med"/>
+                    </a:lnL>
+                    <a:lnR w="6350" cap="flat" cmpd="sng" algn="ctr">
+                      <a:solidFill>
+                        <a:srgbClr val="000000"/>
+                      </a:solidFill>
+                      <a:prstDash val="solid"/>
+                      <a:round/>
+                      <a:headEnd type="none" w="med" len="med"/>
+                      <a:tailEnd type="none" w="med" len="med"/>
+                    </a:lnR>
+                    <a:lnT w="6350" cap="flat" cmpd="sng" algn="ctr">
+                      <a:solidFill>
+                        <a:srgbClr val="000000"/>
+                      </a:solidFill>
+                      <a:prstDash val="solid"/>
+                      <a:round/>
+                      <a:headEnd type="none" w="med" len="med"/>
+                      <a:tailEnd type="none" w="med" len="med"/>
+                    </a:lnT>
+                    <a:lnB w="6350" cap="flat" cmpd="sng" algn="ctr">
+                      <a:solidFill>
+                        <a:srgbClr val="000000"/>
+                      </a:solidFill>
+                      <a:prstDash val="solid"/>
+                      <a:round/>
+                      <a:headEnd type="none" w="med" len="med"/>
+                      <a:tailEnd type="none" w="med" len="med"/>
+                    </a:lnB>
+                    <a:solidFill>
+                      <a:srgbClr val="FFFFFF"/>
+                    </a:solidFill>
+                  </a:tcPr>
+                </a:tc>
+                <a:tc>
+                  <a:txBody>
+                    <a:bodyPr/>
+                    <a:lstStyle/>
+                    <a:p>
+                      <a:pPr algn="ctr" fontAlgn="b"/>
+                      <a:r>
+                        <a:rPr lang="en-US" sz="1600" b="1" i="0" u="none" strike="noStrike">
+                          <a:solidFill>
+                            <a:srgbClr val="000000"/>
+                          </a:solidFill>
+                          <a:effectLst/>
+                          <a:latin typeface="Calibri"/>
+                        </a:rPr>
+                        <a:t>Data</a:t>
+                      </a:r>
+                    </a:p>
+                  </a:txBody>
+                  <a:tcPr marL="9525" marR="9525" marT="9525" marB="0" anchor="b">
+                    <a:lnL w="6350" cap="flat" cmpd="sng" algn="ctr">
+                      <a:solidFill>
+                        <a:srgbClr val="000000"/>
+                      </a:solidFill>
+                      <a:prstDash val="solid"/>
+                      <a:round/>
+                      <a:headEnd type="none" w="med" len="med"/>
+                      <a:tailEnd type="none" w="med" len="med"/>
+                    </a:lnL>
+                    <a:lnR w="6350" cap="flat" cmpd="sng" algn="ctr">
+                      <a:solidFill>
+                        <a:srgbClr val="000000"/>
+                      </a:solidFill>
+                      <a:prstDash val="solid"/>
+                      <a:round/>
+                      <a:headEnd type="none" w="med" len="med"/>
+                      <a:tailEnd type="none" w="med" len="med"/>
+                    </a:lnR>
+                    <a:lnT w="6350" cap="flat" cmpd="sng" algn="ctr">
+                      <a:solidFill>
+                        <a:srgbClr val="000000"/>
+                      </a:solidFill>
+                      <a:prstDash val="solid"/>
+                      <a:round/>
+                      <a:headEnd type="none" w="med" len="med"/>
+                      <a:tailEnd type="none" w="med" len="med"/>
+                    </a:lnT>
+                    <a:lnB w="6350" cap="flat" cmpd="sng" algn="ctr">
+                      <a:solidFill>
+                        <a:srgbClr val="000000"/>
+                      </a:solidFill>
+                      <a:prstDash val="solid"/>
+                      <a:round/>
+                      <a:headEnd type="none" w="med" len="med"/>
+                      <a:tailEnd type="none" w="med" len="med"/>
+                    </a:lnB>
+                    <a:solidFill>
+                      <a:srgbClr val="FFFFFF"/>
+                    </a:solidFill>
+                  </a:tcPr>
+                </a:tc>
+                <a:tc>
+                  <a:txBody>
+                    <a:bodyPr/>
+                    <a:lstStyle/>
+                    <a:p>
+                      <a:pPr algn="ctr" fontAlgn="b"/>
+                      <a:r>
+                        <a:rPr lang="en-US" sz="1600" b="1" i="0" u="none" strike="noStrike">
+                          <a:solidFill>
+                            <a:srgbClr val="000000"/>
+                          </a:solidFill>
+                          <a:effectLst/>
+                          <a:latin typeface="Calibri"/>
+                        </a:rPr>
+                        <a:t>Arduino Uno</a:t>
+                      </a:r>
+                    </a:p>
+                  </a:txBody>
+                  <a:tcPr marL="9525" marR="9525" marT="9525" marB="0" anchor="b">
+                    <a:lnL w="6350" cap="flat" cmpd="sng" algn="ctr">
+                      <a:solidFill>
+                        <a:srgbClr val="000000"/>
+                      </a:solidFill>
+                      <a:prstDash val="solid"/>
+                      <a:round/>
+                      <a:headEnd type="none" w="med" len="med"/>
+                      <a:tailEnd type="none" w="med" len="med"/>
+                    </a:lnL>
+                    <a:lnR w="6350" cap="flat" cmpd="sng" algn="ctr">
+                      <a:solidFill>
+                        <a:srgbClr val="000000"/>
+                      </a:solidFill>
+                      <a:prstDash val="solid"/>
+                      <a:round/>
+                      <a:headEnd type="none" w="med" len="med"/>
+                      <a:tailEnd type="none" w="med" len="med"/>
+                    </a:lnR>
+                    <a:lnT w="6350" cap="flat" cmpd="sng" algn="ctr">
+                      <a:solidFill>
+                        <a:srgbClr val="000000"/>
+                      </a:solidFill>
+                      <a:prstDash val="solid"/>
+                      <a:round/>
+                      <a:headEnd type="none" w="med" len="med"/>
+                      <a:tailEnd type="none" w="med" len="med"/>
+                    </a:lnT>
+                    <a:lnB w="6350" cap="flat" cmpd="sng" algn="ctr">
+                      <a:solidFill>
+                        <a:srgbClr val="000000"/>
+                      </a:solidFill>
+                      <a:prstDash val="solid"/>
+                      <a:round/>
+                      <a:headEnd type="none" w="med" len="med"/>
+                      <a:tailEnd type="none" w="med" len="med"/>
+                    </a:lnB>
+                    <a:solidFill>
+                      <a:srgbClr val="FFFFFF"/>
+                    </a:solidFill>
+                  </a:tcPr>
+                </a:tc>
+                <a:tc>
+                  <a:txBody>
+                    <a:bodyPr/>
+                    <a:lstStyle/>
+                    <a:p>
+                      <a:pPr algn="ctr" fontAlgn="b"/>
+                      <a:r>
+                        <a:rPr lang="en-US" sz="1600" b="1" i="0" u="none" strike="noStrike">
+                          <a:solidFill>
+                            <a:srgbClr val="000000"/>
+                          </a:solidFill>
+                          <a:effectLst/>
+                          <a:latin typeface="Calibri"/>
+                        </a:rPr>
+                        <a:t>Arduino M0</a:t>
+                      </a:r>
+                    </a:p>
+                  </a:txBody>
+                  <a:tcPr marL="9525" marR="9525" marT="9525" marB="0" anchor="b">
+                    <a:lnL w="6350" cap="flat" cmpd="sng" algn="ctr">
+                      <a:solidFill>
+                        <a:srgbClr val="000000"/>
+                      </a:solidFill>
+                      <a:prstDash val="solid"/>
+                      <a:round/>
+                      <a:headEnd type="none" w="med" len="med"/>
+                      <a:tailEnd type="none" w="med" len="med"/>
+                    </a:lnL>
+                    <a:lnR w="6350" cap="flat" cmpd="sng" algn="ctr">
+                      <a:solidFill>
+                        <a:srgbClr val="000000"/>
+                      </a:solidFill>
+                      <a:prstDash val="solid"/>
+                      <a:round/>
+                      <a:headEnd type="none" w="med" len="med"/>
+                      <a:tailEnd type="none" w="med" len="med"/>
+                    </a:lnR>
+                    <a:lnT w="6350" cap="flat" cmpd="sng" algn="ctr">
+                      <a:solidFill>
+                        <a:srgbClr val="000000"/>
+                      </a:solidFill>
+                      <a:prstDash val="solid"/>
+                      <a:round/>
+                      <a:headEnd type="none" w="med" len="med"/>
+                      <a:tailEnd type="none" w="med" len="med"/>
+                    </a:lnT>
+                    <a:lnB w="6350" cap="flat" cmpd="sng" algn="ctr">
+                      <a:solidFill>
+                        <a:srgbClr val="000000"/>
+                      </a:solidFill>
+                      <a:prstDash val="solid"/>
+                      <a:round/>
+                      <a:headEnd type="none" w="med" len="med"/>
+                      <a:tailEnd type="none" w="med" len="med"/>
+                    </a:lnB>
+                    <a:solidFill>
+                      <a:srgbClr val="FFFFFF"/>
+                    </a:solidFill>
+                  </a:tcPr>
+                </a:tc>
+                <a:tc>
+                  <a:txBody>
+                    <a:bodyPr/>
+                    <a:lstStyle/>
+                    <a:p>
+                      <a:pPr algn="ctr" fontAlgn="b"/>
+                      <a:r>
+                        <a:rPr lang="en-US" sz="1600" b="1" i="0" u="none" strike="noStrike">
+                          <a:solidFill>
+                            <a:srgbClr val="000000"/>
+                          </a:solidFill>
+                          <a:effectLst/>
+                          <a:latin typeface="Calibri"/>
+                        </a:rPr>
+                        <a:t>Maple</a:t>
+                      </a:r>
+                    </a:p>
+                  </a:txBody>
+                  <a:tcPr marL="9525" marR="9525" marT="9525" marB="0" anchor="b">
+                    <a:lnL w="6350" cap="flat" cmpd="sng" algn="ctr">
+                      <a:solidFill>
+                        <a:srgbClr val="000000"/>
+                      </a:solidFill>
+                      <a:prstDash val="solid"/>
+                      <a:round/>
+                      <a:headEnd type="none" w="med" len="med"/>
+                      <a:tailEnd type="none" w="med" len="med"/>
+                    </a:lnL>
+                    <a:lnR w="6350" cap="flat" cmpd="sng" algn="ctr">
+                      <a:solidFill>
+                        <a:srgbClr val="000000"/>
+                      </a:solidFill>
+                      <a:prstDash val="solid"/>
+                      <a:round/>
+                      <a:headEnd type="none" w="med" len="med"/>
+                      <a:tailEnd type="none" w="med" len="med"/>
+                    </a:lnR>
+                    <a:lnT w="6350" cap="flat" cmpd="sng" algn="ctr">
+                      <a:solidFill>
+                        <a:srgbClr val="000000"/>
+                      </a:solidFill>
+                      <a:prstDash val="solid"/>
+                      <a:round/>
+                      <a:headEnd type="none" w="med" len="med"/>
+                      <a:tailEnd type="none" w="med" len="med"/>
+                    </a:lnT>
+                    <a:lnB w="6350" cap="flat" cmpd="sng" algn="ctr">
+                      <a:solidFill>
+                        <a:srgbClr val="000000"/>
+                      </a:solidFill>
+                      <a:prstDash val="solid"/>
+                      <a:round/>
+                      <a:headEnd type="none" w="med" len="med"/>
+                      <a:tailEnd type="none" w="med" len="med"/>
+                    </a:lnB>
+                    <a:solidFill>
+                      <a:srgbClr val="FFFFFF"/>
+                    </a:solidFill>
+                  </a:tcPr>
+                </a:tc>
+                <a:tc>
+                  <a:txBody>
+                    <a:bodyPr/>
+                    <a:lstStyle/>
+                    <a:p>
+                      <a:pPr algn="ctr" fontAlgn="b"/>
+                      <a:r>
+                        <a:rPr lang="en-US" sz="1600" b="1" i="0" u="none" strike="noStrike">
+                          <a:solidFill>
+                            <a:srgbClr val="000000"/>
+                          </a:solidFill>
+                          <a:effectLst/>
+                          <a:latin typeface="Calibri"/>
+                        </a:rPr>
+                        <a:t>Teensy 3.2</a:t>
+                      </a:r>
+                    </a:p>
+                  </a:txBody>
+                  <a:tcPr marL="9525" marR="9525" marT="9525" marB="0" anchor="b">
+                    <a:lnL w="6350" cap="flat" cmpd="sng" algn="ctr">
+                      <a:solidFill>
+                        <a:srgbClr val="000000"/>
+                      </a:solidFill>
+                      <a:prstDash val="solid"/>
+                      <a:round/>
+                      <a:headEnd type="none" w="med" len="med"/>
+                      <a:tailEnd type="none" w="med" len="med"/>
+                    </a:lnL>
+                    <a:lnR w="6350" cap="flat" cmpd="sng" algn="ctr">
+                      <a:solidFill>
+                        <a:srgbClr val="000000"/>
+                      </a:solidFill>
+                      <a:prstDash val="solid"/>
+                      <a:round/>
+                      <a:headEnd type="none" w="med" len="med"/>
+                      <a:tailEnd type="none" w="med" len="med"/>
+                    </a:lnR>
+                    <a:lnT w="6350" cap="flat" cmpd="sng" algn="ctr">
+                      <a:solidFill>
+                        <a:srgbClr val="000000"/>
+                      </a:solidFill>
+                      <a:prstDash val="solid"/>
+                      <a:round/>
+                      <a:headEnd type="none" w="med" len="med"/>
+                      <a:tailEnd type="none" w="med" len="med"/>
+                    </a:lnT>
+                    <a:lnB w="6350" cap="flat" cmpd="sng" algn="ctr">
+                      <a:solidFill>
+                        <a:srgbClr val="000000"/>
+                      </a:solidFill>
+                      <a:prstDash val="solid"/>
+                      <a:round/>
+                      <a:headEnd type="none" w="med" len="med"/>
+                      <a:tailEnd type="none" w="med" len="med"/>
+                    </a:lnB>
+                    <a:solidFill>
+                      <a:srgbClr val="FFFFFF"/>
+                    </a:solidFill>
+                  </a:tcPr>
+                </a:tc>
+                <a:tc>
+                  <a:txBody>
+                    <a:bodyPr/>
+                    <a:lstStyle/>
+                    <a:p>
+                      <a:pPr algn="ctr" fontAlgn="b"/>
+                      <a:r>
+                        <a:rPr lang="en-US" sz="1600" b="1" i="0" u="none" strike="noStrike">
+                          <a:solidFill>
+                            <a:srgbClr val="000000"/>
+                          </a:solidFill>
+                          <a:effectLst/>
+                          <a:latin typeface="Calibri"/>
+                        </a:rPr>
+                        <a:t>FRDM-K66F</a:t>
+                      </a:r>
+                    </a:p>
+                  </a:txBody>
+                  <a:tcPr marL="9525" marR="9525" marT="9525" marB="0" anchor="b">
+                    <a:lnL w="6350" cap="flat" cmpd="sng" algn="ctr">
+                      <a:solidFill>
+                        <a:srgbClr val="000000"/>
+                      </a:solidFill>
+                      <a:prstDash val="solid"/>
+                      <a:round/>
+                      <a:headEnd type="none" w="med" len="med"/>
+                      <a:tailEnd type="none" w="med" len="med"/>
+                    </a:lnL>
+                    <a:lnR w="6350" cap="flat" cmpd="sng" algn="ctr">
+                      <a:solidFill>
+                        <a:srgbClr val="000000"/>
+                      </a:solidFill>
+                      <a:prstDash val="solid"/>
+                      <a:round/>
+                      <a:headEnd type="none" w="med" len="med"/>
+                      <a:tailEnd type="none" w="med" len="med"/>
+                    </a:lnR>
+                    <a:lnT w="6350" cap="flat" cmpd="sng" algn="ctr">
+                      <a:solidFill>
+                        <a:srgbClr val="000000"/>
+                      </a:solidFill>
+                      <a:prstDash val="solid"/>
+                      <a:round/>
+                      <a:headEnd type="none" w="med" len="med"/>
+                      <a:tailEnd type="none" w="med" len="med"/>
+                    </a:lnT>
+                    <a:lnB w="6350" cap="flat" cmpd="sng" algn="ctr">
+                      <a:solidFill>
+                        <a:srgbClr val="000000"/>
+                      </a:solidFill>
+                      <a:prstDash val="solid"/>
+                      <a:round/>
+                      <a:headEnd type="none" w="med" len="med"/>
+                      <a:tailEnd type="none" w="med" len="med"/>
+                    </a:lnB>
+                    <a:solidFill>
+                      <a:srgbClr val="FFFFFF"/>
+                    </a:solidFill>
+                  </a:tcPr>
+                </a:tc>
+                <a:tc>
+                  <a:txBody>
+                    <a:bodyPr/>
+                    <a:lstStyle/>
+                    <a:p>
+                      <a:pPr algn="ctr" fontAlgn="b"/>
+                      <a:r>
+                        <a:rPr lang="en-US" sz="1600" b="1" i="0" u="none" strike="noStrike">
+                          <a:solidFill>
+                            <a:srgbClr val="000000"/>
+                          </a:solidFill>
+                          <a:effectLst/>
+                          <a:latin typeface="Calibri"/>
+                        </a:rPr>
+                        <a:t>Teensy 3.2</a:t>
+                      </a:r>
+                    </a:p>
+                  </a:txBody>
+                  <a:tcPr marL="9525" marR="9525" marT="9525" marB="0" anchor="b">
+                    <a:lnL w="6350" cap="flat" cmpd="sng" algn="ctr">
+                      <a:solidFill>
+                        <a:srgbClr val="000000"/>
+                      </a:solidFill>
+                      <a:prstDash val="solid"/>
+                      <a:round/>
+                      <a:headEnd type="none" w="med" len="med"/>
+                      <a:tailEnd type="none" w="med" len="med"/>
+                    </a:lnL>
+                    <a:lnR w="6350" cap="flat" cmpd="sng" algn="ctr">
+                      <a:solidFill>
+                        <a:srgbClr val="000000"/>
+                      </a:solidFill>
+                      <a:prstDash val="solid"/>
+                      <a:round/>
+                      <a:headEnd type="none" w="med" len="med"/>
+                      <a:tailEnd type="none" w="med" len="med"/>
+                    </a:lnR>
+                    <a:lnT w="6350" cap="flat" cmpd="sng" algn="ctr">
+                      <a:solidFill>
+                        <a:srgbClr val="000000"/>
+                      </a:solidFill>
+                      <a:prstDash val="solid"/>
+                      <a:round/>
+                      <a:headEnd type="none" w="med" len="med"/>
+                      <a:tailEnd type="none" w="med" len="med"/>
+                    </a:lnT>
+                    <a:lnB w="6350" cap="flat" cmpd="sng" algn="ctr">
+                      <a:solidFill>
+                        <a:srgbClr val="000000"/>
+                      </a:solidFill>
+                      <a:prstDash val="solid"/>
+                      <a:round/>
+                      <a:headEnd type="none" w="med" len="med"/>
+                      <a:tailEnd type="none" w="med" len="med"/>
+                    </a:lnB>
+                    <a:solidFill>
+                      <a:srgbClr val="FFFFFF"/>
+                    </a:solidFill>
+                  </a:tcPr>
+                </a:tc>
+                <a:tc>
+                  <a:txBody>
+                    <a:bodyPr/>
+                    <a:lstStyle/>
+                    <a:p>
+                      <a:pPr algn="ctr" fontAlgn="b"/>
+                      <a:r>
+                        <a:rPr lang="en-US" sz="1600" b="1" i="0" u="none" strike="noStrike">
+                          <a:solidFill>
+                            <a:srgbClr val="000000"/>
+                          </a:solidFill>
+                          <a:effectLst/>
+                          <a:latin typeface="Calibri"/>
+                        </a:rPr>
+                        <a:t>FRDM-K66F</a:t>
+                      </a:r>
+                    </a:p>
+                  </a:txBody>
+                  <a:tcPr marL="9525" marR="9525" marT="9525" marB="0" anchor="b">
+                    <a:lnL w="6350" cap="flat" cmpd="sng" algn="ctr">
+                      <a:solidFill>
+                        <a:srgbClr val="000000"/>
+                      </a:solidFill>
+                      <a:prstDash val="solid"/>
+                      <a:round/>
+                      <a:headEnd type="none" w="med" len="med"/>
+                      <a:tailEnd type="none" w="med" len="med"/>
+                    </a:lnL>
+                    <a:lnR w="6350" cap="flat" cmpd="sng" algn="ctr">
+                      <a:solidFill>
+                        <a:srgbClr val="000000"/>
+                      </a:solidFill>
+                      <a:prstDash val="solid"/>
+                      <a:round/>
+                      <a:headEnd type="none" w="med" len="med"/>
+                      <a:tailEnd type="none" w="med" len="med"/>
+                    </a:lnR>
+                    <a:lnT w="6350" cap="flat" cmpd="sng" algn="ctr">
+                      <a:solidFill>
+                        <a:srgbClr val="000000"/>
+                      </a:solidFill>
+                      <a:prstDash val="solid"/>
+                      <a:round/>
+                      <a:headEnd type="none" w="med" len="med"/>
+                      <a:tailEnd type="none" w="med" len="med"/>
+                    </a:lnT>
+                    <a:lnB w="6350" cap="flat" cmpd="sng" algn="ctr">
+                      <a:solidFill>
+                        <a:srgbClr val="000000"/>
+                      </a:solidFill>
+                      <a:prstDash val="solid"/>
+                      <a:round/>
+                      <a:headEnd type="none" w="med" len="med"/>
+                      <a:tailEnd type="none" w="med" len="med"/>
+                    </a:lnB>
+                    <a:solidFill>
+                      <a:srgbClr val="FFFFFF"/>
+                    </a:solidFill>
+                  </a:tcPr>
+                </a:tc>
+              </a:tr>
+              <a:tr h="190500">
+                <a:tc>
+                  <a:txBody>
+                    <a:bodyPr/>
+                    <a:lstStyle/>
+                    <a:p>
+                      <a:pPr algn="ctr" fontAlgn="b"/>
+                      <a:r>
+                        <a:rPr lang="en-US" sz="1600" b="0" i="0" u="none" strike="noStrike">
+                          <a:solidFill>
+                            <a:srgbClr val="000000"/>
+                          </a:solidFill>
+                          <a:effectLst/>
+                          <a:latin typeface="Calibri"/>
+                        </a:rPr>
+                        <a:t>128</a:t>
+                      </a:r>
+                    </a:p>
+                  </a:txBody>
+                  <a:tcPr marL="9525" marR="9525" marT="9525" marB="0" anchor="b">
+                    <a:lnL w="6350" cap="flat" cmpd="sng" algn="ctr">
+                      <a:solidFill>
+                        <a:srgbClr val="000000"/>
+                      </a:solidFill>
+                      <a:prstDash val="solid"/>
+                      <a:round/>
+                      <a:headEnd type="none" w="med" len="med"/>
+                      <a:tailEnd type="none" w="med" len="med"/>
+                    </a:lnL>
+                    <a:lnR w="6350" cap="flat" cmpd="sng" algn="ctr">
+                      <a:solidFill>
+                        <a:srgbClr val="000000"/>
+                      </a:solidFill>
+                      <a:prstDash val="solid"/>
+                      <a:round/>
+                      <a:headEnd type="none" w="med" len="med"/>
+                      <a:tailEnd type="none" w="med" len="med"/>
+                    </a:lnR>
+                    <a:lnT w="6350" cap="flat" cmpd="sng" algn="ctr">
+                      <a:solidFill>
+                        <a:srgbClr val="000000"/>
+                      </a:solidFill>
+                      <a:prstDash val="solid"/>
+                      <a:round/>
+                      <a:headEnd type="none" w="med" len="med"/>
+                      <a:tailEnd type="none" w="med" len="med"/>
+                    </a:lnT>
+                    <a:lnB w="6350" cap="flat" cmpd="sng" algn="ctr">
+                      <a:solidFill>
+                        <a:srgbClr val="000000"/>
+                      </a:solidFill>
+                      <a:prstDash val="solid"/>
+                      <a:round/>
+                      <a:headEnd type="none" w="med" len="med"/>
+                      <a:tailEnd type="none" w="med" len="med"/>
+                    </a:lnB>
+                    <a:solidFill>
+                      <a:srgbClr val="FFFFFF"/>
+                    </a:solidFill>
+                  </a:tcPr>
+                </a:tc>
+                <a:tc>
+                  <a:txBody>
+                    <a:bodyPr/>
+                    <a:lstStyle/>
+                    <a:p>
+                      <a:pPr algn="ctr" fontAlgn="b"/>
+                      <a:r>
+                        <a:rPr lang="en-US" sz="1600" b="0" i="0" u="none" strike="noStrike">
+                          <a:solidFill>
+                            <a:srgbClr val="000000"/>
+                          </a:solidFill>
+                          <a:effectLst/>
+                          <a:latin typeface="Calibri"/>
+                        </a:rPr>
+                        <a:t>Int16</a:t>
+                      </a:r>
+                    </a:p>
+                  </a:txBody>
+                  <a:tcPr marL="9525" marR="9525" marT="9525" marB="0" anchor="b">
+                    <a:lnL w="6350" cap="flat" cmpd="sng" algn="ctr">
+                      <a:solidFill>
+                        <a:srgbClr val="000000"/>
+                      </a:solidFill>
+                      <a:prstDash val="solid"/>
+                      <a:round/>
+                      <a:headEnd type="none" w="med" len="med"/>
+                      <a:tailEnd type="none" w="med" len="med"/>
+                    </a:lnL>
+                    <a:lnR w="6350" cap="flat" cmpd="sng" algn="ctr">
+                      <a:solidFill>
+                        <a:srgbClr val="000000"/>
+                      </a:solidFill>
+                      <a:prstDash val="solid"/>
+                      <a:round/>
+                      <a:headEnd type="none" w="med" len="med"/>
+                      <a:tailEnd type="none" w="med" len="med"/>
+                    </a:lnR>
+                    <a:lnT w="6350" cap="flat" cmpd="sng" algn="ctr">
+                      <a:solidFill>
+                        <a:srgbClr val="000000"/>
+                      </a:solidFill>
+                      <a:prstDash val="solid"/>
+                      <a:round/>
+                      <a:headEnd type="none" w="med" len="med"/>
+                      <a:tailEnd type="none" w="med" len="med"/>
+                    </a:lnT>
+                    <a:lnB w="6350" cap="flat" cmpd="sng" algn="ctr">
+                      <a:solidFill>
+                        <a:srgbClr val="000000"/>
+                      </a:solidFill>
+                      <a:prstDash val="solid"/>
+                      <a:round/>
+                      <a:headEnd type="none" w="med" len="med"/>
+                      <a:tailEnd type="none" w="med" len="med"/>
+                    </a:lnB>
+                    <a:solidFill>
+                      <a:srgbClr val="FFFFFF"/>
+                    </a:solidFill>
+                  </a:tcPr>
+                </a:tc>
+                <a:tc>
+                  <a:txBody>
+                    <a:bodyPr/>
+                    <a:lstStyle/>
+                    <a:p>
+                      <a:pPr algn="ctr" fontAlgn="b"/>
+                      <a:r>
+                        <a:rPr lang="en-US" sz="1600" b="0" i="0" u="none" strike="noStrike">
+                          <a:solidFill>
+                            <a:srgbClr val="000000"/>
+                          </a:solidFill>
+                          <a:effectLst/>
+                          <a:latin typeface="Calibri"/>
+                        </a:rPr>
+                        <a:t>*</a:t>
+                      </a:r>
+                    </a:p>
+                  </a:txBody>
+                  <a:tcPr marL="9525" marR="9525" marT="9525" marB="0" anchor="b">
+                    <a:lnL w="6350" cap="flat" cmpd="sng" algn="ctr">
+                      <a:solidFill>
+                        <a:srgbClr val="000000"/>
+                      </a:solidFill>
+                      <a:prstDash val="solid"/>
+                      <a:round/>
+                      <a:headEnd type="none" w="med" len="med"/>
+                      <a:tailEnd type="none" w="med" len="med"/>
+                    </a:lnL>
+                    <a:lnR w="6350" cap="flat" cmpd="sng" algn="ctr">
+                      <a:solidFill>
+                        <a:srgbClr val="000000"/>
+                      </a:solidFill>
+                      <a:prstDash val="solid"/>
+                      <a:round/>
+                      <a:headEnd type="none" w="med" len="med"/>
+                      <a:tailEnd type="none" w="med" len="med"/>
+                    </a:lnR>
+                    <a:lnT w="6350" cap="flat" cmpd="sng" algn="ctr">
+                      <a:solidFill>
+                        <a:srgbClr val="000000"/>
+                      </a:solidFill>
+                      <a:prstDash val="solid"/>
+                      <a:round/>
+                      <a:headEnd type="none" w="med" len="med"/>
+                      <a:tailEnd type="none" w="med" len="med"/>
+                    </a:lnT>
+                    <a:lnB w="6350" cap="flat" cmpd="sng" algn="ctr">
+                      <a:solidFill>
+                        <a:srgbClr val="000000"/>
+                      </a:solidFill>
+                      <a:prstDash val="solid"/>
+                      <a:round/>
+                      <a:headEnd type="none" w="med" len="med"/>
+                      <a:tailEnd type="none" w="med" len="med"/>
+                    </a:lnB>
+                    <a:solidFill>
+                      <a:srgbClr val="F2DCDB"/>
+                    </a:solidFill>
+                  </a:tcPr>
+                </a:tc>
+                <a:tc>
+                  <a:txBody>
+                    <a:bodyPr/>
+                    <a:lstStyle/>
+                    <a:p>
+                      <a:pPr algn="ctr" fontAlgn="b"/>
+                      <a:r>
+                        <a:rPr lang="en-US" sz="1600" b="0" i="0" u="none" strike="noStrike">
+                          <a:solidFill>
+                            <a:srgbClr val="000000"/>
+                          </a:solidFill>
+                          <a:effectLst/>
+                          <a:latin typeface="Calibri"/>
+                        </a:rPr>
+                        <a:t>20,447 </a:t>
+                      </a:r>
+                    </a:p>
+                  </a:txBody>
+                  <a:tcPr marL="9525" marR="9525" marT="9525" marB="0" anchor="b">
+                    <a:lnL w="6350" cap="flat" cmpd="sng" algn="ctr">
+                      <a:solidFill>
+                        <a:srgbClr val="000000"/>
+                      </a:solidFill>
+                      <a:prstDash val="solid"/>
+                      <a:round/>
+                      <a:headEnd type="none" w="med" len="med"/>
+                      <a:tailEnd type="none" w="med" len="med"/>
+                    </a:lnL>
+                    <a:lnR w="6350" cap="flat" cmpd="sng" algn="ctr">
+                      <a:solidFill>
+                        <a:srgbClr val="000000"/>
+                      </a:solidFill>
+                      <a:prstDash val="solid"/>
+                      <a:round/>
+                      <a:headEnd type="none" w="med" len="med"/>
+                      <a:tailEnd type="none" w="med" len="med"/>
+                    </a:lnR>
+                    <a:lnT w="6350" cap="flat" cmpd="sng" algn="ctr">
+                      <a:solidFill>
+                        <a:srgbClr val="000000"/>
+                      </a:solidFill>
+                      <a:prstDash val="solid"/>
+                      <a:round/>
+                      <a:headEnd type="none" w="med" len="med"/>
+                      <a:tailEnd type="none" w="med" len="med"/>
+                    </a:lnT>
+                    <a:lnB w="6350" cap="flat" cmpd="sng" algn="ctr">
+                      <a:solidFill>
+                        <a:srgbClr val="000000"/>
+                      </a:solidFill>
+                      <a:prstDash val="solid"/>
+                      <a:round/>
+                      <a:headEnd type="none" w="med" len="med"/>
+                      <a:tailEnd type="none" w="med" len="med"/>
+                    </a:lnB>
+                    <a:solidFill>
+                      <a:srgbClr val="F2DCDB"/>
+                    </a:solidFill>
+                  </a:tcPr>
+                </a:tc>
+                <a:tc>
+                  <a:txBody>
+                    <a:bodyPr/>
+                    <a:lstStyle/>
+                    <a:p>
+                      <a:pPr algn="ctr" fontAlgn="b"/>
+                      <a:r>
+                        <a:rPr lang="en-US" sz="1600" b="1" i="0" u="none" strike="noStrike">
+                          <a:solidFill>
+                            <a:srgbClr val="000000"/>
+                          </a:solidFill>
+                          <a:effectLst/>
+                          <a:latin typeface="Calibri"/>
+                        </a:rPr>
+                        <a:t>52,597 </a:t>
+                      </a:r>
+                    </a:p>
+                  </a:txBody>
+                  <a:tcPr marL="9525" marR="9525" marT="9525" marB="0" anchor="b">
+                    <a:lnL w="6350" cap="flat" cmpd="sng" algn="ctr">
+                      <a:solidFill>
+                        <a:srgbClr val="000000"/>
+                      </a:solidFill>
+                      <a:prstDash val="solid"/>
+                      <a:round/>
+                      <a:headEnd type="none" w="med" len="med"/>
+                      <a:tailEnd type="none" w="med" len="med"/>
+                    </a:lnL>
+                    <a:lnR w="6350" cap="flat" cmpd="sng" algn="ctr">
+                      <a:solidFill>
+                        <a:srgbClr val="000000"/>
+                      </a:solidFill>
+                      <a:prstDash val="solid"/>
+                      <a:round/>
+                      <a:headEnd type="none" w="med" len="med"/>
+                      <a:tailEnd type="none" w="med" len="med"/>
+                    </a:lnR>
+                    <a:lnT w="6350" cap="flat" cmpd="sng" algn="ctr">
+                      <a:solidFill>
+                        <a:srgbClr val="000000"/>
+                      </a:solidFill>
+                      <a:prstDash val="solid"/>
+                      <a:round/>
+                      <a:headEnd type="none" w="med" len="med"/>
+                      <a:tailEnd type="none" w="med" len="med"/>
+                    </a:lnT>
+                    <a:lnB w="6350" cap="flat" cmpd="sng" algn="ctr">
+                      <a:solidFill>
+                        <a:srgbClr val="000000"/>
+                      </a:solidFill>
+                      <a:prstDash val="solid"/>
+                      <a:round/>
+                      <a:headEnd type="none" w="med" len="med"/>
+                      <a:tailEnd type="none" w="med" len="med"/>
+                    </a:lnB>
+                    <a:solidFill>
+                      <a:srgbClr val="CCFFCC"/>
+                    </a:solidFill>
+                  </a:tcPr>
+                </a:tc>
+                <a:tc>
+                  <a:txBody>
+                    <a:bodyPr/>
+                    <a:lstStyle/>
+                    <a:p>
+                      <a:pPr algn="ctr" fontAlgn="b"/>
+                      <a:r>
+                        <a:rPr lang="en-US" sz="1600" b="1" i="0" u="none" strike="noStrike">
+                          <a:solidFill>
+                            <a:srgbClr val="000000"/>
+                          </a:solidFill>
+                          <a:effectLst/>
+                          <a:latin typeface="Calibri"/>
+                        </a:rPr>
+                        <a:t>61,491 </a:t>
+                      </a:r>
+                    </a:p>
+                  </a:txBody>
+                  <a:tcPr marL="9525" marR="9525" marT="9525" marB="0" anchor="b">
+                    <a:lnL w="6350" cap="flat" cmpd="sng" algn="ctr">
+                      <a:solidFill>
+                        <a:srgbClr val="000000"/>
+                      </a:solidFill>
+                      <a:prstDash val="solid"/>
+                      <a:round/>
+                      <a:headEnd type="none" w="med" len="med"/>
+                      <a:tailEnd type="none" w="med" len="med"/>
+                    </a:lnL>
+                    <a:lnR w="6350" cap="flat" cmpd="sng" algn="ctr">
+                      <a:solidFill>
+                        <a:srgbClr val="000000"/>
+                      </a:solidFill>
+                      <a:prstDash val="solid"/>
+                      <a:round/>
+                      <a:headEnd type="none" w="med" len="med"/>
+                      <a:tailEnd type="none" w="med" len="med"/>
+                    </a:lnR>
+                    <a:lnT w="6350" cap="flat" cmpd="sng" algn="ctr">
+                      <a:solidFill>
+                        <a:srgbClr val="000000"/>
+                      </a:solidFill>
+                      <a:prstDash val="solid"/>
+                      <a:round/>
+                      <a:headEnd type="none" w="med" len="med"/>
+                      <a:tailEnd type="none" w="med" len="med"/>
+                    </a:lnT>
+                    <a:lnB w="6350" cap="flat" cmpd="sng" algn="ctr">
+                      <a:solidFill>
+                        <a:srgbClr val="000000"/>
+                      </a:solidFill>
+                      <a:prstDash val="solid"/>
+                      <a:round/>
+                      <a:headEnd type="none" w="med" len="med"/>
+                      <a:tailEnd type="none" w="med" len="med"/>
+                    </a:lnB>
+                    <a:solidFill>
+                      <a:srgbClr val="CCFFCC"/>
+                    </a:solidFill>
+                  </a:tcPr>
+                </a:tc>
+                <a:tc>
+                  <a:txBody>
+                    <a:bodyPr/>
+                    <a:lstStyle/>
+                    <a:p>
+                      <a:pPr algn="ctr" fontAlgn="b"/>
+                      <a:r>
+                        <a:rPr lang="en-US" sz="1600" b="1" i="0" u="none" strike="noStrike">
+                          <a:solidFill>
+                            <a:srgbClr val="000000"/>
+                          </a:solidFill>
+                          <a:effectLst/>
+                          <a:latin typeface="Calibri"/>
+                        </a:rPr>
+                        <a:t>91,691 </a:t>
+                      </a:r>
+                    </a:p>
+                  </a:txBody>
+                  <a:tcPr marL="9525" marR="9525" marT="9525" marB="0" anchor="b">
+                    <a:lnL w="6350" cap="flat" cmpd="sng" algn="ctr">
+                      <a:solidFill>
+                        <a:srgbClr val="000000"/>
+                      </a:solidFill>
+                      <a:prstDash val="solid"/>
+                      <a:round/>
+                      <a:headEnd type="none" w="med" len="med"/>
+                      <a:tailEnd type="none" w="med" len="med"/>
+                    </a:lnL>
+                    <a:lnR w="6350" cap="flat" cmpd="sng" algn="ctr">
+                      <a:solidFill>
+                        <a:srgbClr val="000000"/>
+                      </a:solidFill>
+                      <a:prstDash val="solid"/>
+                      <a:round/>
+                      <a:headEnd type="none" w="med" len="med"/>
+                      <a:tailEnd type="none" w="med" len="med"/>
+                    </a:lnR>
+                    <a:lnT w="6350" cap="flat" cmpd="sng" algn="ctr">
+                      <a:solidFill>
+                        <a:srgbClr val="000000"/>
+                      </a:solidFill>
+                      <a:prstDash val="solid"/>
+                      <a:round/>
+                      <a:headEnd type="none" w="med" len="med"/>
+                      <a:tailEnd type="none" w="med" len="med"/>
+                    </a:lnT>
+                    <a:lnB w="6350" cap="flat" cmpd="sng" algn="ctr">
+                      <a:solidFill>
+                        <a:srgbClr val="000000"/>
+                      </a:solidFill>
+                      <a:prstDash val="solid"/>
+                      <a:round/>
+                      <a:headEnd type="none" w="med" len="med"/>
+                      <a:tailEnd type="none" w="med" len="med"/>
+                    </a:lnB>
+                    <a:solidFill>
+                      <a:srgbClr val="CCFFCC"/>
+                    </a:solidFill>
+                  </a:tcPr>
+                </a:tc>
+                <a:tc>
+                  <a:txBody>
+                    <a:bodyPr/>
+                    <a:lstStyle/>
+                    <a:p>
+                      <a:pPr algn="ctr" fontAlgn="b"/>
+                      <a:r>
+                        <a:rPr lang="en-US" sz="1600" b="1" i="0" u="none" strike="noStrike">
+                          <a:solidFill>
+                            <a:srgbClr val="000000"/>
+                          </a:solidFill>
+                          <a:effectLst/>
+                          <a:latin typeface="Calibri"/>
+                        </a:rPr>
+                        <a:t>228,997 </a:t>
+                      </a:r>
+                    </a:p>
+                  </a:txBody>
+                  <a:tcPr marL="9525" marR="9525" marT="9525" marB="0" anchor="b">
+                    <a:lnL w="6350" cap="flat" cmpd="sng" algn="ctr">
+                      <a:solidFill>
+                        <a:srgbClr val="000000"/>
+                      </a:solidFill>
+                      <a:prstDash val="solid"/>
+                      <a:round/>
+                      <a:headEnd type="none" w="med" len="med"/>
+                      <a:tailEnd type="none" w="med" len="med"/>
+                    </a:lnL>
+                    <a:lnR w="6350" cap="flat" cmpd="sng" algn="ctr">
+                      <a:solidFill>
+                        <a:srgbClr val="000000"/>
+                      </a:solidFill>
+                      <a:prstDash val="solid"/>
+                      <a:round/>
+                      <a:headEnd type="none" w="med" len="med"/>
+                      <a:tailEnd type="none" w="med" len="med"/>
+                    </a:lnR>
+                    <a:lnT w="6350" cap="flat" cmpd="sng" algn="ctr">
+                      <a:solidFill>
+                        <a:srgbClr val="000000"/>
+                      </a:solidFill>
+                      <a:prstDash val="solid"/>
+                      <a:round/>
+                      <a:headEnd type="none" w="med" len="med"/>
+                      <a:tailEnd type="none" w="med" len="med"/>
+                    </a:lnT>
+                    <a:lnB w="6350" cap="flat" cmpd="sng" algn="ctr">
+                      <a:solidFill>
+                        <a:srgbClr val="000000"/>
+                      </a:solidFill>
+                      <a:prstDash val="solid"/>
+                      <a:round/>
+                      <a:headEnd type="none" w="med" len="med"/>
+                      <a:tailEnd type="none" w="med" len="med"/>
+                    </a:lnB>
+                    <a:solidFill>
+                      <a:srgbClr val="CCFFCC"/>
+                    </a:solidFill>
+                  </a:tcPr>
+                </a:tc>
+                <a:tc>
+                  <a:txBody>
+                    <a:bodyPr/>
+                    <a:lstStyle/>
+                    <a:p>
+                      <a:pPr algn="ctr" fontAlgn="b"/>
+                      <a:r>
+                        <a:rPr lang="en-US" sz="1600" b="1" i="0" u="none" strike="noStrike">
+                          <a:solidFill>
+                            <a:srgbClr val="000000"/>
+                          </a:solidFill>
+                          <a:effectLst/>
+                          <a:latin typeface="Calibri"/>
+                        </a:rPr>
+                        <a:t>457,143 </a:t>
+                      </a:r>
+                    </a:p>
+                  </a:txBody>
+                  <a:tcPr marL="9525" marR="9525" marT="9525" marB="0" anchor="b">
+                    <a:lnL w="6350" cap="flat" cmpd="sng" algn="ctr">
+                      <a:solidFill>
+                        <a:srgbClr val="000000"/>
+                      </a:solidFill>
+                      <a:prstDash val="solid"/>
+                      <a:round/>
+                      <a:headEnd type="none" w="med" len="med"/>
+                      <a:tailEnd type="none" w="med" len="med"/>
+                    </a:lnL>
+                    <a:lnR w="6350" cap="flat" cmpd="sng" algn="ctr">
+                      <a:solidFill>
+                        <a:srgbClr val="000000"/>
+                      </a:solidFill>
+                      <a:prstDash val="solid"/>
+                      <a:round/>
+                      <a:headEnd type="none" w="med" len="med"/>
+                      <a:tailEnd type="none" w="med" len="med"/>
+                    </a:lnR>
+                    <a:lnT w="6350" cap="flat" cmpd="sng" algn="ctr">
+                      <a:solidFill>
+                        <a:srgbClr val="000000"/>
+                      </a:solidFill>
+                      <a:prstDash val="solid"/>
+                      <a:round/>
+                      <a:headEnd type="none" w="med" len="med"/>
+                      <a:tailEnd type="none" w="med" len="med"/>
+                    </a:lnT>
+                    <a:lnB w="6350" cap="flat" cmpd="sng" algn="ctr">
+                      <a:solidFill>
+                        <a:srgbClr val="000000"/>
+                      </a:solidFill>
+                      <a:prstDash val="solid"/>
+                      <a:round/>
+                      <a:headEnd type="none" w="med" len="med"/>
+                      <a:tailEnd type="none" w="med" len="med"/>
+                    </a:lnB>
+                    <a:solidFill>
+                      <a:srgbClr val="CCFFCC"/>
+                    </a:solidFill>
+                  </a:tcPr>
+                </a:tc>
+              </a:tr>
+              <a:tr h="190500">
+                <a:tc>
+                  <a:txBody>
+                    <a:bodyPr/>
+                    <a:lstStyle/>
+                    <a:p>
+                      <a:pPr algn="ctr" fontAlgn="b"/>
+                      <a:r>
+                        <a:rPr lang="en-US" sz="1600" b="0" i="0" u="none" strike="noStrike">
+                          <a:solidFill>
+                            <a:srgbClr val="000000"/>
+                          </a:solidFill>
+                          <a:effectLst/>
+                          <a:latin typeface="Calibri"/>
+                        </a:rPr>
+                        <a:t>128</a:t>
+                      </a:r>
+                    </a:p>
+                  </a:txBody>
+                  <a:tcPr marL="9525" marR="9525" marT="9525" marB="0" anchor="b">
+                    <a:lnL w="6350" cap="flat" cmpd="sng" algn="ctr">
+                      <a:solidFill>
+                        <a:srgbClr val="000000"/>
+                      </a:solidFill>
+                      <a:prstDash val="solid"/>
+                      <a:round/>
+                      <a:headEnd type="none" w="med" len="med"/>
+                      <a:tailEnd type="none" w="med" len="med"/>
+                    </a:lnL>
+                    <a:lnR w="6350" cap="flat" cmpd="sng" algn="ctr">
+                      <a:solidFill>
+                        <a:srgbClr val="000000"/>
+                      </a:solidFill>
+                      <a:prstDash val="solid"/>
+                      <a:round/>
+                      <a:headEnd type="none" w="med" len="med"/>
+                      <a:tailEnd type="none" w="med" len="med"/>
+                    </a:lnR>
+                    <a:lnT w="6350" cap="flat" cmpd="sng" algn="ctr">
+                      <a:solidFill>
+                        <a:srgbClr val="000000"/>
+                      </a:solidFill>
+                      <a:prstDash val="solid"/>
+                      <a:round/>
+                      <a:headEnd type="none" w="med" len="med"/>
+                      <a:tailEnd type="none" w="med" len="med"/>
+                    </a:lnT>
+                    <a:lnB w="6350" cap="flat" cmpd="sng" algn="ctr">
+                      <a:solidFill>
+                        <a:srgbClr val="000000"/>
+                      </a:solidFill>
+                      <a:prstDash val="solid"/>
+                      <a:round/>
+                      <a:headEnd type="none" w="med" len="med"/>
+                      <a:tailEnd type="none" w="med" len="med"/>
+                    </a:lnB>
+                    <a:solidFill>
+                      <a:srgbClr val="FFFFFF"/>
+                    </a:solidFill>
+                  </a:tcPr>
+                </a:tc>
+                <a:tc>
+                  <a:txBody>
+                    <a:bodyPr/>
+                    <a:lstStyle/>
+                    <a:p>
+                      <a:pPr algn="ctr" fontAlgn="b"/>
+                      <a:r>
+                        <a:rPr lang="en-US" sz="1600" b="0" i="0" u="none" strike="noStrike">
+                          <a:solidFill>
+                            <a:srgbClr val="000000"/>
+                          </a:solidFill>
+                          <a:effectLst/>
+                          <a:latin typeface="Calibri"/>
+                        </a:rPr>
+                        <a:t>Int32</a:t>
+                      </a:r>
+                    </a:p>
+                  </a:txBody>
+                  <a:tcPr marL="9525" marR="9525" marT="9525" marB="0" anchor="b">
+                    <a:lnL w="6350" cap="flat" cmpd="sng" algn="ctr">
+                      <a:solidFill>
+                        <a:srgbClr val="000000"/>
+                      </a:solidFill>
+                      <a:prstDash val="solid"/>
+                      <a:round/>
+                      <a:headEnd type="none" w="med" len="med"/>
+                      <a:tailEnd type="none" w="med" len="med"/>
+                    </a:lnL>
+                    <a:lnR w="6350" cap="flat" cmpd="sng" algn="ctr">
+                      <a:solidFill>
+                        <a:srgbClr val="000000"/>
+                      </a:solidFill>
+                      <a:prstDash val="solid"/>
+                      <a:round/>
+                      <a:headEnd type="none" w="med" len="med"/>
+                      <a:tailEnd type="none" w="med" len="med"/>
+                    </a:lnR>
+                    <a:lnT w="6350" cap="flat" cmpd="sng" algn="ctr">
+                      <a:solidFill>
+                        <a:srgbClr val="000000"/>
+                      </a:solidFill>
+                      <a:prstDash val="solid"/>
+                      <a:round/>
+                      <a:headEnd type="none" w="med" len="med"/>
+                      <a:tailEnd type="none" w="med" len="med"/>
+                    </a:lnT>
+                    <a:lnB w="6350" cap="flat" cmpd="sng" algn="ctr">
+                      <a:solidFill>
+                        <a:srgbClr val="000000"/>
+                      </a:solidFill>
+                      <a:prstDash val="solid"/>
+                      <a:round/>
+                      <a:headEnd type="none" w="med" len="med"/>
+                      <a:tailEnd type="none" w="med" len="med"/>
+                    </a:lnB>
+                    <a:solidFill>
+                      <a:srgbClr val="FFFFFF"/>
+                    </a:solidFill>
+                  </a:tcPr>
+                </a:tc>
+                <a:tc>
+                  <a:txBody>
+                    <a:bodyPr/>
+                    <a:lstStyle/>
+                    <a:p>
+                      <a:pPr algn="ctr" fontAlgn="b"/>
+                      <a:r>
+                        <a:rPr lang="en-US" sz="1600" b="0" i="0" u="none" strike="noStrike">
+                          <a:solidFill>
+                            <a:srgbClr val="000000"/>
+                          </a:solidFill>
+                          <a:effectLst/>
+                          <a:latin typeface="Calibri"/>
+                        </a:rPr>
+                        <a:t>*</a:t>
+                      </a:r>
+                    </a:p>
+                  </a:txBody>
+                  <a:tcPr marL="9525" marR="9525" marT="9525" marB="0" anchor="b">
+                    <a:lnL w="6350" cap="flat" cmpd="sng" algn="ctr">
+                      <a:solidFill>
+                        <a:srgbClr val="000000"/>
+                      </a:solidFill>
+                      <a:prstDash val="solid"/>
+                      <a:round/>
+                      <a:headEnd type="none" w="med" len="med"/>
+                      <a:tailEnd type="none" w="med" len="med"/>
+                    </a:lnL>
+                    <a:lnR w="6350" cap="flat" cmpd="sng" algn="ctr">
+                      <a:solidFill>
+                        <a:srgbClr val="000000"/>
+                      </a:solidFill>
+                      <a:prstDash val="solid"/>
+                      <a:round/>
+                      <a:headEnd type="none" w="med" len="med"/>
+                      <a:tailEnd type="none" w="med" len="med"/>
+                    </a:lnR>
+                    <a:lnT w="6350" cap="flat" cmpd="sng" algn="ctr">
+                      <a:solidFill>
+                        <a:srgbClr val="000000"/>
+                      </a:solidFill>
+                      <a:prstDash val="solid"/>
+                      <a:round/>
+                      <a:headEnd type="none" w="med" len="med"/>
+                      <a:tailEnd type="none" w="med" len="med"/>
+                    </a:lnT>
+                    <a:lnB w="6350" cap="flat" cmpd="sng" algn="ctr">
+                      <a:solidFill>
+                        <a:srgbClr val="000000"/>
+                      </a:solidFill>
+                      <a:prstDash val="solid"/>
+                      <a:round/>
+                      <a:headEnd type="none" w="med" len="med"/>
+                      <a:tailEnd type="none" w="med" len="med"/>
+                    </a:lnB>
+                    <a:solidFill>
+                      <a:srgbClr val="F2DCDB"/>
+                    </a:solidFill>
+                  </a:tcPr>
+                </a:tc>
+                <a:tc>
+                  <a:txBody>
+                    <a:bodyPr/>
+                    <a:lstStyle/>
+                    <a:p>
+                      <a:pPr algn="ctr" fontAlgn="b"/>
+                      <a:r>
+                        <a:rPr lang="en-US" sz="1600" b="0" i="0" u="none" strike="noStrike">
+                          <a:solidFill>
+                            <a:srgbClr val="000000"/>
+                          </a:solidFill>
+                          <a:effectLst/>
+                          <a:latin typeface="Calibri"/>
+                        </a:rPr>
+                        <a:t>7,545 </a:t>
+                      </a:r>
+                    </a:p>
+                  </a:txBody>
+                  <a:tcPr marL="9525" marR="9525" marT="9525" marB="0" anchor="b">
+                    <a:lnL w="6350" cap="flat" cmpd="sng" algn="ctr">
+                      <a:solidFill>
+                        <a:srgbClr val="000000"/>
+                      </a:solidFill>
+                      <a:prstDash val="solid"/>
+                      <a:round/>
+                      <a:headEnd type="none" w="med" len="med"/>
+                      <a:tailEnd type="none" w="med" len="med"/>
+                    </a:lnL>
+                    <a:lnR w="6350" cap="flat" cmpd="sng" algn="ctr">
+                      <a:solidFill>
+                        <a:srgbClr val="000000"/>
+                      </a:solidFill>
+                      <a:prstDash val="solid"/>
+                      <a:round/>
+                      <a:headEnd type="none" w="med" len="med"/>
+                      <a:tailEnd type="none" w="med" len="med"/>
+                    </a:lnR>
+                    <a:lnT w="6350" cap="flat" cmpd="sng" algn="ctr">
+                      <a:solidFill>
+                        <a:srgbClr val="000000"/>
+                      </a:solidFill>
+                      <a:prstDash val="solid"/>
+                      <a:round/>
+                      <a:headEnd type="none" w="med" len="med"/>
+                      <a:tailEnd type="none" w="med" len="med"/>
+                    </a:lnT>
+                    <a:lnB w="6350" cap="flat" cmpd="sng" algn="ctr">
+                      <a:solidFill>
+                        <a:srgbClr val="000000"/>
+                      </a:solidFill>
+                      <a:prstDash val="solid"/>
+                      <a:round/>
+                      <a:headEnd type="none" w="med" len="med"/>
+                      <a:tailEnd type="none" w="med" len="med"/>
+                    </a:lnB>
+                    <a:solidFill>
+                      <a:srgbClr val="F2DCDB"/>
+                    </a:solidFill>
+                  </a:tcPr>
+                </a:tc>
+                <a:tc>
+                  <a:txBody>
+                    <a:bodyPr/>
+                    <a:lstStyle/>
+                    <a:p>
+                      <a:pPr algn="ctr" fontAlgn="b"/>
+                      <a:r>
+                        <a:rPr lang="en-US" sz="1600" b="0" i="0" u="none" strike="noStrike">
+                          <a:solidFill>
+                            <a:srgbClr val="000000"/>
+                          </a:solidFill>
+                          <a:effectLst/>
+                          <a:latin typeface="Calibri"/>
+                        </a:rPr>
+                        <a:t>33,003 </a:t>
+                      </a:r>
+                    </a:p>
+                  </a:txBody>
+                  <a:tcPr marL="9525" marR="9525" marT="9525" marB="0" anchor="b">
+                    <a:lnL w="6350" cap="flat" cmpd="sng" algn="ctr">
+                      <a:solidFill>
+                        <a:srgbClr val="000000"/>
+                      </a:solidFill>
+                      <a:prstDash val="solid"/>
+                      <a:round/>
+                      <a:headEnd type="none" w="med" len="med"/>
+                      <a:tailEnd type="none" w="med" len="med"/>
+                    </a:lnL>
+                    <a:lnR w="6350" cap="flat" cmpd="sng" algn="ctr">
+                      <a:solidFill>
+                        <a:srgbClr val="000000"/>
+                      </a:solidFill>
+                      <a:prstDash val="solid"/>
+                      <a:round/>
+                      <a:headEnd type="none" w="med" len="med"/>
+                      <a:tailEnd type="none" w="med" len="med"/>
+                    </a:lnR>
+                    <a:lnT w="6350" cap="flat" cmpd="sng" algn="ctr">
+                      <a:solidFill>
+                        <a:srgbClr val="000000"/>
+                      </a:solidFill>
+                      <a:prstDash val="solid"/>
+                      <a:round/>
+                      <a:headEnd type="none" w="med" len="med"/>
+                      <a:tailEnd type="none" w="med" len="med"/>
+                    </a:lnT>
+                    <a:lnB w="6350" cap="flat" cmpd="sng" algn="ctr">
+                      <a:solidFill>
+                        <a:srgbClr val="000000"/>
+                      </a:solidFill>
+                      <a:prstDash val="solid"/>
+                      <a:round/>
+                      <a:headEnd type="none" w="med" len="med"/>
+                      <a:tailEnd type="none" w="med" len="med"/>
+                    </a:lnB>
+                    <a:solidFill>
+                      <a:srgbClr val="F2DCDB"/>
+                    </a:solidFill>
+                  </a:tcPr>
+                </a:tc>
+                <a:tc>
+                  <a:txBody>
+                    <a:bodyPr/>
+                    <a:lstStyle/>
+                    <a:p>
+                      <a:pPr algn="ctr" fontAlgn="b"/>
+                      <a:r>
+                        <a:rPr lang="en-US" sz="1600" b="0" i="0" u="none" strike="noStrike">
+                          <a:solidFill>
+                            <a:srgbClr val="000000"/>
+                          </a:solidFill>
+                          <a:effectLst/>
+                          <a:latin typeface="Calibri"/>
+                        </a:rPr>
+                        <a:t>32,219 </a:t>
+                      </a:r>
+                    </a:p>
+                  </a:txBody>
+                  <a:tcPr marL="9525" marR="9525" marT="9525" marB="0" anchor="b">
+                    <a:lnL w="6350" cap="flat" cmpd="sng" algn="ctr">
+                      <a:solidFill>
+                        <a:srgbClr val="000000"/>
+                      </a:solidFill>
+                      <a:prstDash val="solid"/>
+                      <a:round/>
+                      <a:headEnd type="none" w="med" len="med"/>
+                      <a:tailEnd type="none" w="med" len="med"/>
+                    </a:lnL>
+                    <a:lnR w="6350" cap="flat" cmpd="sng" algn="ctr">
+                      <a:solidFill>
+                        <a:srgbClr val="000000"/>
+                      </a:solidFill>
+                      <a:prstDash val="solid"/>
+                      <a:round/>
+                      <a:headEnd type="none" w="med" len="med"/>
+                      <a:tailEnd type="none" w="med" len="med"/>
+                    </a:lnR>
+                    <a:lnT w="6350" cap="flat" cmpd="sng" algn="ctr">
+                      <a:solidFill>
+                        <a:srgbClr val="000000"/>
+                      </a:solidFill>
+                      <a:prstDash val="solid"/>
+                      <a:round/>
+                      <a:headEnd type="none" w="med" len="med"/>
+                      <a:tailEnd type="none" w="med" len="med"/>
+                    </a:lnT>
+                    <a:lnB w="6350" cap="flat" cmpd="sng" algn="ctr">
+                      <a:solidFill>
+                        <a:srgbClr val="000000"/>
+                      </a:solidFill>
+                      <a:prstDash val="solid"/>
+                      <a:round/>
+                      <a:headEnd type="none" w="med" len="med"/>
+                      <a:tailEnd type="none" w="med" len="med"/>
+                    </a:lnB>
+                    <a:solidFill>
+                      <a:srgbClr val="F2DCDB"/>
+                    </a:solidFill>
+                  </a:tcPr>
+                </a:tc>
+                <a:tc>
+                  <a:txBody>
+                    <a:bodyPr/>
+                    <a:lstStyle/>
+                    <a:p>
+                      <a:pPr algn="ctr" fontAlgn="b"/>
+                      <a:r>
+                        <a:rPr lang="en-US" sz="1600" b="1" i="0" u="none" strike="noStrike">
+                          <a:solidFill>
+                            <a:srgbClr val="000000"/>
+                          </a:solidFill>
+                          <a:effectLst/>
+                          <a:latin typeface="Calibri"/>
+                        </a:rPr>
+                        <a:t>62,500 </a:t>
+                      </a:r>
+                    </a:p>
+                  </a:txBody>
+                  <a:tcPr marL="9525" marR="9525" marT="9525" marB="0" anchor="b">
+                    <a:lnL w="6350" cap="flat" cmpd="sng" algn="ctr">
+                      <a:solidFill>
+                        <a:srgbClr val="000000"/>
+                      </a:solidFill>
+                      <a:prstDash val="solid"/>
+                      <a:round/>
+                      <a:headEnd type="none" w="med" len="med"/>
+                      <a:tailEnd type="none" w="med" len="med"/>
+                    </a:lnL>
+                    <a:lnR w="6350" cap="flat" cmpd="sng" algn="ctr">
+                      <a:solidFill>
+                        <a:srgbClr val="000000"/>
+                      </a:solidFill>
+                      <a:prstDash val="solid"/>
+                      <a:round/>
+                      <a:headEnd type="none" w="med" len="med"/>
+                      <a:tailEnd type="none" w="med" len="med"/>
+                    </a:lnR>
+                    <a:lnT w="6350" cap="flat" cmpd="sng" algn="ctr">
+                      <a:solidFill>
+                        <a:srgbClr val="000000"/>
+                      </a:solidFill>
+                      <a:prstDash val="solid"/>
+                      <a:round/>
+                      <a:headEnd type="none" w="med" len="med"/>
+                      <a:tailEnd type="none" w="med" len="med"/>
+                    </a:lnT>
+                    <a:lnB w="6350" cap="flat" cmpd="sng" algn="ctr">
+                      <a:solidFill>
+                        <a:srgbClr val="000000"/>
+                      </a:solidFill>
+                      <a:prstDash val="solid"/>
+                      <a:round/>
+                      <a:headEnd type="none" w="med" len="med"/>
+                      <a:tailEnd type="none" w="med" len="med"/>
+                    </a:lnB>
+                    <a:solidFill>
+                      <a:srgbClr val="CCFFCC"/>
+                    </a:solidFill>
+                  </a:tcPr>
+                </a:tc>
+                <a:tc>
+                  <a:txBody>
+                    <a:bodyPr/>
+                    <a:lstStyle/>
+                    <a:p>
+                      <a:pPr algn="ctr" fontAlgn="b"/>
+                      <a:r>
+                        <a:rPr lang="en-US" sz="1600" b="1" i="0" u="none" strike="noStrike">
+                          <a:solidFill>
+                            <a:srgbClr val="000000"/>
+                          </a:solidFill>
+                          <a:effectLst/>
+                          <a:latin typeface="Calibri"/>
+                        </a:rPr>
+                        <a:t>105,367 </a:t>
+                      </a:r>
+                    </a:p>
+                  </a:txBody>
+                  <a:tcPr marL="9525" marR="9525" marT="9525" marB="0" anchor="b">
+                    <a:lnL w="6350" cap="flat" cmpd="sng" algn="ctr">
+                      <a:solidFill>
+                        <a:srgbClr val="000000"/>
+                      </a:solidFill>
+                      <a:prstDash val="solid"/>
+                      <a:round/>
+                      <a:headEnd type="none" w="med" len="med"/>
+                      <a:tailEnd type="none" w="med" len="med"/>
+                    </a:lnL>
+                    <a:lnR w="6350" cap="flat" cmpd="sng" algn="ctr">
+                      <a:solidFill>
+                        <a:srgbClr val="000000"/>
+                      </a:solidFill>
+                      <a:prstDash val="solid"/>
+                      <a:round/>
+                      <a:headEnd type="none" w="med" len="med"/>
+                      <a:tailEnd type="none" w="med" len="med"/>
+                    </a:lnR>
+                    <a:lnT w="6350" cap="flat" cmpd="sng" algn="ctr">
+                      <a:solidFill>
+                        <a:srgbClr val="000000"/>
+                      </a:solidFill>
+                      <a:prstDash val="solid"/>
+                      <a:round/>
+                      <a:headEnd type="none" w="med" len="med"/>
+                      <a:tailEnd type="none" w="med" len="med"/>
+                    </a:lnT>
+                    <a:lnB w="6350" cap="flat" cmpd="sng" algn="ctr">
+                      <a:solidFill>
+                        <a:srgbClr val="000000"/>
+                      </a:solidFill>
+                      <a:prstDash val="solid"/>
+                      <a:round/>
+                      <a:headEnd type="none" w="med" len="med"/>
+                      <a:tailEnd type="none" w="med" len="med"/>
+                    </a:lnB>
+                    <a:solidFill>
+                      <a:srgbClr val="CCFFCC"/>
+                    </a:solidFill>
+                  </a:tcPr>
+                </a:tc>
+                <a:tc>
+                  <a:txBody>
+                    <a:bodyPr/>
+                    <a:lstStyle/>
+                    <a:p>
+                      <a:pPr algn="ctr" fontAlgn="b"/>
+                      <a:r>
+                        <a:rPr lang="en-US" sz="1600" b="1" i="0" u="none" strike="noStrike">
+                          <a:solidFill>
+                            <a:srgbClr val="000000"/>
+                          </a:solidFill>
+                          <a:effectLst/>
+                          <a:latin typeface="Calibri"/>
+                        </a:rPr>
+                        <a:t>198,758 </a:t>
+                      </a:r>
+                    </a:p>
+                  </a:txBody>
+                  <a:tcPr marL="9525" marR="9525" marT="9525" marB="0" anchor="b">
+                    <a:lnL w="6350" cap="flat" cmpd="sng" algn="ctr">
+                      <a:solidFill>
+                        <a:srgbClr val="000000"/>
+                      </a:solidFill>
+                      <a:prstDash val="solid"/>
+                      <a:round/>
+                      <a:headEnd type="none" w="med" len="med"/>
+                      <a:tailEnd type="none" w="med" len="med"/>
+                    </a:lnL>
+                    <a:lnR w="6350" cap="flat" cmpd="sng" algn="ctr">
+                      <a:solidFill>
+                        <a:srgbClr val="000000"/>
+                      </a:solidFill>
+                      <a:prstDash val="solid"/>
+                      <a:round/>
+                      <a:headEnd type="none" w="med" len="med"/>
+                      <a:tailEnd type="none" w="med" len="med"/>
+                    </a:lnR>
+                    <a:lnT w="6350" cap="flat" cmpd="sng" algn="ctr">
+                      <a:solidFill>
+                        <a:srgbClr val="000000"/>
+                      </a:solidFill>
+                      <a:prstDash val="solid"/>
+                      <a:round/>
+                      <a:headEnd type="none" w="med" len="med"/>
+                      <a:tailEnd type="none" w="med" len="med"/>
+                    </a:lnT>
+                    <a:lnB w="6350" cap="flat" cmpd="sng" algn="ctr">
+                      <a:solidFill>
+                        <a:srgbClr val="000000"/>
+                      </a:solidFill>
+                      <a:prstDash val="solid"/>
+                      <a:round/>
+                      <a:headEnd type="none" w="med" len="med"/>
+                      <a:tailEnd type="none" w="med" len="med"/>
+                    </a:lnB>
+                    <a:solidFill>
+                      <a:srgbClr val="CCFFCC"/>
+                    </a:solidFill>
+                  </a:tcPr>
+                </a:tc>
+              </a:tr>
+              <a:tr h="190500">
+                <a:tc>
+                  <a:txBody>
+                    <a:bodyPr/>
+                    <a:lstStyle/>
+                    <a:p>
+                      <a:pPr algn="ctr" fontAlgn="b"/>
+                      <a:r>
+                        <a:rPr lang="en-US" sz="1600" b="0" i="0" u="none" strike="noStrike">
+                          <a:solidFill>
+                            <a:srgbClr val="000000"/>
+                          </a:solidFill>
+                          <a:effectLst/>
+                          <a:latin typeface="Calibri"/>
+                        </a:rPr>
+                        <a:t>128</a:t>
+                      </a:r>
+                    </a:p>
+                  </a:txBody>
+                  <a:tcPr marL="9525" marR="9525" marT="9525" marB="0" anchor="b">
+                    <a:lnL w="6350" cap="flat" cmpd="sng" algn="ctr">
+                      <a:solidFill>
+                        <a:srgbClr val="000000"/>
+                      </a:solidFill>
+                      <a:prstDash val="solid"/>
+                      <a:round/>
+                      <a:headEnd type="none" w="med" len="med"/>
+                      <a:tailEnd type="none" w="med" len="med"/>
+                    </a:lnL>
+                    <a:lnR w="6350" cap="flat" cmpd="sng" algn="ctr">
+                      <a:solidFill>
+                        <a:srgbClr val="000000"/>
+                      </a:solidFill>
+                      <a:prstDash val="solid"/>
+                      <a:round/>
+                      <a:headEnd type="none" w="med" len="med"/>
+                      <a:tailEnd type="none" w="med" len="med"/>
+                    </a:lnR>
+                    <a:lnT w="6350" cap="flat" cmpd="sng" algn="ctr">
+                      <a:solidFill>
+                        <a:srgbClr val="000000"/>
+                      </a:solidFill>
+                      <a:prstDash val="solid"/>
+                      <a:round/>
+                      <a:headEnd type="none" w="med" len="med"/>
+                      <a:tailEnd type="none" w="med" len="med"/>
+                    </a:lnT>
+                    <a:lnB w="6350" cap="flat" cmpd="sng" algn="ctr">
+                      <a:solidFill>
+                        <a:srgbClr val="000000"/>
+                      </a:solidFill>
+                      <a:prstDash val="solid"/>
+                      <a:round/>
+                      <a:headEnd type="none" w="med" len="med"/>
+                      <a:tailEnd type="none" w="med" len="med"/>
+                    </a:lnB>
+                    <a:solidFill>
+                      <a:srgbClr val="FFFFFF"/>
+                    </a:solidFill>
+                  </a:tcPr>
+                </a:tc>
+                <a:tc>
+                  <a:txBody>
+                    <a:bodyPr/>
+                    <a:lstStyle/>
+                    <a:p>
+                      <a:pPr algn="ctr" fontAlgn="b"/>
+                      <a:r>
+                        <a:rPr lang="en-US" sz="1600" b="0" i="0" u="none" strike="noStrike">
+                          <a:solidFill>
+                            <a:srgbClr val="000000"/>
+                          </a:solidFill>
+                          <a:effectLst/>
+                          <a:latin typeface="Calibri"/>
+                        </a:rPr>
+                        <a:t>Float32</a:t>
+                      </a:r>
+                    </a:p>
+                  </a:txBody>
+                  <a:tcPr marL="9525" marR="9525" marT="9525" marB="0" anchor="b">
+                    <a:lnL w="6350" cap="flat" cmpd="sng" algn="ctr">
+                      <a:solidFill>
+                        <a:srgbClr val="000000"/>
+                      </a:solidFill>
+                      <a:prstDash val="solid"/>
+                      <a:round/>
+                      <a:headEnd type="none" w="med" len="med"/>
+                      <a:tailEnd type="none" w="med" len="med"/>
+                    </a:lnL>
+                    <a:lnR w="6350" cap="flat" cmpd="sng" algn="ctr">
+                      <a:solidFill>
+                        <a:srgbClr val="000000"/>
+                      </a:solidFill>
+                      <a:prstDash val="solid"/>
+                      <a:round/>
+                      <a:headEnd type="none" w="med" len="med"/>
+                      <a:tailEnd type="none" w="med" len="med"/>
+                    </a:lnR>
+                    <a:lnT w="6350" cap="flat" cmpd="sng" algn="ctr">
+                      <a:solidFill>
+                        <a:srgbClr val="000000"/>
+                      </a:solidFill>
+                      <a:prstDash val="solid"/>
+                      <a:round/>
+                      <a:headEnd type="none" w="med" len="med"/>
+                      <a:tailEnd type="none" w="med" len="med"/>
+                    </a:lnT>
+                    <a:lnB w="6350" cap="flat" cmpd="sng" algn="ctr">
+                      <a:solidFill>
+                        <a:srgbClr val="000000"/>
+                      </a:solidFill>
+                      <a:prstDash val="solid"/>
+                      <a:round/>
+                      <a:headEnd type="none" w="med" len="med"/>
+                      <a:tailEnd type="none" w="med" len="med"/>
+                    </a:lnB>
+                    <a:solidFill>
+                      <a:srgbClr val="FFFFFF"/>
+                    </a:solidFill>
+                  </a:tcPr>
+                </a:tc>
+                <a:tc>
+                  <a:txBody>
+                    <a:bodyPr/>
+                    <a:lstStyle/>
+                    <a:p>
+                      <a:pPr algn="ctr" fontAlgn="b"/>
+                      <a:r>
+                        <a:rPr lang="en-US" sz="1600" b="0" i="0" u="none" strike="noStrike">
+                          <a:solidFill>
+                            <a:srgbClr val="000000"/>
+                          </a:solidFill>
+                          <a:effectLst/>
+                          <a:latin typeface="Calibri"/>
+                        </a:rPr>
+                        <a:t>*</a:t>
+                      </a:r>
+                    </a:p>
+                  </a:txBody>
+                  <a:tcPr marL="9525" marR="9525" marT="9525" marB="0" anchor="b">
+                    <a:lnL w="6350" cap="flat" cmpd="sng" algn="ctr">
+                      <a:solidFill>
+                        <a:srgbClr val="000000"/>
+                      </a:solidFill>
+                      <a:prstDash val="solid"/>
+                      <a:round/>
+                      <a:headEnd type="none" w="med" len="med"/>
+                      <a:tailEnd type="none" w="med" len="med"/>
+                    </a:lnL>
+                    <a:lnR w="6350" cap="flat" cmpd="sng" algn="ctr">
+                      <a:solidFill>
+                        <a:srgbClr val="000000"/>
+                      </a:solidFill>
+                      <a:prstDash val="solid"/>
+                      <a:round/>
+                      <a:headEnd type="none" w="med" len="med"/>
+                      <a:tailEnd type="none" w="med" len="med"/>
+                    </a:lnR>
+                    <a:lnT w="6350" cap="flat" cmpd="sng" algn="ctr">
+                      <a:solidFill>
+                        <a:srgbClr val="000000"/>
+                      </a:solidFill>
+                      <a:prstDash val="solid"/>
+                      <a:round/>
+                      <a:headEnd type="none" w="med" len="med"/>
+                      <a:tailEnd type="none" w="med" len="med"/>
+                    </a:lnT>
+                    <a:lnB w="6350" cap="flat" cmpd="sng" algn="ctr">
+                      <a:solidFill>
+                        <a:srgbClr val="000000"/>
+                      </a:solidFill>
+                      <a:prstDash val="solid"/>
+                      <a:round/>
+                      <a:headEnd type="none" w="med" len="med"/>
+                      <a:tailEnd type="none" w="med" len="med"/>
+                    </a:lnB>
+                    <a:solidFill>
+                      <a:srgbClr val="F2DCDB"/>
+                    </a:solidFill>
+                  </a:tcPr>
+                </a:tc>
+                <a:tc>
+                  <a:txBody>
+                    <a:bodyPr/>
+                    <a:lstStyle/>
+                    <a:p>
+                      <a:pPr algn="ctr" fontAlgn="b"/>
+                      <a:r>
+                        <a:rPr lang="en-US" sz="1600" b="0" i="0" u="none" strike="noStrike">
+                          <a:solidFill>
+                            <a:srgbClr val="000000"/>
+                          </a:solidFill>
+                          <a:effectLst/>
+                          <a:latin typeface="Calibri"/>
+                        </a:rPr>
+                        <a:t>2,599 </a:t>
+                      </a:r>
+                    </a:p>
+                  </a:txBody>
+                  <a:tcPr marL="9525" marR="9525" marT="9525" marB="0" anchor="b">
+                    <a:lnL w="6350" cap="flat" cmpd="sng" algn="ctr">
+                      <a:solidFill>
+                        <a:srgbClr val="000000"/>
+                      </a:solidFill>
+                      <a:prstDash val="solid"/>
+                      <a:round/>
+                      <a:headEnd type="none" w="med" len="med"/>
+                      <a:tailEnd type="none" w="med" len="med"/>
+                    </a:lnL>
+                    <a:lnR w="6350" cap="flat" cmpd="sng" algn="ctr">
+                      <a:solidFill>
+                        <a:srgbClr val="000000"/>
+                      </a:solidFill>
+                      <a:prstDash val="solid"/>
+                      <a:round/>
+                      <a:headEnd type="none" w="med" len="med"/>
+                      <a:tailEnd type="none" w="med" len="med"/>
+                    </a:lnR>
+                    <a:lnT w="6350" cap="flat" cmpd="sng" algn="ctr">
+                      <a:solidFill>
+                        <a:srgbClr val="000000"/>
+                      </a:solidFill>
+                      <a:prstDash val="solid"/>
+                      <a:round/>
+                      <a:headEnd type="none" w="med" len="med"/>
+                      <a:tailEnd type="none" w="med" len="med"/>
+                    </a:lnT>
+                    <a:lnB w="6350" cap="flat" cmpd="sng" algn="ctr">
+                      <a:solidFill>
+                        <a:srgbClr val="000000"/>
+                      </a:solidFill>
+                      <a:prstDash val="solid"/>
+                      <a:round/>
+                      <a:headEnd type="none" w="med" len="med"/>
+                      <a:tailEnd type="none" w="med" len="med"/>
+                    </a:lnB>
+                    <a:solidFill>
+                      <a:srgbClr val="F2DCDB"/>
+                    </a:solidFill>
+                  </a:tcPr>
+                </a:tc>
+                <a:tc>
+                  <a:txBody>
+                    <a:bodyPr/>
+                    <a:lstStyle/>
+                    <a:p>
+                      <a:pPr algn="ctr" fontAlgn="b"/>
+                      <a:r>
+                        <a:rPr lang="en-US" sz="1600" b="0" i="0" u="none" strike="noStrike">
+                          <a:solidFill>
+                            <a:srgbClr val="000000"/>
+                          </a:solidFill>
+                          <a:effectLst/>
+                          <a:latin typeface="Calibri"/>
+                        </a:rPr>
+                        <a:t>8,407 </a:t>
+                      </a:r>
+                    </a:p>
+                  </a:txBody>
+                  <a:tcPr marL="9525" marR="9525" marT="9525" marB="0" anchor="b">
+                    <a:lnL w="6350" cap="flat" cmpd="sng" algn="ctr">
+                      <a:solidFill>
+                        <a:srgbClr val="000000"/>
+                      </a:solidFill>
+                      <a:prstDash val="solid"/>
+                      <a:round/>
+                      <a:headEnd type="none" w="med" len="med"/>
+                      <a:tailEnd type="none" w="med" len="med"/>
+                    </a:lnL>
+                    <a:lnR w="6350" cap="flat" cmpd="sng" algn="ctr">
+                      <a:solidFill>
+                        <a:srgbClr val="000000"/>
+                      </a:solidFill>
+                      <a:prstDash val="solid"/>
+                      <a:round/>
+                      <a:headEnd type="none" w="med" len="med"/>
+                      <a:tailEnd type="none" w="med" len="med"/>
+                    </a:lnR>
+                    <a:lnT w="6350" cap="flat" cmpd="sng" algn="ctr">
+                      <a:solidFill>
+                        <a:srgbClr val="000000"/>
+                      </a:solidFill>
+                      <a:prstDash val="solid"/>
+                      <a:round/>
+                      <a:headEnd type="none" w="med" len="med"/>
+                      <a:tailEnd type="none" w="med" len="med"/>
+                    </a:lnT>
+                    <a:lnB w="6350" cap="flat" cmpd="sng" algn="ctr">
+                      <a:solidFill>
+                        <a:srgbClr val="000000"/>
+                      </a:solidFill>
+                      <a:prstDash val="solid"/>
+                      <a:round/>
+                      <a:headEnd type="none" w="med" len="med"/>
+                      <a:tailEnd type="none" w="med" len="med"/>
+                    </a:lnB>
+                    <a:solidFill>
+                      <a:srgbClr val="F2DCDB"/>
+                    </a:solidFill>
+                  </a:tcPr>
+                </a:tc>
+                <a:tc>
+                  <a:txBody>
+                    <a:bodyPr/>
+                    <a:lstStyle/>
+                    <a:p>
+                      <a:pPr algn="ctr" fontAlgn="b"/>
+                      <a:r>
+                        <a:rPr lang="en-US" sz="1600" b="0" i="0" u="none" strike="noStrike">
+                          <a:solidFill>
+                            <a:srgbClr val="000000"/>
+                          </a:solidFill>
+                          <a:effectLst/>
+                          <a:latin typeface="Calibri"/>
+                        </a:rPr>
+                        <a:t>11,229 </a:t>
+                      </a:r>
+                    </a:p>
+                  </a:txBody>
+                  <a:tcPr marL="9525" marR="9525" marT="9525" marB="0" anchor="b">
+                    <a:lnL w="6350" cap="flat" cmpd="sng" algn="ctr">
+                      <a:solidFill>
+                        <a:srgbClr val="000000"/>
+                      </a:solidFill>
+                      <a:prstDash val="solid"/>
+                      <a:round/>
+                      <a:headEnd type="none" w="med" len="med"/>
+                      <a:tailEnd type="none" w="med" len="med"/>
+                    </a:lnL>
+                    <a:lnR w="6350" cap="flat" cmpd="sng" algn="ctr">
+                      <a:solidFill>
+                        <a:srgbClr val="000000"/>
+                      </a:solidFill>
+                      <a:prstDash val="solid"/>
+                      <a:round/>
+                      <a:headEnd type="none" w="med" len="med"/>
+                      <a:tailEnd type="none" w="med" len="med"/>
+                    </a:lnR>
+                    <a:lnT w="6350" cap="flat" cmpd="sng" algn="ctr">
+                      <a:solidFill>
+                        <a:srgbClr val="000000"/>
+                      </a:solidFill>
+                      <a:prstDash val="solid"/>
+                      <a:round/>
+                      <a:headEnd type="none" w="med" len="med"/>
+                      <a:tailEnd type="none" w="med" len="med"/>
+                    </a:lnT>
+                    <a:lnB w="6350" cap="flat" cmpd="sng" algn="ctr">
+                      <a:solidFill>
+                        <a:srgbClr val="000000"/>
+                      </a:solidFill>
+                      <a:prstDash val="solid"/>
+                      <a:round/>
+                      <a:headEnd type="none" w="med" len="med"/>
+                      <a:tailEnd type="none" w="med" len="med"/>
+                    </a:lnB>
+                    <a:solidFill>
+                      <a:srgbClr val="F2DCDB"/>
+                    </a:solidFill>
+                  </a:tcPr>
+                </a:tc>
+                <a:tc>
+                  <a:txBody>
+                    <a:bodyPr/>
+                    <a:lstStyle/>
+                    <a:p>
+                      <a:pPr algn="ctr" fontAlgn="b"/>
+                      <a:r>
+                        <a:rPr lang="en-US" sz="1600" b="1" i="0" u="none" strike="noStrike">
+                          <a:solidFill>
+                            <a:srgbClr val="000000"/>
+                          </a:solidFill>
+                          <a:effectLst/>
+                          <a:latin typeface="Calibri"/>
+                        </a:rPr>
+                        <a:t>147,465 </a:t>
+                      </a:r>
+                    </a:p>
+                  </a:txBody>
+                  <a:tcPr marL="9525" marR="9525" marT="9525" marB="0" anchor="b">
+                    <a:lnL w="6350" cap="flat" cmpd="sng" algn="ctr">
+                      <a:solidFill>
+                        <a:srgbClr val="000000"/>
+                      </a:solidFill>
+                      <a:prstDash val="solid"/>
+                      <a:round/>
+                      <a:headEnd type="none" w="med" len="med"/>
+                      <a:tailEnd type="none" w="med" len="med"/>
+                    </a:lnL>
+                    <a:lnR w="6350" cap="flat" cmpd="sng" algn="ctr">
+                      <a:solidFill>
+                        <a:srgbClr val="000000"/>
+                      </a:solidFill>
+                      <a:prstDash val="solid"/>
+                      <a:round/>
+                      <a:headEnd type="none" w="med" len="med"/>
+                      <a:tailEnd type="none" w="med" len="med"/>
+                    </a:lnR>
+                    <a:lnT w="6350" cap="flat" cmpd="sng" algn="ctr">
+                      <a:solidFill>
+                        <a:srgbClr val="000000"/>
+                      </a:solidFill>
+                      <a:prstDash val="solid"/>
+                      <a:round/>
+                      <a:headEnd type="none" w="med" len="med"/>
+                      <a:tailEnd type="none" w="med" len="med"/>
+                    </a:lnT>
+                    <a:lnB w="6350" cap="flat" cmpd="sng" algn="ctr">
+                      <a:solidFill>
+                        <a:srgbClr val="000000"/>
+                      </a:solidFill>
+                      <a:prstDash val="solid"/>
+                      <a:round/>
+                      <a:headEnd type="none" w="med" len="med"/>
+                      <a:tailEnd type="none" w="med" len="med"/>
+                    </a:lnB>
+                    <a:solidFill>
+                      <a:srgbClr val="CCFFCC"/>
+                    </a:solidFill>
+                  </a:tcPr>
+                </a:tc>
+                <a:tc>
+                  <a:txBody>
+                    <a:bodyPr/>
+                    <a:lstStyle/>
+                    <a:p>
+                      <a:pPr algn="ctr" fontAlgn="b"/>
+                      <a:r>
+                        <a:rPr lang="en-US" sz="1600" b="0" i="0" u="none" strike="noStrike">
+                          <a:solidFill>
+                            <a:srgbClr val="000000"/>
+                          </a:solidFill>
+                          <a:effectLst/>
+                          <a:latin typeface="Calibri"/>
+                        </a:rPr>
+                        <a:t>21,042 </a:t>
+                      </a:r>
+                    </a:p>
+                  </a:txBody>
+                  <a:tcPr marL="9525" marR="9525" marT="9525" marB="0" anchor="b">
+                    <a:lnL w="6350" cap="flat" cmpd="sng" algn="ctr">
+                      <a:solidFill>
+                        <a:srgbClr val="000000"/>
+                      </a:solidFill>
+                      <a:prstDash val="solid"/>
+                      <a:round/>
+                      <a:headEnd type="none" w="med" len="med"/>
+                      <a:tailEnd type="none" w="med" len="med"/>
+                    </a:lnL>
+                    <a:lnR w="6350" cap="flat" cmpd="sng" algn="ctr">
+                      <a:solidFill>
+                        <a:srgbClr val="000000"/>
+                      </a:solidFill>
+                      <a:prstDash val="solid"/>
+                      <a:round/>
+                      <a:headEnd type="none" w="med" len="med"/>
+                      <a:tailEnd type="none" w="med" len="med"/>
+                    </a:lnR>
+                    <a:lnT w="6350" cap="flat" cmpd="sng" algn="ctr">
+                      <a:solidFill>
+                        <a:srgbClr val="000000"/>
+                      </a:solidFill>
+                      <a:prstDash val="solid"/>
+                      <a:round/>
+                      <a:headEnd type="none" w="med" len="med"/>
+                      <a:tailEnd type="none" w="med" len="med"/>
+                    </a:lnT>
+                    <a:lnB w="6350" cap="flat" cmpd="sng" algn="ctr">
+                      <a:solidFill>
+                        <a:srgbClr val="000000"/>
+                      </a:solidFill>
+                      <a:prstDash val="solid"/>
+                      <a:round/>
+                      <a:headEnd type="none" w="med" len="med"/>
+                      <a:tailEnd type="none" w="med" len="med"/>
+                    </a:lnB>
+                    <a:solidFill>
+                      <a:srgbClr val="F2DCDB"/>
+                    </a:solidFill>
+                  </a:tcPr>
+                </a:tc>
+                <a:tc>
+                  <a:txBody>
+                    <a:bodyPr/>
+                    <a:lstStyle/>
+                    <a:p>
+                      <a:pPr algn="ctr" fontAlgn="b"/>
+                      <a:r>
+                        <a:rPr lang="en-US" sz="1600" b="1" i="0" u="none" strike="noStrike">
+                          <a:solidFill>
+                            <a:srgbClr val="000000"/>
+                          </a:solidFill>
+                          <a:effectLst/>
+                          <a:latin typeface="Calibri"/>
+                        </a:rPr>
+                        <a:t>304,762 </a:t>
+                      </a:r>
+                    </a:p>
+                  </a:txBody>
+                  <a:tcPr marL="9525" marR="9525" marT="9525" marB="0" anchor="b">
+                    <a:lnL w="6350" cap="flat" cmpd="sng" algn="ctr">
+                      <a:solidFill>
+                        <a:srgbClr val="000000"/>
+                      </a:solidFill>
+                      <a:prstDash val="solid"/>
+                      <a:round/>
+                      <a:headEnd type="none" w="med" len="med"/>
+                      <a:tailEnd type="none" w="med" len="med"/>
+                    </a:lnL>
+                    <a:lnR w="6350" cap="flat" cmpd="sng" algn="ctr">
+                      <a:solidFill>
+                        <a:srgbClr val="000000"/>
+                      </a:solidFill>
+                      <a:prstDash val="solid"/>
+                      <a:round/>
+                      <a:headEnd type="none" w="med" len="med"/>
+                      <a:tailEnd type="none" w="med" len="med"/>
+                    </a:lnR>
+                    <a:lnT w="6350" cap="flat" cmpd="sng" algn="ctr">
+                      <a:solidFill>
+                        <a:srgbClr val="000000"/>
+                      </a:solidFill>
+                      <a:prstDash val="solid"/>
+                      <a:round/>
+                      <a:headEnd type="none" w="med" len="med"/>
+                      <a:tailEnd type="none" w="med" len="med"/>
+                    </a:lnT>
+                    <a:lnB w="6350" cap="flat" cmpd="sng" algn="ctr">
+                      <a:solidFill>
+                        <a:srgbClr val="000000"/>
+                      </a:solidFill>
+                      <a:prstDash val="solid"/>
+                      <a:round/>
+                      <a:headEnd type="none" w="med" len="med"/>
+                      <a:tailEnd type="none" w="med" len="med"/>
+                    </a:lnB>
+                    <a:solidFill>
+                      <a:srgbClr val="CCFFCC"/>
+                    </a:solidFill>
+                  </a:tcPr>
+                </a:tc>
+              </a:tr>
+              <a:tr h="190500">
+                <a:tc gridSpan="9">
+                  <a:txBody>
+                    <a:bodyPr/>
+                    <a:lstStyle/>
+                    <a:p>
+                      <a:pPr algn="ctr" fontAlgn="b"/>
+                      <a:r>
+                        <a:rPr lang="en-US" sz="1600" b="0" i="0" u="none" strike="noStrike" dirty="0">
+                          <a:solidFill>
+                            <a:srgbClr val="000000"/>
+                          </a:solidFill>
+                          <a:effectLst/>
+                          <a:latin typeface="Calibri"/>
+                        </a:rPr>
+                        <a:t>* Insufficient RAM</a:t>
+                      </a:r>
+                    </a:p>
+                  </a:txBody>
+                  <a:tcPr marL="9525" marR="9525" marT="9525" marB="0" anchor="b">
+                    <a:lnL w="6350" cap="flat" cmpd="sng" algn="ctr">
+                      <a:solidFill>
+                        <a:srgbClr val="000000"/>
+                      </a:solidFill>
+                      <a:prstDash val="solid"/>
+                      <a:round/>
+                      <a:headEnd type="none" w="med" len="med"/>
+                      <a:tailEnd type="none" w="med" len="med"/>
+                    </a:lnL>
+                    <a:lnR w="6350" cap="flat" cmpd="sng" algn="ctr">
+                      <a:solidFill>
+                        <a:srgbClr val="000000"/>
+                      </a:solidFill>
+                      <a:prstDash val="solid"/>
+                      <a:round/>
+                      <a:headEnd type="none" w="med" len="med"/>
+                      <a:tailEnd type="none" w="med" len="med"/>
+                    </a:lnR>
+                    <a:lnT w="6350" cap="flat" cmpd="sng" algn="ctr">
+                      <a:solidFill>
+                        <a:srgbClr val="000000"/>
+                      </a:solidFill>
+                      <a:prstDash val="solid"/>
+                      <a:round/>
+                      <a:headEnd type="none" w="med" len="med"/>
+                      <a:tailEnd type="none" w="med" len="med"/>
+                    </a:lnT>
+                    <a:lnB w="6350" cap="flat" cmpd="sng" algn="ctr">
+                      <a:solidFill>
+                        <a:srgbClr val="000000"/>
+                      </a:solidFill>
+                      <a:prstDash val="solid"/>
+                      <a:round/>
+                      <a:headEnd type="none" w="med" len="med"/>
+                      <a:tailEnd type="none" w="med" len="med"/>
+                    </a:lnB>
+                    <a:solidFill>
+                      <a:srgbClr val="FFFFFF"/>
+                    </a:solidFill>
+                  </a:tcPr>
+                </a:tc>
+                <a:tc hMerge="1">
+                  <a:txBody>
+                    <a:bodyPr/>
+                    <a:lstStyle/>
+                    <a:p>
+                      <a:endParaRPr lang="en-US"/>
+                    </a:p>
+                  </a:txBody>
+                  <a:tcPr/>
+                </a:tc>
+                <a:tc hMerge="1">
+                  <a:txBody>
+                    <a:bodyPr/>
+                    <a:lstStyle/>
+                    <a:p>
+                      <a:endParaRPr lang="en-US"/>
+                    </a:p>
+                  </a:txBody>
+                  <a:tcPr/>
+                </a:tc>
+                <a:tc hMerge="1">
+                  <a:txBody>
+                    <a:bodyPr/>
+                    <a:lstStyle/>
+                    <a:p>
+                      <a:endParaRPr lang="en-US"/>
+                    </a:p>
+                  </a:txBody>
+                  <a:tcPr/>
+                </a:tc>
+                <a:tc hMerge="1">
+                  <a:txBody>
+                    <a:bodyPr/>
+                    <a:lstStyle/>
+                    <a:p>
+                      <a:endParaRPr lang="en-US"/>
+                    </a:p>
+                  </a:txBody>
+                  <a:tcPr/>
+                </a:tc>
+                <a:tc hMerge="1">
+                  <a:txBody>
+                    <a:bodyPr/>
+                    <a:lstStyle/>
+                    <a:p>
+                      <a:endParaRPr lang="en-US"/>
+                    </a:p>
+                  </a:txBody>
+                  <a:tcPr/>
+                </a:tc>
+                <a:tc hMerge="1">
+                  <a:txBody>
+                    <a:bodyPr/>
+                    <a:lstStyle/>
+                    <a:p>
+                      <a:endParaRPr lang="en-US"/>
+                    </a:p>
+                  </a:txBody>
+                  <a:tcPr/>
+                </a:tc>
+                <a:tc hMerge="1">
+                  <a:txBody>
+                    <a:bodyPr/>
+                    <a:lstStyle/>
+                    <a:p>
+                      <a:endParaRPr lang="en-US"/>
+                    </a:p>
+                  </a:txBody>
+                  <a:tcPr/>
+                </a:tc>
+                <a:tc hMerge="1">
+                  <a:txBody>
+                    <a:bodyPr/>
+                    <a:lstStyle/>
+                    <a:p>
+                      <a:endParaRPr lang="en-US"/>
+                    </a:p>
+                  </a:txBody>
+                  <a:tcPr/>
+                </a:tc>
+              </a:tr>
+            </a:tbl>
+          </a:graphicData>
+        </a:graphic>
+      </p:graphicFrame>
+    </p:spTree>
+    <p:extLst>
+      <p:ext uri="{BB962C8B-B14F-4D97-AF65-F5344CB8AC3E}">
+        <p14:creationId xmlns:p14="http://schemas.microsoft.com/office/powerpoint/2010/main" val="2514136812"/>
+      </p:ext>
+    </p:extLst>
+  </p:cSld>
+  <p:clrMapOvr>
+    <a:masterClrMapping/>
+  </p:clrMapOvr>
+</p:sld>
+</file>
+
+<file path=ppt/slides/slide11.xml><?xml version="1.0" encoding="utf-8"?>
+<p:sld xmlns:a="http://schemas.openxmlformats.org/drawingml/2006/main" xmlns:r="http://schemas.openxmlformats.org/officeDocument/2006/relationships" xmlns:p="http://schemas.openxmlformats.org/presentationml/2006/main">
+  <p:cSld>
+    <p:spTree>
+      <p:nvGrpSpPr>
+        <p:cNvPr id="1" name=""/>
+        <p:cNvGrpSpPr/>
+        <p:nvPr/>
+      </p:nvGrpSpPr>
+      <p:grpSpPr>
+        <a:xfrm>
+          <a:off x="0" y="0"/>
+          <a:ext cx="0" cy="0"/>
+          <a:chOff x="0" y="0"/>
+          <a:chExt cx="0" cy="0"/>
+        </a:xfrm>
+      </p:grpSpPr>
+      <p:graphicFrame>
+        <p:nvGraphicFramePr>
+          <p:cNvPr id="3" name="Table 2"/>
+          <p:cNvGraphicFramePr>
+            <a:graphicFrameLocks noGrp="1"/>
+          </p:cNvGraphicFramePr>
+          <p:nvPr>
+            <p:extLst>
+              <p:ext uri="{D42A27DB-BD31-4B8C-83A1-F6EECF244321}">
+                <p14:modId xmlns:p14="http://schemas.microsoft.com/office/powerpoint/2010/main" val="266991883"/>
+              </p:ext>
+            </p:extLst>
+          </p:nvPr>
+        </p:nvGraphicFramePr>
+        <p:xfrm>
+          <a:off x="2286000" y="1752600"/>
+          <a:ext cx="3479799" cy="1266825"/>
+        </p:xfrm>
+        <a:graphic>
+          <a:graphicData uri="http://schemas.openxmlformats.org/drawingml/2006/table">
+            <a:tbl>
+              <a:tblPr/>
+              <a:tblGrid>
+                <a:gridCol w="1150691"/>
+                <a:gridCol w="1164554"/>
+                <a:gridCol w="1164554"/>
+              </a:tblGrid>
+              <a:tr h="190500">
+                <a:tc gridSpan="3">
+                  <a:txBody>
+                    <a:bodyPr/>
+                    <a:lstStyle/>
+                    <a:p>
+                      <a:pPr algn="ctr" fontAlgn="b"/>
+                      <a:r>
+                        <a:rPr lang="en-US" sz="1600" b="1" i="0" u="none" strike="noStrike">
+                          <a:solidFill>
+                            <a:srgbClr val="000000"/>
+                          </a:solidFill>
+                          <a:effectLst/>
+                          <a:latin typeface="Calibri"/>
+                        </a:rPr>
+                        <a:t>Speedup in FFT Due to CMSIS</a:t>
+                      </a:r>
+                    </a:p>
+                  </a:txBody>
+                  <a:tcPr marL="9525" marR="9525" marT="9525" marB="0" anchor="b">
+                    <a:lnL w="6350" cap="flat" cmpd="sng" algn="ctr">
+                      <a:solidFill>
+                        <a:srgbClr val="000000"/>
+                      </a:solidFill>
+                      <a:prstDash val="solid"/>
+                      <a:round/>
+                      <a:headEnd type="none" w="med" len="med"/>
+                      <a:tailEnd type="none" w="med" len="med"/>
+                    </a:lnL>
+                    <a:lnR w="6350" cap="flat" cmpd="sng" algn="ctr">
+                      <a:solidFill>
+                        <a:srgbClr val="000000"/>
+                      </a:solidFill>
+                      <a:prstDash val="solid"/>
+                      <a:round/>
+                      <a:headEnd type="none" w="med" len="med"/>
+                      <a:tailEnd type="none" w="med" len="med"/>
+                    </a:lnR>
+                    <a:lnT w="6350" cap="flat" cmpd="sng" algn="ctr">
+                      <a:solidFill>
+                        <a:srgbClr val="000000"/>
+                      </a:solidFill>
+                      <a:prstDash val="solid"/>
+                      <a:round/>
+                      <a:headEnd type="none" w="med" len="med"/>
+                      <a:tailEnd type="none" w="med" len="med"/>
+                    </a:lnT>
+                    <a:lnB w="6350" cap="flat" cmpd="sng" algn="ctr">
+                      <a:solidFill>
+                        <a:srgbClr val="000000"/>
+                      </a:solidFill>
+                      <a:prstDash val="solid"/>
+                      <a:round/>
+                      <a:headEnd type="none" w="med" len="med"/>
+                      <a:tailEnd type="none" w="med" len="med"/>
+                    </a:lnB>
+                    <a:solidFill>
+                      <a:srgbClr val="F2F2F2"/>
+                    </a:solidFill>
+                  </a:tcPr>
+                </a:tc>
+                <a:tc hMerge="1">
+                  <a:txBody>
+                    <a:bodyPr/>
+                    <a:lstStyle/>
+                    <a:p>
+                      <a:endParaRPr lang="en-US"/>
+                    </a:p>
+                  </a:txBody>
+                  <a:tcPr/>
+                </a:tc>
+                <a:tc hMerge="1">
+                  <a:txBody>
+                    <a:bodyPr/>
+                    <a:lstStyle/>
+                    <a:p>
+                      <a:endParaRPr lang="en-US"/>
+                    </a:p>
+                  </a:txBody>
+                  <a:tcPr/>
+                </a:tc>
+              </a:tr>
+              <a:tr h="190500">
+                <a:tc>
+                  <a:txBody>
+                    <a:bodyPr/>
+                    <a:lstStyle/>
+                    <a:p>
+                      <a:pPr algn="ctr" fontAlgn="b"/>
+                      <a:r>
+                        <a:rPr lang="en-US" sz="1600" b="1" i="0" u="none" strike="noStrike">
+                          <a:solidFill>
+                            <a:srgbClr val="000000"/>
+                          </a:solidFill>
+                          <a:effectLst/>
+                          <a:latin typeface="Calibri"/>
+                        </a:rPr>
+                        <a:t>Data</a:t>
+                      </a:r>
+                    </a:p>
+                  </a:txBody>
+                  <a:tcPr marL="9525" marR="9525" marT="9525" marB="0" anchor="b">
+                    <a:lnL w="6350" cap="flat" cmpd="sng" algn="ctr">
+                      <a:solidFill>
+                        <a:srgbClr val="000000"/>
+                      </a:solidFill>
+                      <a:prstDash val="solid"/>
+                      <a:round/>
+                      <a:headEnd type="none" w="med" len="med"/>
+                      <a:tailEnd type="none" w="med" len="med"/>
+                    </a:lnL>
+                    <a:lnR w="6350" cap="flat" cmpd="sng" algn="ctr">
+                      <a:solidFill>
+                        <a:srgbClr val="000000"/>
+                      </a:solidFill>
+                      <a:prstDash val="solid"/>
+                      <a:round/>
+                      <a:headEnd type="none" w="med" len="med"/>
+                      <a:tailEnd type="none" w="med" len="med"/>
+                    </a:lnR>
+                    <a:lnT w="6350" cap="flat" cmpd="sng" algn="ctr">
+                      <a:solidFill>
+                        <a:srgbClr val="000000"/>
+                      </a:solidFill>
+                      <a:prstDash val="solid"/>
+                      <a:round/>
+                      <a:headEnd type="none" w="med" len="med"/>
+                      <a:tailEnd type="none" w="med" len="med"/>
+                    </a:lnT>
+                    <a:lnB w="6350" cap="flat" cmpd="sng" algn="ctr">
+                      <a:solidFill>
+                        <a:srgbClr val="000000"/>
+                      </a:solidFill>
+                      <a:prstDash val="solid"/>
+                      <a:round/>
+                      <a:headEnd type="none" w="med" len="med"/>
+                      <a:tailEnd type="none" w="med" len="med"/>
+                    </a:lnB>
+                    <a:solidFill>
+                      <a:srgbClr val="FFFFFF"/>
+                    </a:solidFill>
+                  </a:tcPr>
+                </a:tc>
+                <a:tc>
+                  <a:txBody>
+                    <a:bodyPr/>
+                    <a:lstStyle/>
+                    <a:p>
+                      <a:pPr algn="ctr" fontAlgn="b"/>
+                      <a:r>
+                        <a:rPr lang="en-US" sz="1600" b="1" i="0" u="none" strike="noStrike">
+                          <a:solidFill>
+                            <a:srgbClr val="000000"/>
+                          </a:solidFill>
+                          <a:effectLst/>
+                          <a:latin typeface="Calibri"/>
+                        </a:rPr>
+                        <a:t>Teensy 3.2</a:t>
+                      </a:r>
+                    </a:p>
+                  </a:txBody>
+                  <a:tcPr marL="9525" marR="9525" marT="9525" marB="0" anchor="b">
+                    <a:lnL w="6350" cap="flat" cmpd="sng" algn="ctr">
+                      <a:solidFill>
+                        <a:srgbClr val="000000"/>
+                      </a:solidFill>
+                      <a:prstDash val="solid"/>
+                      <a:round/>
+                      <a:headEnd type="none" w="med" len="med"/>
+                      <a:tailEnd type="none" w="med" len="med"/>
+                    </a:lnL>
+                    <a:lnR w="6350" cap="flat" cmpd="sng" algn="ctr">
+                      <a:solidFill>
+                        <a:srgbClr val="000000"/>
+                      </a:solidFill>
+                      <a:prstDash val="solid"/>
+                      <a:round/>
+                      <a:headEnd type="none" w="med" len="med"/>
+                      <a:tailEnd type="none" w="med" len="med"/>
+                    </a:lnR>
+                    <a:lnT w="6350" cap="flat" cmpd="sng" algn="ctr">
+                      <a:solidFill>
+                        <a:srgbClr val="000000"/>
+                      </a:solidFill>
+                      <a:prstDash val="solid"/>
+                      <a:round/>
+                      <a:headEnd type="none" w="med" len="med"/>
+                      <a:tailEnd type="none" w="med" len="med"/>
+                    </a:lnT>
+                    <a:lnB w="6350" cap="flat" cmpd="sng" algn="ctr">
+                      <a:solidFill>
+                        <a:srgbClr val="000000"/>
+                      </a:solidFill>
+                      <a:prstDash val="solid"/>
+                      <a:round/>
+                      <a:headEnd type="none" w="med" len="med"/>
+                      <a:tailEnd type="none" w="med" len="med"/>
+                    </a:lnB>
+                    <a:solidFill>
+                      <a:srgbClr val="FFFFFF"/>
+                    </a:solidFill>
+                  </a:tcPr>
+                </a:tc>
+                <a:tc>
+                  <a:txBody>
+                    <a:bodyPr/>
+                    <a:lstStyle/>
+                    <a:p>
+                      <a:pPr algn="ctr" fontAlgn="b"/>
+                      <a:r>
+                        <a:rPr lang="en-US" sz="1600" b="1" i="0" u="none" strike="noStrike">
+                          <a:solidFill>
+                            <a:srgbClr val="000000"/>
+                          </a:solidFill>
+                          <a:effectLst/>
+                          <a:latin typeface="Calibri"/>
+                        </a:rPr>
+                        <a:t>FRDM-K66F</a:t>
+                      </a:r>
+                    </a:p>
+                  </a:txBody>
+                  <a:tcPr marL="9525" marR="9525" marT="9525" marB="0" anchor="b">
+                    <a:lnL w="6350" cap="flat" cmpd="sng" algn="ctr">
+                      <a:solidFill>
+                        <a:srgbClr val="000000"/>
+                      </a:solidFill>
+                      <a:prstDash val="solid"/>
+                      <a:round/>
+                      <a:headEnd type="none" w="med" len="med"/>
+                      <a:tailEnd type="none" w="med" len="med"/>
+                    </a:lnL>
+                    <a:lnR w="6350" cap="flat" cmpd="sng" algn="ctr">
+                      <a:solidFill>
+                        <a:srgbClr val="000000"/>
+                      </a:solidFill>
+                      <a:prstDash val="solid"/>
+                      <a:round/>
+                      <a:headEnd type="none" w="med" len="med"/>
+                      <a:tailEnd type="none" w="med" len="med"/>
+                    </a:lnR>
+                    <a:lnT w="6350" cap="flat" cmpd="sng" algn="ctr">
+                      <a:solidFill>
+                        <a:srgbClr val="000000"/>
+                      </a:solidFill>
+                      <a:prstDash val="solid"/>
+                      <a:round/>
+                      <a:headEnd type="none" w="med" len="med"/>
+                      <a:tailEnd type="none" w="med" len="med"/>
+                    </a:lnT>
+                    <a:lnB w="6350" cap="flat" cmpd="sng" algn="ctr">
+                      <a:solidFill>
+                        <a:srgbClr val="000000"/>
+                      </a:solidFill>
+                      <a:prstDash val="solid"/>
+                      <a:round/>
+                      <a:headEnd type="none" w="med" len="med"/>
+                      <a:tailEnd type="none" w="med" len="med"/>
+                    </a:lnB>
+                    <a:solidFill>
+                      <a:srgbClr val="FFFFFF"/>
+                    </a:solidFill>
+                  </a:tcPr>
+                </a:tc>
+              </a:tr>
+              <a:tr h="190500">
+                <a:tc>
+                  <a:txBody>
+                    <a:bodyPr/>
+                    <a:lstStyle/>
+                    <a:p>
+                      <a:pPr algn="ctr" fontAlgn="b"/>
+                      <a:r>
+                        <a:rPr lang="en-US" sz="1600" b="0" i="0" u="none" strike="noStrike">
+                          <a:solidFill>
+                            <a:srgbClr val="000000"/>
+                          </a:solidFill>
+                          <a:effectLst/>
+                          <a:latin typeface="Calibri"/>
+                        </a:rPr>
+                        <a:t>Int16</a:t>
+                      </a:r>
+                    </a:p>
+                  </a:txBody>
+                  <a:tcPr marL="9525" marR="9525" marT="9525" marB="0" anchor="b">
+                    <a:lnL w="6350" cap="flat" cmpd="sng" algn="ctr">
+                      <a:solidFill>
+                        <a:srgbClr val="000000"/>
+                      </a:solidFill>
+                      <a:prstDash val="solid"/>
+                      <a:round/>
+                      <a:headEnd type="none" w="med" len="med"/>
+                      <a:tailEnd type="none" w="med" len="med"/>
+                    </a:lnL>
+                    <a:lnR w="6350" cap="flat" cmpd="sng" algn="ctr">
+                      <a:solidFill>
+                        <a:srgbClr val="000000"/>
+                      </a:solidFill>
+                      <a:prstDash val="solid"/>
+                      <a:round/>
+                      <a:headEnd type="none" w="med" len="med"/>
+                      <a:tailEnd type="none" w="med" len="med"/>
+                    </a:lnR>
+                    <a:lnT w="6350" cap="flat" cmpd="sng" algn="ctr">
+                      <a:solidFill>
+                        <a:srgbClr val="000000"/>
+                      </a:solidFill>
+                      <a:prstDash val="solid"/>
+                      <a:round/>
+                      <a:headEnd type="none" w="med" len="med"/>
+                      <a:tailEnd type="none" w="med" len="med"/>
+                    </a:lnT>
+                    <a:lnB w="6350" cap="flat" cmpd="sng" algn="ctr">
+                      <a:solidFill>
+                        <a:srgbClr val="000000"/>
+                      </a:solidFill>
+                      <a:prstDash val="solid"/>
+                      <a:round/>
+                      <a:headEnd type="none" w="med" len="med"/>
+                      <a:tailEnd type="none" w="med" len="med"/>
+                    </a:lnB>
+                    <a:solidFill>
+                      <a:srgbClr val="FFFFFF"/>
+                    </a:solidFill>
+                  </a:tcPr>
+                </a:tc>
+                <a:tc>
+                  <a:txBody>
+                    <a:bodyPr/>
+                    <a:lstStyle/>
+                    <a:p>
+                      <a:pPr algn="ctr" fontAlgn="b"/>
+                      <a:r>
+                        <a:rPr lang="en-US" sz="1600" b="0" i="0" u="none" strike="noStrike">
+                          <a:solidFill>
+                            <a:srgbClr val="000000"/>
+                          </a:solidFill>
+                          <a:effectLst/>
+                          <a:latin typeface="Calibri"/>
+                        </a:rPr>
+                        <a:t>3.7x</a:t>
+                      </a:r>
+                    </a:p>
+                  </a:txBody>
+                  <a:tcPr marL="9525" marR="9525" marT="9525" marB="0" anchor="b">
+                    <a:lnL w="6350" cap="flat" cmpd="sng" algn="ctr">
+                      <a:solidFill>
+                        <a:srgbClr val="000000"/>
+                      </a:solidFill>
+                      <a:prstDash val="solid"/>
+                      <a:round/>
+                      <a:headEnd type="none" w="med" len="med"/>
+                      <a:tailEnd type="none" w="med" len="med"/>
+                    </a:lnL>
+                    <a:lnR w="6350" cap="flat" cmpd="sng" algn="ctr">
+                      <a:solidFill>
+                        <a:srgbClr val="000000"/>
+                      </a:solidFill>
+                      <a:prstDash val="solid"/>
+                      <a:round/>
+                      <a:headEnd type="none" w="med" len="med"/>
+                      <a:tailEnd type="none" w="med" len="med"/>
+                    </a:lnR>
+                    <a:lnT w="6350" cap="flat" cmpd="sng" algn="ctr">
+                      <a:solidFill>
+                        <a:srgbClr val="000000"/>
+                      </a:solidFill>
+                      <a:prstDash val="solid"/>
+                      <a:round/>
+                      <a:headEnd type="none" w="med" len="med"/>
+                      <a:tailEnd type="none" w="med" len="med"/>
+                    </a:lnT>
+                    <a:lnB w="6350" cap="flat" cmpd="sng" algn="ctr">
+                      <a:solidFill>
+                        <a:srgbClr val="000000"/>
+                      </a:solidFill>
+                      <a:prstDash val="solid"/>
+                      <a:round/>
+                      <a:headEnd type="none" w="med" len="med"/>
+                      <a:tailEnd type="none" w="med" len="med"/>
+                    </a:lnB>
+                    <a:solidFill>
+                      <a:srgbClr val="FFFFFF"/>
+                    </a:solidFill>
+                  </a:tcPr>
+                </a:tc>
+                <a:tc>
+                  <a:txBody>
+                    <a:bodyPr/>
+                    <a:lstStyle/>
+                    <a:p>
+                      <a:pPr algn="ctr" fontAlgn="b"/>
+                      <a:r>
+                        <a:rPr lang="en-US" sz="1600" b="0" i="0" u="none" strike="noStrike">
+                          <a:solidFill>
+                            <a:srgbClr val="000000"/>
+                          </a:solidFill>
+                          <a:effectLst/>
+                          <a:latin typeface="Calibri"/>
+                        </a:rPr>
+                        <a:t>5.0x</a:t>
+                      </a:r>
+                    </a:p>
+                  </a:txBody>
+                  <a:tcPr marL="9525" marR="9525" marT="9525" marB="0" anchor="b">
+                    <a:lnL w="6350" cap="flat" cmpd="sng" algn="ctr">
+                      <a:solidFill>
+                        <a:srgbClr val="000000"/>
+                      </a:solidFill>
+                      <a:prstDash val="solid"/>
+                      <a:round/>
+                      <a:headEnd type="none" w="med" len="med"/>
+                      <a:tailEnd type="none" w="med" len="med"/>
+                    </a:lnL>
+                    <a:lnR w="6350" cap="flat" cmpd="sng" algn="ctr">
+                      <a:solidFill>
+                        <a:srgbClr val="000000"/>
+                      </a:solidFill>
+                      <a:prstDash val="solid"/>
+                      <a:round/>
+                      <a:headEnd type="none" w="med" len="med"/>
+                      <a:tailEnd type="none" w="med" len="med"/>
+                    </a:lnR>
+                    <a:lnT w="6350" cap="flat" cmpd="sng" algn="ctr">
+                      <a:solidFill>
+                        <a:srgbClr val="000000"/>
+                      </a:solidFill>
+                      <a:prstDash val="solid"/>
+                      <a:round/>
+                      <a:headEnd type="none" w="med" len="med"/>
+                      <a:tailEnd type="none" w="med" len="med"/>
+                    </a:lnT>
+                    <a:lnB w="6350" cap="flat" cmpd="sng" algn="ctr">
+                      <a:solidFill>
+                        <a:srgbClr val="000000"/>
+                      </a:solidFill>
+                      <a:prstDash val="solid"/>
+                      <a:round/>
+                      <a:headEnd type="none" w="med" len="med"/>
+                      <a:tailEnd type="none" w="med" len="med"/>
+                    </a:lnB>
+                    <a:solidFill>
+                      <a:srgbClr val="FFFFFF"/>
+                    </a:solidFill>
+                  </a:tcPr>
+                </a:tc>
+              </a:tr>
+              <a:tr h="190500">
+                <a:tc>
+                  <a:txBody>
+                    <a:bodyPr/>
+                    <a:lstStyle/>
+                    <a:p>
+                      <a:pPr algn="ctr" fontAlgn="b"/>
+                      <a:r>
+                        <a:rPr lang="en-US" sz="1600" b="0" i="0" u="none" strike="noStrike">
+                          <a:solidFill>
+                            <a:srgbClr val="000000"/>
+                          </a:solidFill>
+                          <a:effectLst/>
+                          <a:latin typeface="Calibri"/>
+                        </a:rPr>
+                        <a:t>Int32</a:t>
+                      </a:r>
+                    </a:p>
+                  </a:txBody>
+                  <a:tcPr marL="9525" marR="9525" marT="9525" marB="0" anchor="b">
+                    <a:lnL w="6350" cap="flat" cmpd="sng" algn="ctr">
+                      <a:solidFill>
+                        <a:srgbClr val="000000"/>
+                      </a:solidFill>
+                      <a:prstDash val="solid"/>
+                      <a:round/>
+                      <a:headEnd type="none" w="med" len="med"/>
+                      <a:tailEnd type="none" w="med" len="med"/>
+                    </a:lnL>
+                    <a:lnR w="6350" cap="flat" cmpd="sng" algn="ctr">
+                      <a:solidFill>
+                        <a:srgbClr val="000000"/>
+                      </a:solidFill>
+                      <a:prstDash val="solid"/>
+                      <a:round/>
+                      <a:headEnd type="none" w="med" len="med"/>
+                      <a:tailEnd type="none" w="med" len="med"/>
+                    </a:lnR>
+                    <a:lnT w="6350" cap="flat" cmpd="sng" algn="ctr">
+                      <a:solidFill>
+                        <a:srgbClr val="000000"/>
+                      </a:solidFill>
+                      <a:prstDash val="solid"/>
+                      <a:round/>
+                      <a:headEnd type="none" w="med" len="med"/>
+                      <a:tailEnd type="none" w="med" len="med"/>
+                    </a:lnT>
+                    <a:lnB w="6350" cap="flat" cmpd="sng" algn="ctr">
+                      <a:solidFill>
+                        <a:srgbClr val="000000"/>
+                      </a:solidFill>
+                      <a:prstDash val="solid"/>
+                      <a:round/>
+                      <a:headEnd type="none" w="med" len="med"/>
+                      <a:tailEnd type="none" w="med" len="med"/>
+                    </a:lnB>
+                    <a:solidFill>
+                      <a:srgbClr val="FFFFFF"/>
+                    </a:solidFill>
+                  </a:tcPr>
+                </a:tc>
+                <a:tc>
+                  <a:txBody>
+                    <a:bodyPr/>
+                    <a:lstStyle/>
+                    <a:p>
+                      <a:pPr algn="ctr" fontAlgn="b"/>
+                      <a:r>
+                        <a:rPr lang="en-US" sz="1600" b="0" i="0" u="none" strike="noStrike">
+                          <a:solidFill>
+                            <a:srgbClr val="000000"/>
+                          </a:solidFill>
+                          <a:effectLst/>
+                          <a:latin typeface="Calibri"/>
+                        </a:rPr>
+                        <a:t>3.3x</a:t>
+                      </a:r>
+                    </a:p>
+                  </a:txBody>
+                  <a:tcPr marL="9525" marR="9525" marT="9525" marB="0" anchor="b">
+                    <a:lnL w="6350" cap="flat" cmpd="sng" algn="ctr">
+                      <a:solidFill>
+                        <a:srgbClr val="000000"/>
+                      </a:solidFill>
+                      <a:prstDash val="solid"/>
+                      <a:round/>
+                      <a:headEnd type="none" w="med" len="med"/>
+                      <a:tailEnd type="none" w="med" len="med"/>
+                    </a:lnL>
+                    <a:lnR w="6350" cap="flat" cmpd="sng" algn="ctr">
+                      <a:solidFill>
+                        <a:srgbClr val="000000"/>
+                      </a:solidFill>
+                      <a:prstDash val="solid"/>
+                      <a:round/>
+                      <a:headEnd type="none" w="med" len="med"/>
+                      <a:tailEnd type="none" w="med" len="med"/>
+                    </a:lnR>
+                    <a:lnT w="6350" cap="flat" cmpd="sng" algn="ctr">
+                      <a:solidFill>
+                        <a:srgbClr val="000000"/>
+                      </a:solidFill>
+                      <a:prstDash val="solid"/>
+                      <a:round/>
+                      <a:headEnd type="none" w="med" len="med"/>
+                      <a:tailEnd type="none" w="med" len="med"/>
+                    </a:lnT>
+                    <a:lnB w="6350" cap="flat" cmpd="sng" algn="ctr">
+                      <a:solidFill>
+                        <a:srgbClr val="000000"/>
+                      </a:solidFill>
+                      <a:prstDash val="solid"/>
+                      <a:round/>
+                      <a:headEnd type="none" w="med" len="med"/>
+                      <a:tailEnd type="none" w="med" len="med"/>
+                    </a:lnB>
+                    <a:solidFill>
+                      <a:srgbClr val="FFFFFF"/>
+                    </a:solidFill>
+                  </a:tcPr>
+                </a:tc>
+                <a:tc>
+                  <a:txBody>
+                    <a:bodyPr/>
+                    <a:lstStyle/>
+                    <a:p>
+                      <a:pPr algn="ctr" fontAlgn="b"/>
+                      <a:r>
+                        <a:rPr lang="en-US" sz="1600" b="0" i="0" u="none" strike="noStrike">
+                          <a:solidFill>
+                            <a:srgbClr val="000000"/>
+                          </a:solidFill>
+                          <a:effectLst/>
+                          <a:latin typeface="Calibri"/>
+                        </a:rPr>
+                        <a:t>3.2x</a:t>
+                      </a:r>
+                    </a:p>
+                  </a:txBody>
+                  <a:tcPr marL="9525" marR="9525" marT="9525" marB="0" anchor="b">
+                    <a:lnL w="6350" cap="flat" cmpd="sng" algn="ctr">
+                      <a:solidFill>
+                        <a:srgbClr val="000000"/>
+                      </a:solidFill>
+                      <a:prstDash val="solid"/>
+                      <a:round/>
+                      <a:headEnd type="none" w="med" len="med"/>
+                      <a:tailEnd type="none" w="med" len="med"/>
+                    </a:lnL>
+                    <a:lnR w="6350" cap="flat" cmpd="sng" algn="ctr">
+                      <a:solidFill>
+                        <a:srgbClr val="000000"/>
+                      </a:solidFill>
+                      <a:prstDash val="solid"/>
+                      <a:round/>
+                      <a:headEnd type="none" w="med" len="med"/>
+                      <a:tailEnd type="none" w="med" len="med"/>
+                    </a:lnR>
+                    <a:lnT w="6350" cap="flat" cmpd="sng" algn="ctr">
+                      <a:solidFill>
+                        <a:srgbClr val="000000"/>
+                      </a:solidFill>
+                      <a:prstDash val="solid"/>
+                      <a:round/>
+                      <a:headEnd type="none" w="med" len="med"/>
+                      <a:tailEnd type="none" w="med" len="med"/>
+                    </a:lnT>
+                    <a:lnB w="6350" cap="flat" cmpd="sng" algn="ctr">
+                      <a:solidFill>
+                        <a:srgbClr val="000000"/>
+                      </a:solidFill>
+                      <a:prstDash val="solid"/>
+                      <a:round/>
+                      <a:headEnd type="none" w="med" len="med"/>
+                      <a:tailEnd type="none" w="med" len="med"/>
+                    </a:lnB>
+                    <a:solidFill>
+                      <a:srgbClr val="FFFFFF"/>
+                    </a:solidFill>
+                  </a:tcPr>
+                </a:tc>
+              </a:tr>
+              <a:tr h="190500">
+                <a:tc>
+                  <a:txBody>
+                    <a:bodyPr/>
+                    <a:lstStyle/>
+                    <a:p>
+                      <a:pPr algn="ctr" fontAlgn="b"/>
+                      <a:r>
+                        <a:rPr lang="en-US" sz="1600" b="0" i="0" u="none" strike="noStrike">
+                          <a:solidFill>
+                            <a:srgbClr val="000000"/>
+                          </a:solidFill>
+                          <a:effectLst/>
+                          <a:latin typeface="Calibri"/>
+                        </a:rPr>
+                        <a:t>Float32</a:t>
+                      </a:r>
+                    </a:p>
+                  </a:txBody>
+                  <a:tcPr marL="9525" marR="9525" marT="9525" marB="0" anchor="b">
+                    <a:lnL w="6350" cap="flat" cmpd="sng" algn="ctr">
+                      <a:solidFill>
+                        <a:srgbClr val="000000"/>
+                      </a:solidFill>
+                      <a:prstDash val="solid"/>
+                      <a:round/>
+                      <a:headEnd type="none" w="med" len="med"/>
+                      <a:tailEnd type="none" w="med" len="med"/>
+                    </a:lnL>
+                    <a:lnR w="6350" cap="flat" cmpd="sng" algn="ctr">
+                      <a:solidFill>
+                        <a:srgbClr val="000000"/>
+                      </a:solidFill>
+                      <a:prstDash val="solid"/>
+                      <a:round/>
+                      <a:headEnd type="none" w="med" len="med"/>
+                      <a:tailEnd type="none" w="med" len="med"/>
+                    </a:lnR>
+                    <a:lnT w="6350" cap="flat" cmpd="sng" algn="ctr">
+                      <a:solidFill>
+                        <a:srgbClr val="000000"/>
+                      </a:solidFill>
+                      <a:prstDash val="solid"/>
+                      <a:round/>
+                      <a:headEnd type="none" w="med" len="med"/>
+                      <a:tailEnd type="none" w="med" len="med"/>
+                    </a:lnT>
+                    <a:lnB w="6350" cap="flat" cmpd="sng" algn="ctr">
+                      <a:solidFill>
+                        <a:srgbClr val="000000"/>
+                      </a:solidFill>
+                      <a:prstDash val="solid"/>
+                      <a:round/>
+                      <a:headEnd type="none" w="med" len="med"/>
+                      <a:tailEnd type="none" w="med" len="med"/>
+                    </a:lnB>
+                    <a:solidFill>
+                      <a:srgbClr val="FFFFFF"/>
+                    </a:solidFill>
+                  </a:tcPr>
+                </a:tc>
+                <a:tc>
+                  <a:txBody>
+                    <a:bodyPr/>
+                    <a:lstStyle/>
+                    <a:p>
+                      <a:pPr algn="ctr" fontAlgn="b"/>
+                      <a:r>
+                        <a:rPr lang="en-US" sz="1600" b="0" i="0" u="none" strike="noStrike">
+                          <a:solidFill>
+                            <a:srgbClr val="000000"/>
+                          </a:solidFill>
+                          <a:effectLst/>
+                          <a:latin typeface="Calibri"/>
+                        </a:rPr>
+                        <a:t>1.9x</a:t>
+                      </a:r>
+                    </a:p>
+                  </a:txBody>
+                  <a:tcPr marL="9525" marR="9525" marT="9525" marB="0" anchor="b">
+                    <a:lnL w="6350" cap="flat" cmpd="sng" algn="ctr">
+                      <a:solidFill>
+                        <a:srgbClr val="000000"/>
+                      </a:solidFill>
+                      <a:prstDash val="solid"/>
+                      <a:round/>
+                      <a:headEnd type="none" w="med" len="med"/>
+                      <a:tailEnd type="none" w="med" len="med"/>
+                    </a:lnL>
+                    <a:lnR w="6350" cap="flat" cmpd="sng" algn="ctr">
+                      <a:solidFill>
+                        <a:srgbClr val="000000"/>
+                      </a:solidFill>
+                      <a:prstDash val="solid"/>
+                      <a:round/>
+                      <a:headEnd type="none" w="med" len="med"/>
+                      <a:tailEnd type="none" w="med" len="med"/>
+                    </a:lnR>
+                    <a:lnT w="6350" cap="flat" cmpd="sng" algn="ctr">
+                      <a:solidFill>
+                        <a:srgbClr val="000000"/>
+                      </a:solidFill>
+                      <a:prstDash val="solid"/>
+                      <a:round/>
+                      <a:headEnd type="none" w="med" len="med"/>
+                      <a:tailEnd type="none" w="med" len="med"/>
+                    </a:lnT>
+                    <a:lnB w="6350" cap="flat" cmpd="sng" algn="ctr">
+                      <a:solidFill>
+                        <a:srgbClr val="000000"/>
+                      </a:solidFill>
+                      <a:prstDash val="solid"/>
+                      <a:round/>
+                      <a:headEnd type="none" w="med" len="med"/>
+                      <a:tailEnd type="none" w="med" len="med"/>
+                    </a:lnB>
+                    <a:solidFill>
+                      <a:srgbClr val="FFFFFF"/>
+                    </a:solidFill>
+                  </a:tcPr>
+                </a:tc>
+                <a:tc>
+                  <a:txBody>
+                    <a:bodyPr/>
+                    <a:lstStyle/>
+                    <a:p>
+                      <a:pPr algn="ctr" fontAlgn="b"/>
+                      <a:r>
+                        <a:rPr lang="en-US" sz="1600" b="0" i="0" u="none" strike="noStrike" dirty="0">
+                          <a:solidFill>
+                            <a:srgbClr val="000000"/>
+                          </a:solidFill>
+                          <a:effectLst/>
+                          <a:latin typeface="Calibri"/>
+                        </a:rPr>
+                        <a:t>2.1x</a:t>
+                      </a:r>
+                    </a:p>
+                  </a:txBody>
+                  <a:tcPr marL="9525" marR="9525" marT="9525" marB="0" anchor="b">
+                    <a:lnL w="6350" cap="flat" cmpd="sng" algn="ctr">
+                      <a:solidFill>
+                        <a:srgbClr val="000000"/>
+                      </a:solidFill>
+                      <a:prstDash val="solid"/>
+                      <a:round/>
+                      <a:headEnd type="none" w="med" len="med"/>
+                      <a:tailEnd type="none" w="med" len="med"/>
+                    </a:lnL>
+                    <a:lnR w="6350" cap="flat" cmpd="sng" algn="ctr">
+                      <a:solidFill>
+                        <a:srgbClr val="000000"/>
+                      </a:solidFill>
+                      <a:prstDash val="solid"/>
+                      <a:round/>
+                      <a:headEnd type="none" w="med" len="med"/>
+                      <a:tailEnd type="none" w="med" len="med"/>
+                    </a:lnR>
+                    <a:lnT w="6350" cap="flat" cmpd="sng" algn="ctr">
+                      <a:solidFill>
+                        <a:srgbClr val="000000"/>
+                      </a:solidFill>
+                      <a:prstDash val="solid"/>
+                      <a:round/>
+                      <a:headEnd type="none" w="med" len="med"/>
+                      <a:tailEnd type="none" w="med" len="med"/>
+                    </a:lnT>
+                    <a:lnB w="6350" cap="flat" cmpd="sng" algn="ctr">
+                      <a:solidFill>
+                        <a:srgbClr val="000000"/>
+                      </a:solidFill>
+                      <a:prstDash val="solid"/>
+                      <a:round/>
+                      <a:headEnd type="none" w="med" len="med"/>
+                      <a:tailEnd type="none" w="med" len="med"/>
+                    </a:lnB>
+                    <a:solidFill>
+                      <a:srgbClr val="FFFFFF"/>
+                    </a:solidFill>
+                  </a:tcPr>
+                </a:tc>
+              </a:tr>
+            </a:tbl>
+          </a:graphicData>
+        </a:graphic>
+      </p:graphicFrame>
+    </p:spTree>
+    <p:extLst>
+      <p:ext uri="{BB962C8B-B14F-4D97-AF65-F5344CB8AC3E}">
+        <p14:creationId xmlns:p14="http://schemas.microsoft.com/office/powerpoint/2010/main" val="2725117831"/>
+      </p:ext>
+    </p:extLst>
+  </p:cSld>
+  <p:clrMapOvr>
+    <a:masterClrMapping/>
+  </p:clrMapOvr>
+</p:sld>
+</file>
+
+<file path=ppt/slides/slide2.xml><?xml version="1.0" encoding="utf-8"?>
+<p:sld xmlns:a="http://schemas.openxmlformats.org/drawingml/2006/main" xmlns:r="http://schemas.openxmlformats.org/officeDocument/2006/relationships" xmlns:p="http://schemas.openxmlformats.org/presentationml/2006/main">
+  <p:cSld>
+    <p:spTree>
+      <p:nvGrpSpPr>
+        <p:cNvPr id="1" name=""/>
+        <p:cNvGrpSpPr/>
+        <p:nvPr/>
+      </p:nvGrpSpPr>
+      <p:grpSpPr>
+        <a:xfrm>
+          <a:off x="0" y="0"/>
+          <a:ext cx="0" cy="0"/>
+          <a:chOff x="0" y="0"/>
+          <a:chExt cx="0" cy="0"/>
+        </a:xfrm>
+      </p:grpSpPr>
+      <p:pic>
+        <p:nvPicPr>
+          <p:cNvPr id="2052" name="Picture 4"/>
+          <p:cNvPicPr>
+            <a:picLocks noChangeAspect="1" noChangeArrowheads="1"/>
+          </p:cNvPicPr>
+          <p:nvPr/>
+        </p:nvPicPr>
+        <p:blipFill rotWithShape="1">
+          <a:blip r:embed="rId2">
+            <a:extLst>
+              <a:ext uri="{28A0092B-C50C-407E-A947-70E740481C1C}">
+                <a14:useLocalDpi xmlns:a14="http://schemas.microsoft.com/office/drawing/2010/main" val="0"/>
+              </a:ext>
+            </a:extLst>
+          </a:blip>
+          <a:srcRect l="15290" t="16023"/>
+          <a:stretch/>
+        </p:blipFill>
+        <p:spPr bwMode="auto">
+          <a:xfrm>
+            <a:off x="2249714" y="1901371"/>
+            <a:ext cx="5665561" cy="3783467"/>
+          </a:xfrm>
+          <a:prstGeom prst="rect">
+            <a:avLst/>
+          </a:prstGeom>
+          <a:noFill/>
+          <a:ln>
+            <a:noFill/>
+          </a:ln>
+          <a:effectLst/>
+          <a:extLst>
+            <a:ext uri="{909E8E84-426E-40DD-AFC4-6F175D3DCCD1}">
+              <a14:hiddenFill xmlns:a14="http://schemas.microsoft.com/office/drawing/2010/main">
+                <a:solidFill>
+                  <a:schemeClr val="accent1"/>
+                </a:solidFill>
+              </a14:hiddenFill>
+            </a:ext>
+            <a:ext uri="{91240B29-F687-4F45-9708-019B960494DF}">
+              <a14:hiddenLine xmlns:a14="http://schemas.microsoft.com/office/drawing/2010/main" w="9525">
+                <a:solidFill>
+                  <a:schemeClr val="tx1"/>
+                </a:solidFill>
+                <a:miter lim="800000"/>
+                <a:headEnd/>
+                <a:tailEnd/>
+              </a14:hiddenLine>
+            </a:ext>
+            <a:ext uri="{AF507438-7753-43E0-B8FC-AC1667EBCBE1}">
+              <a14:hiddenEffects xmlns:a14="http://schemas.microsoft.com/office/drawing/2010/main">
+                <a:effectLst>
+                  <a:outerShdw dist="35921" dir="2700000" algn="ctr" rotWithShape="0">
+                    <a:schemeClr val="bg2"/>
+                  </a:outerShdw>
+                </a:effectLst>
+              </a14:hiddenEffects>
+            </a:ext>
+          </a:extLst>
+        </p:spPr>
+      </p:pic>
+    </p:spTree>
+    <p:extLst>
+      <p:ext uri="{BB962C8B-B14F-4D97-AF65-F5344CB8AC3E}">
+        <p14:creationId xmlns:p14="http://schemas.microsoft.com/office/powerpoint/2010/main" val="3173721126"/>
+      </p:ext>
+    </p:extLst>
+  </p:cSld>
+  <p:clrMapOvr>
+    <a:masterClrMapping/>
+  </p:clrMapOvr>
+</p:sld>
+</file>
+
+<file path=ppt/slides/slide3.xml><?xml version="1.0" encoding="utf-8"?>
+<p:sld xmlns:a="http://schemas.openxmlformats.org/drawingml/2006/main" xmlns:r="http://schemas.openxmlformats.org/officeDocument/2006/relationships" xmlns:p="http://schemas.openxmlformats.org/presentationml/2006/main">
+  <p:cSld>
+    <p:spTree>
+      <p:nvGrpSpPr>
+        <p:cNvPr id="1" name=""/>
+        <p:cNvGrpSpPr/>
+        <p:nvPr/>
+      </p:nvGrpSpPr>
+      <p:grpSpPr>
+        <a:xfrm>
+          <a:off x="0" y="0"/>
+          <a:ext cx="0" cy="0"/>
+          <a:chOff x="0" y="0"/>
+          <a:chExt cx="0" cy="0"/>
+        </a:xfrm>
+      </p:grpSpPr>
+      <p:grpSp>
+        <p:nvGrpSpPr>
           <p:cNvPr id="16" name="Group 15"/>
           <p:cNvGrpSpPr/>
           <p:nvPr/>
         </p:nvGrpSpPr>
         <p:grpSpPr>
           <a:xfrm>
-            <a:off x="1386071" y="1830757"/>
-            <a:ext cx="6843529" cy="3960443"/>
-            <a:chOff x="1386071" y="1830757"/>
-            <a:chExt cx="6843529" cy="3960443"/>
+            <a:off x="1302083" y="1789128"/>
+            <a:ext cx="6927517" cy="4002072"/>
+            <a:chOff x="1302083" y="1789128"/>
+            <a:chExt cx="6927517" cy="4002072"/>
           </a:xfrm>
         </p:grpSpPr>
         <p:pic>
@@ -3166,7 +8021,7 @@
           </p:nvSpPr>
           <p:spPr>
             <a:xfrm rot="19524861">
-              <a:off x="1386071" y="1830757"/>
+              <a:off x="1302083" y="1789128"/>
               <a:ext cx="4737408" cy="2747914"/>
             </a:xfrm>
             <a:prstGeom prst="ellipse">
@@ -3213,9 +8068,9 @@
             <p:nvPr/>
           </p:nvSpPr>
           <p:spPr>
-            <a:xfrm rot="19552435">
-              <a:off x="2422337" y="2850797"/>
-              <a:ext cx="2664876" cy="707835"/>
+            <a:xfrm rot="19351337">
+              <a:off x="2338349" y="2853112"/>
+              <a:ext cx="2664876" cy="619947"/>
             </a:xfrm>
             <a:prstGeom prst="rect">
               <a:avLst/>
@@ -3256,7 +8111,17 @@
                   </a:solidFill>
                   <a:effectLst/>
                 </a:rPr>
-                <a:t>Go FFT!</a:t>
+                <a:t>Go </a:t>
+              </a:r>
+              <a:r>
+                <a:rPr lang="en-US" sz="1600" b="1" cap="none" spc="0" dirty="0" smtClean="0">
+                  <a:ln w="11430"/>
+                  <a:solidFill>
+                    <a:srgbClr val="FFFF00"/>
+                  </a:solidFill>
+                  <a:effectLst/>
+                </a:rPr>
+                <a:t>FFT!</a:t>
               </a:r>
             </a:p>
           </p:txBody>
@@ -3275,7 +8140,7 @@
 </p:sld>
 </file>
 
-<file path=ppt/slides/slide2.xml><?xml version="1.0" encoding="utf-8"?>
+<file path=ppt/slides/slide4.xml><?xml version="1.0" encoding="utf-8"?>
 <p:sld xmlns:a="http://schemas.openxmlformats.org/drawingml/2006/main" xmlns:r="http://schemas.openxmlformats.org/officeDocument/2006/relationships" xmlns:p="http://schemas.openxmlformats.org/presentationml/2006/main">
   <p:cSld>
     <p:spTree>
@@ -3294,7 +8159,7 @@
       </p:grpSpPr>
       <p:pic>
         <p:nvPicPr>
-          <p:cNvPr id="8206" name="Picture 14"/>
+          <p:cNvPr id="1026" name="Picture 2"/>
           <p:cNvPicPr>
             <a:picLocks noChangeAspect="1" noChangeArrowheads="1"/>
           </p:cNvPicPr>
@@ -3308,13 +8173,13 @@
               </a:ext>
             </a:extLst>
           </a:blip>
-          <a:srcRect l="13838" t="13687"/>
+          <a:srcRect l="15006" t="13889"/>
           <a:stretch/>
         </p:blipFill>
         <p:spPr bwMode="auto">
           <a:xfrm>
-            <a:off x="1676400" y="1589314"/>
-            <a:ext cx="5677807" cy="3762602"/>
+            <a:off x="2235200" y="1843314"/>
+            <a:ext cx="5673725" cy="3790724"/>
           </a:xfrm>
           <a:prstGeom prst="rect">
             <a:avLst/>
@@ -3367,7 +8232,7 @@
 </p:sld>
 </file>
 
-<file path=ppt/slides/slide3.xml><?xml version="1.0" encoding="utf-8"?>
+<file path=ppt/slides/slide5.xml><?xml version="1.0" encoding="utf-8"?>
 <p:sld xmlns:a="http://schemas.openxmlformats.org/drawingml/2006/main" xmlns:r="http://schemas.openxmlformats.org/officeDocument/2006/relationships" xmlns:p="http://schemas.openxmlformats.org/presentationml/2006/main">
   <p:cSld>
     <p:spTree>
@@ -6878,7 +11743,7 @@
 </p:sld>
 </file>
 
-<file path=ppt/slides/slide4.xml><?xml version="1.0" encoding="utf-8"?>
+<file path=ppt/slides/slide6.xml><?xml version="1.0" encoding="utf-8"?>
 <p:sld xmlns:a="http://schemas.openxmlformats.org/drawingml/2006/main" xmlns:r="http://schemas.openxmlformats.org/officeDocument/2006/relationships" xmlns:p="http://schemas.openxmlformats.org/presentationml/2006/main">
   <p:cSld>
     <p:spTree>
@@ -18429,7 +23294,7 @@
 </p:sld>
 </file>
 
-<file path=ppt/slides/slide5.xml><?xml version="1.0" encoding="utf-8"?>
+<file path=ppt/slides/slide7.xml><?xml version="1.0" encoding="utf-8"?>
 <p:sld xmlns:a="http://schemas.openxmlformats.org/drawingml/2006/main" xmlns:r="http://schemas.openxmlformats.org/officeDocument/2006/relationships" xmlns:p="http://schemas.openxmlformats.org/presentationml/2006/main">
   <p:cSld>
     <p:spTree>
@@ -18523,7 +23388,7 @@
 </p:sld>
 </file>
 
-<file path=ppt/slides/slide6.xml><?xml version="1.0" encoding="utf-8"?>
+<file path=ppt/slides/slide8.xml><?xml version="1.0" encoding="utf-8"?>
 <p:sld xmlns:a="http://schemas.openxmlformats.org/drawingml/2006/main" xmlns:r="http://schemas.openxmlformats.org/officeDocument/2006/relationships" xmlns:p="http://schemas.openxmlformats.org/presentationml/2006/main">
   <p:cSld>
     <p:spTree>
@@ -18681,7 +23546,7 @@
 </p:sld>
 </file>
 
-<file path=ppt/slides/slide7.xml><?xml version="1.0" encoding="utf-8"?>
+<file path=ppt/slides/slide9.xml><?xml version="1.0" encoding="utf-8"?>
 <p:sld xmlns:a="http://schemas.openxmlformats.org/drawingml/2006/main" xmlns:r="http://schemas.openxmlformats.org/officeDocument/2006/relationships" xmlns:p="http://schemas.openxmlformats.org/presentationml/2006/main">
   <p:cSld>
     <p:spTree>
@@ -18766,3652 +23631,6 @@
     <p:extLst>
       <p:ext uri="{BB962C8B-B14F-4D97-AF65-F5344CB8AC3E}">
         <p14:creationId xmlns:p14="http://schemas.microsoft.com/office/powerpoint/2010/main" val="2976040102"/>
-      </p:ext>
-    </p:extLst>
-  </p:cSld>
-  <p:clrMapOvr>
-    <a:masterClrMapping/>
-  </p:clrMapOvr>
-</p:sld>
-</file>
-
-<file path=ppt/slides/slide8.xml><?xml version="1.0" encoding="utf-8"?>
-<p:sld xmlns:a="http://schemas.openxmlformats.org/drawingml/2006/main" xmlns:r="http://schemas.openxmlformats.org/officeDocument/2006/relationships" xmlns:p="http://schemas.openxmlformats.org/presentationml/2006/main">
-  <p:cSld>
-    <p:spTree>
-      <p:nvGrpSpPr>
-        <p:cNvPr id="1" name=""/>
-        <p:cNvGrpSpPr/>
-        <p:nvPr/>
-      </p:nvGrpSpPr>
-      <p:grpSpPr>
-        <a:xfrm>
-          <a:off x="0" y="0"/>
-          <a:ext cx="0" cy="0"/>
-          <a:chOff x="0" y="0"/>
-          <a:chExt cx="0" cy="0"/>
-        </a:xfrm>
-      </p:grpSpPr>
-      <p:graphicFrame>
-        <p:nvGraphicFramePr>
-          <p:cNvPr id="2" name="Table 1"/>
-          <p:cNvGraphicFramePr>
-            <a:graphicFrameLocks noGrp="1"/>
-          </p:cNvGraphicFramePr>
-          <p:nvPr>
-            <p:extLst>
-              <p:ext uri="{D42A27DB-BD31-4B8C-83A1-F6EECF244321}">
-                <p14:modId xmlns:p14="http://schemas.microsoft.com/office/powerpoint/2010/main" val="1279215876"/>
-              </p:ext>
-            </p:extLst>
-          </p:nvPr>
-        </p:nvGraphicFramePr>
-        <p:xfrm>
-          <a:off x="2" y="2362200"/>
-          <a:ext cx="9143996" cy="1773555"/>
-        </p:xfrm>
-        <a:graphic>
-          <a:graphicData uri="http://schemas.openxmlformats.org/drawingml/2006/table">
-            <a:tbl>
-              <a:tblPr/>
-              <a:tblGrid>
-                <a:gridCol w="533398"/>
-                <a:gridCol w="753070"/>
-                <a:gridCol w="1304330"/>
-                <a:gridCol w="1143000"/>
-                <a:gridCol w="1066800"/>
-                <a:gridCol w="975886"/>
-                <a:gridCol w="1122504"/>
-                <a:gridCol w="1122504"/>
-                <a:gridCol w="1122504"/>
-              </a:tblGrid>
-              <a:tr h="190500">
-                <a:tc gridSpan="2">
-                  <a:txBody>
-                    <a:bodyPr/>
-                    <a:lstStyle/>
-                    <a:p>
-                      <a:pPr algn="ctr" fontAlgn="b"/>
-                      <a:r>
-                        <a:rPr lang="en-US" sz="1600" b="1" i="0" u="none" strike="noStrike" dirty="0">
-                          <a:solidFill>
-                            <a:srgbClr val="000000"/>
-                          </a:solidFill>
-                          <a:effectLst/>
-                          <a:latin typeface="Calibri"/>
-                        </a:rPr>
-                        <a:t> </a:t>
-                      </a:r>
-                    </a:p>
-                  </a:txBody>
-                  <a:tcPr marL="9525" marR="9525" marT="9525" marB="0" anchor="b">
-                    <a:lnL w="6350" cap="flat" cmpd="sng" algn="ctr">
-                      <a:solidFill>
-                        <a:srgbClr val="000000"/>
-                      </a:solidFill>
-                      <a:prstDash val="solid"/>
-                      <a:round/>
-                      <a:headEnd type="none" w="med" len="med"/>
-                      <a:tailEnd type="none" w="med" len="med"/>
-                    </a:lnL>
-                    <a:lnR w="6350" cap="flat" cmpd="sng" algn="ctr">
-                      <a:solidFill>
-                        <a:srgbClr val="000000"/>
-                      </a:solidFill>
-                      <a:prstDash val="solid"/>
-                      <a:round/>
-                      <a:headEnd type="none" w="med" len="med"/>
-                      <a:tailEnd type="none" w="med" len="med"/>
-                    </a:lnR>
-                    <a:lnT w="6350" cap="flat" cmpd="sng" algn="ctr">
-                      <a:solidFill>
-                        <a:srgbClr val="000000"/>
-                      </a:solidFill>
-                      <a:prstDash val="solid"/>
-                      <a:round/>
-                      <a:headEnd type="none" w="med" len="med"/>
-                      <a:tailEnd type="none" w="med" len="med"/>
-                    </a:lnT>
-                    <a:lnB w="6350" cap="flat" cmpd="sng" algn="ctr">
-                      <a:solidFill>
-                        <a:srgbClr val="000000"/>
-                      </a:solidFill>
-                      <a:prstDash val="solid"/>
-                      <a:round/>
-                      <a:headEnd type="none" w="med" len="med"/>
-                      <a:tailEnd type="none" w="med" len="med"/>
-                    </a:lnB>
-                    <a:solidFill>
-                      <a:srgbClr val="F2F2F2"/>
-                    </a:solidFill>
-                  </a:tcPr>
-                </a:tc>
-                <a:tc hMerge="1">
-                  <a:txBody>
-                    <a:bodyPr/>
-                    <a:lstStyle/>
-                    <a:p>
-                      <a:endParaRPr lang="en-US"/>
-                    </a:p>
-                  </a:txBody>
-                  <a:tcPr/>
-                </a:tc>
-                <a:tc gridSpan="7">
-                  <a:txBody>
-                    <a:bodyPr/>
-                    <a:lstStyle/>
-                    <a:p>
-                      <a:pPr algn="ctr" fontAlgn="b"/>
-                      <a:r>
-                        <a:rPr lang="en-US" sz="1600" b="1" i="0" u="none" strike="noStrike" dirty="0">
-                          <a:solidFill>
-                            <a:srgbClr val="000000"/>
-                          </a:solidFill>
-                          <a:effectLst/>
-                          <a:latin typeface="Calibri"/>
-                        </a:rPr>
-                        <a:t>Max Sample Rate (Hz) for FFT+IFFT with 50% Overlap  (Bigger is Better)</a:t>
-                      </a:r>
-                    </a:p>
-                  </a:txBody>
-                  <a:tcPr marL="9525" marR="9525" marT="9525" marB="0" anchor="b">
-                    <a:lnL w="6350" cap="flat" cmpd="sng" algn="ctr">
-                      <a:solidFill>
-                        <a:srgbClr val="000000"/>
-                      </a:solidFill>
-                      <a:prstDash val="solid"/>
-                      <a:round/>
-                      <a:headEnd type="none" w="med" len="med"/>
-                      <a:tailEnd type="none" w="med" len="med"/>
-                    </a:lnL>
-                    <a:lnR w="6350" cap="flat" cmpd="sng" algn="ctr">
-                      <a:solidFill>
-                        <a:srgbClr val="000000"/>
-                      </a:solidFill>
-                      <a:prstDash val="solid"/>
-                      <a:round/>
-                      <a:headEnd type="none" w="med" len="med"/>
-                      <a:tailEnd type="none" w="med" len="med"/>
-                    </a:lnR>
-                    <a:lnT w="6350" cap="flat" cmpd="sng" algn="ctr">
-                      <a:solidFill>
-                        <a:srgbClr val="000000"/>
-                      </a:solidFill>
-                      <a:prstDash val="solid"/>
-                      <a:round/>
-                      <a:headEnd type="none" w="med" len="med"/>
-                      <a:tailEnd type="none" w="med" len="med"/>
-                    </a:lnT>
-                    <a:lnB w="6350" cap="flat" cmpd="sng" algn="ctr">
-                      <a:solidFill>
-                        <a:srgbClr val="000000"/>
-                      </a:solidFill>
-                      <a:prstDash val="solid"/>
-                      <a:round/>
-                      <a:headEnd type="none" w="med" len="med"/>
-                      <a:tailEnd type="none" w="med" len="med"/>
-                    </a:lnB>
-                    <a:solidFill>
-                      <a:srgbClr val="F2F2F2"/>
-                    </a:solidFill>
-                  </a:tcPr>
-                </a:tc>
-                <a:tc hMerge="1">
-                  <a:txBody>
-                    <a:bodyPr/>
-                    <a:lstStyle/>
-                    <a:p>
-                      <a:endParaRPr lang="en-US"/>
-                    </a:p>
-                  </a:txBody>
-                  <a:tcPr/>
-                </a:tc>
-                <a:tc hMerge="1">
-                  <a:txBody>
-                    <a:bodyPr/>
-                    <a:lstStyle/>
-                    <a:p>
-                      <a:endParaRPr lang="en-US"/>
-                    </a:p>
-                  </a:txBody>
-                  <a:tcPr/>
-                </a:tc>
-                <a:tc hMerge="1">
-                  <a:txBody>
-                    <a:bodyPr/>
-                    <a:lstStyle/>
-                    <a:p>
-                      <a:endParaRPr lang="en-US"/>
-                    </a:p>
-                  </a:txBody>
-                  <a:tcPr/>
-                </a:tc>
-                <a:tc hMerge="1">
-                  <a:txBody>
-                    <a:bodyPr/>
-                    <a:lstStyle/>
-                    <a:p>
-                      <a:endParaRPr lang="en-US"/>
-                    </a:p>
-                  </a:txBody>
-                  <a:tcPr/>
-                </a:tc>
-                <a:tc hMerge="1">
-                  <a:txBody>
-                    <a:bodyPr/>
-                    <a:lstStyle/>
-                    <a:p>
-                      <a:endParaRPr lang="en-US"/>
-                    </a:p>
-                  </a:txBody>
-                  <a:tcPr/>
-                </a:tc>
-                <a:tc hMerge="1">
-                  <a:txBody>
-                    <a:bodyPr/>
-                    <a:lstStyle/>
-                    <a:p>
-                      <a:endParaRPr lang="en-US"/>
-                    </a:p>
-                  </a:txBody>
-                  <a:tcPr/>
-                </a:tc>
-              </a:tr>
-              <a:tr h="190500">
-                <a:tc gridSpan="2">
-                  <a:txBody>
-                    <a:bodyPr/>
-                    <a:lstStyle/>
-                    <a:p>
-                      <a:pPr algn="ctr" fontAlgn="b"/>
-                      <a:r>
-                        <a:rPr lang="en-US" sz="1600" b="1" i="0" u="none" strike="noStrike">
-                          <a:solidFill>
-                            <a:srgbClr val="000000"/>
-                          </a:solidFill>
-                          <a:effectLst/>
-                          <a:latin typeface="Calibri"/>
-                        </a:rPr>
-                        <a:t>Inputs</a:t>
-                      </a:r>
-                    </a:p>
-                  </a:txBody>
-                  <a:tcPr marL="9525" marR="9525" marT="9525" marB="0" anchor="b">
-                    <a:lnL w="6350" cap="flat" cmpd="sng" algn="ctr">
-                      <a:solidFill>
-                        <a:srgbClr val="000000"/>
-                      </a:solidFill>
-                      <a:prstDash val="solid"/>
-                      <a:round/>
-                      <a:headEnd type="none" w="med" len="med"/>
-                      <a:tailEnd type="none" w="med" len="med"/>
-                    </a:lnL>
-                    <a:lnR w="6350" cap="flat" cmpd="sng" algn="ctr">
-                      <a:solidFill>
-                        <a:srgbClr val="000000"/>
-                      </a:solidFill>
-                      <a:prstDash val="solid"/>
-                      <a:round/>
-                      <a:headEnd type="none" w="med" len="med"/>
-                      <a:tailEnd type="none" w="med" len="med"/>
-                    </a:lnR>
-                    <a:lnT w="6350" cap="flat" cmpd="sng" algn="ctr">
-                      <a:solidFill>
-                        <a:srgbClr val="000000"/>
-                      </a:solidFill>
-                      <a:prstDash val="solid"/>
-                      <a:round/>
-                      <a:headEnd type="none" w="med" len="med"/>
-                      <a:tailEnd type="none" w="med" len="med"/>
-                    </a:lnT>
-                    <a:lnB w="6350" cap="flat" cmpd="sng" algn="ctr">
-                      <a:solidFill>
-                        <a:srgbClr val="000000"/>
-                      </a:solidFill>
-                      <a:prstDash val="solid"/>
-                      <a:round/>
-                      <a:headEnd type="none" w="med" len="med"/>
-                      <a:tailEnd type="none" w="med" len="med"/>
-                    </a:lnB>
-                    <a:solidFill>
-                      <a:srgbClr val="FFFFFF"/>
-                    </a:solidFill>
-                  </a:tcPr>
-                </a:tc>
-                <a:tc hMerge="1">
-                  <a:txBody>
-                    <a:bodyPr/>
-                    <a:lstStyle/>
-                    <a:p>
-                      <a:endParaRPr lang="en-US"/>
-                    </a:p>
-                  </a:txBody>
-                  <a:tcPr/>
-                </a:tc>
-                <a:tc gridSpan="5">
-                  <a:txBody>
-                    <a:bodyPr/>
-                    <a:lstStyle/>
-                    <a:p>
-                      <a:pPr algn="ctr" fontAlgn="b"/>
-                      <a:r>
-                        <a:rPr lang="en-US" sz="1600" b="1" i="0" u="none" strike="noStrike">
-                          <a:solidFill>
-                            <a:srgbClr val="000000"/>
-                          </a:solidFill>
-                          <a:effectLst/>
-                          <a:latin typeface="Calibri"/>
-                        </a:rPr>
-                        <a:t>Generic C</a:t>
-                      </a:r>
-                    </a:p>
-                  </a:txBody>
-                  <a:tcPr marL="9525" marR="9525" marT="9525" marB="0" anchor="b">
-                    <a:lnL w="6350" cap="flat" cmpd="sng" algn="ctr">
-                      <a:solidFill>
-                        <a:srgbClr val="000000"/>
-                      </a:solidFill>
-                      <a:prstDash val="solid"/>
-                      <a:round/>
-                      <a:headEnd type="none" w="med" len="med"/>
-                      <a:tailEnd type="none" w="med" len="med"/>
-                    </a:lnL>
-                    <a:lnR w="6350" cap="flat" cmpd="sng" algn="ctr">
-                      <a:solidFill>
-                        <a:srgbClr val="000000"/>
-                      </a:solidFill>
-                      <a:prstDash val="solid"/>
-                      <a:round/>
-                      <a:headEnd type="none" w="med" len="med"/>
-                      <a:tailEnd type="none" w="med" len="med"/>
-                    </a:lnR>
-                    <a:lnT w="6350" cap="flat" cmpd="sng" algn="ctr">
-                      <a:solidFill>
-                        <a:srgbClr val="000000"/>
-                      </a:solidFill>
-                      <a:prstDash val="solid"/>
-                      <a:round/>
-                      <a:headEnd type="none" w="med" len="med"/>
-                      <a:tailEnd type="none" w="med" len="med"/>
-                    </a:lnT>
-                    <a:lnB w="6350" cap="flat" cmpd="sng" algn="ctr">
-                      <a:solidFill>
-                        <a:srgbClr val="000000"/>
-                      </a:solidFill>
-                      <a:prstDash val="solid"/>
-                      <a:round/>
-                      <a:headEnd type="none" w="med" len="med"/>
-                      <a:tailEnd type="none" w="med" len="med"/>
-                    </a:lnB>
-                    <a:solidFill>
-                      <a:srgbClr val="FDE9D9"/>
-                    </a:solidFill>
-                  </a:tcPr>
-                </a:tc>
-                <a:tc hMerge="1">
-                  <a:txBody>
-                    <a:bodyPr/>
-                    <a:lstStyle/>
-                    <a:p>
-                      <a:endParaRPr lang="en-US"/>
-                    </a:p>
-                  </a:txBody>
-                  <a:tcPr/>
-                </a:tc>
-                <a:tc hMerge="1">
-                  <a:txBody>
-                    <a:bodyPr/>
-                    <a:lstStyle/>
-                    <a:p>
-                      <a:endParaRPr lang="en-US"/>
-                    </a:p>
-                  </a:txBody>
-                  <a:tcPr/>
-                </a:tc>
-                <a:tc hMerge="1">
-                  <a:txBody>
-                    <a:bodyPr/>
-                    <a:lstStyle/>
-                    <a:p>
-                      <a:endParaRPr lang="en-US"/>
-                    </a:p>
-                  </a:txBody>
-                  <a:tcPr/>
-                </a:tc>
-                <a:tc hMerge="1">
-                  <a:txBody>
-                    <a:bodyPr/>
-                    <a:lstStyle/>
-                    <a:p>
-                      <a:endParaRPr lang="en-US"/>
-                    </a:p>
-                  </a:txBody>
-                  <a:tcPr/>
-                </a:tc>
-                <a:tc gridSpan="2">
-                  <a:txBody>
-                    <a:bodyPr/>
-                    <a:lstStyle/>
-                    <a:p>
-                      <a:pPr algn="ctr" fontAlgn="b"/>
-                      <a:r>
-                        <a:rPr lang="en-US" sz="1600" b="1" i="0" u="none" strike="noStrike">
-                          <a:solidFill>
-                            <a:srgbClr val="000000"/>
-                          </a:solidFill>
-                          <a:effectLst/>
-                          <a:latin typeface="Calibri"/>
-                        </a:rPr>
-                        <a:t>CMSIS</a:t>
-                      </a:r>
-                    </a:p>
-                  </a:txBody>
-                  <a:tcPr marL="9525" marR="9525" marT="9525" marB="0" anchor="b">
-                    <a:lnL w="6350" cap="flat" cmpd="sng" algn="ctr">
-                      <a:solidFill>
-                        <a:srgbClr val="000000"/>
-                      </a:solidFill>
-                      <a:prstDash val="solid"/>
-                      <a:round/>
-                      <a:headEnd type="none" w="med" len="med"/>
-                      <a:tailEnd type="none" w="med" len="med"/>
-                    </a:lnL>
-                    <a:lnR w="6350" cap="flat" cmpd="sng" algn="ctr">
-                      <a:solidFill>
-                        <a:srgbClr val="000000"/>
-                      </a:solidFill>
-                      <a:prstDash val="solid"/>
-                      <a:round/>
-                      <a:headEnd type="none" w="med" len="med"/>
-                      <a:tailEnd type="none" w="med" len="med"/>
-                    </a:lnR>
-                    <a:lnT w="6350" cap="flat" cmpd="sng" algn="ctr">
-                      <a:solidFill>
-                        <a:srgbClr val="000000"/>
-                      </a:solidFill>
-                      <a:prstDash val="solid"/>
-                      <a:round/>
-                      <a:headEnd type="none" w="med" len="med"/>
-                      <a:tailEnd type="none" w="med" len="med"/>
-                    </a:lnT>
-                    <a:lnB w="6350" cap="flat" cmpd="sng" algn="ctr">
-                      <a:solidFill>
-                        <a:srgbClr val="000000"/>
-                      </a:solidFill>
-                      <a:prstDash val="solid"/>
-                      <a:round/>
-                      <a:headEnd type="none" w="med" len="med"/>
-                      <a:tailEnd type="none" w="med" len="med"/>
-                    </a:lnB>
-                    <a:solidFill>
-                      <a:srgbClr val="DCE6F1"/>
-                    </a:solidFill>
-                  </a:tcPr>
-                </a:tc>
-                <a:tc hMerge="1">
-                  <a:txBody>
-                    <a:bodyPr/>
-                    <a:lstStyle/>
-                    <a:p>
-                      <a:endParaRPr lang="en-US"/>
-                    </a:p>
-                  </a:txBody>
-                  <a:tcPr/>
-                </a:tc>
-              </a:tr>
-              <a:tr h="190500">
-                <a:tc>
-                  <a:txBody>
-                    <a:bodyPr/>
-                    <a:lstStyle/>
-                    <a:p>
-                      <a:pPr algn="ctr" fontAlgn="b"/>
-                      <a:r>
-                        <a:rPr lang="en-US" sz="1600" b="1" i="0" u="none" strike="noStrike">
-                          <a:solidFill>
-                            <a:srgbClr val="000000"/>
-                          </a:solidFill>
-                          <a:effectLst/>
-                          <a:latin typeface="Calibri"/>
-                        </a:rPr>
-                        <a:t>N</a:t>
-                      </a:r>
-                    </a:p>
-                  </a:txBody>
-                  <a:tcPr marL="9525" marR="9525" marT="9525" marB="0" anchor="b">
-                    <a:lnL w="6350" cap="flat" cmpd="sng" algn="ctr">
-                      <a:solidFill>
-                        <a:srgbClr val="000000"/>
-                      </a:solidFill>
-                      <a:prstDash val="solid"/>
-                      <a:round/>
-                      <a:headEnd type="none" w="med" len="med"/>
-                      <a:tailEnd type="none" w="med" len="med"/>
-                    </a:lnL>
-                    <a:lnR w="6350" cap="flat" cmpd="sng" algn="ctr">
-                      <a:solidFill>
-                        <a:srgbClr val="000000"/>
-                      </a:solidFill>
-                      <a:prstDash val="solid"/>
-                      <a:round/>
-                      <a:headEnd type="none" w="med" len="med"/>
-                      <a:tailEnd type="none" w="med" len="med"/>
-                    </a:lnR>
-                    <a:lnT w="6350" cap="flat" cmpd="sng" algn="ctr">
-                      <a:solidFill>
-                        <a:srgbClr val="000000"/>
-                      </a:solidFill>
-                      <a:prstDash val="solid"/>
-                      <a:round/>
-                      <a:headEnd type="none" w="med" len="med"/>
-                      <a:tailEnd type="none" w="med" len="med"/>
-                    </a:lnT>
-                    <a:lnB w="6350" cap="flat" cmpd="sng" algn="ctr">
-                      <a:solidFill>
-                        <a:srgbClr val="000000"/>
-                      </a:solidFill>
-                      <a:prstDash val="solid"/>
-                      <a:round/>
-                      <a:headEnd type="none" w="med" len="med"/>
-                      <a:tailEnd type="none" w="med" len="med"/>
-                    </a:lnB>
-                    <a:solidFill>
-                      <a:srgbClr val="FFFFFF"/>
-                    </a:solidFill>
-                  </a:tcPr>
-                </a:tc>
-                <a:tc>
-                  <a:txBody>
-                    <a:bodyPr/>
-                    <a:lstStyle/>
-                    <a:p>
-                      <a:pPr algn="ctr" fontAlgn="b"/>
-                      <a:r>
-                        <a:rPr lang="en-US" sz="1600" b="1" i="0" u="none" strike="noStrike">
-                          <a:solidFill>
-                            <a:srgbClr val="000000"/>
-                          </a:solidFill>
-                          <a:effectLst/>
-                          <a:latin typeface="Calibri"/>
-                        </a:rPr>
-                        <a:t>Data</a:t>
-                      </a:r>
-                    </a:p>
-                  </a:txBody>
-                  <a:tcPr marL="9525" marR="9525" marT="9525" marB="0" anchor="b">
-                    <a:lnL w="6350" cap="flat" cmpd="sng" algn="ctr">
-                      <a:solidFill>
-                        <a:srgbClr val="000000"/>
-                      </a:solidFill>
-                      <a:prstDash val="solid"/>
-                      <a:round/>
-                      <a:headEnd type="none" w="med" len="med"/>
-                      <a:tailEnd type="none" w="med" len="med"/>
-                    </a:lnL>
-                    <a:lnR w="6350" cap="flat" cmpd="sng" algn="ctr">
-                      <a:solidFill>
-                        <a:srgbClr val="000000"/>
-                      </a:solidFill>
-                      <a:prstDash val="solid"/>
-                      <a:round/>
-                      <a:headEnd type="none" w="med" len="med"/>
-                      <a:tailEnd type="none" w="med" len="med"/>
-                    </a:lnR>
-                    <a:lnT w="6350" cap="flat" cmpd="sng" algn="ctr">
-                      <a:solidFill>
-                        <a:srgbClr val="000000"/>
-                      </a:solidFill>
-                      <a:prstDash val="solid"/>
-                      <a:round/>
-                      <a:headEnd type="none" w="med" len="med"/>
-                      <a:tailEnd type="none" w="med" len="med"/>
-                    </a:lnT>
-                    <a:lnB w="6350" cap="flat" cmpd="sng" algn="ctr">
-                      <a:solidFill>
-                        <a:srgbClr val="000000"/>
-                      </a:solidFill>
-                      <a:prstDash val="solid"/>
-                      <a:round/>
-                      <a:headEnd type="none" w="med" len="med"/>
-                      <a:tailEnd type="none" w="med" len="med"/>
-                    </a:lnB>
-                    <a:solidFill>
-                      <a:srgbClr val="FFFFFF"/>
-                    </a:solidFill>
-                  </a:tcPr>
-                </a:tc>
-                <a:tc>
-                  <a:txBody>
-                    <a:bodyPr/>
-                    <a:lstStyle/>
-                    <a:p>
-                      <a:pPr algn="ctr" fontAlgn="b"/>
-                      <a:r>
-                        <a:rPr lang="en-US" sz="1600" b="1" i="0" u="none" strike="noStrike">
-                          <a:solidFill>
-                            <a:srgbClr val="000000"/>
-                          </a:solidFill>
-                          <a:effectLst/>
-                          <a:latin typeface="Calibri"/>
-                        </a:rPr>
-                        <a:t>Arduino Uno</a:t>
-                      </a:r>
-                    </a:p>
-                  </a:txBody>
-                  <a:tcPr marL="9525" marR="9525" marT="9525" marB="0" anchor="b">
-                    <a:lnL w="6350" cap="flat" cmpd="sng" algn="ctr">
-                      <a:solidFill>
-                        <a:srgbClr val="000000"/>
-                      </a:solidFill>
-                      <a:prstDash val="solid"/>
-                      <a:round/>
-                      <a:headEnd type="none" w="med" len="med"/>
-                      <a:tailEnd type="none" w="med" len="med"/>
-                    </a:lnL>
-                    <a:lnR w="6350" cap="flat" cmpd="sng" algn="ctr">
-                      <a:solidFill>
-                        <a:srgbClr val="000000"/>
-                      </a:solidFill>
-                      <a:prstDash val="solid"/>
-                      <a:round/>
-                      <a:headEnd type="none" w="med" len="med"/>
-                      <a:tailEnd type="none" w="med" len="med"/>
-                    </a:lnR>
-                    <a:lnT w="6350" cap="flat" cmpd="sng" algn="ctr">
-                      <a:solidFill>
-                        <a:srgbClr val="000000"/>
-                      </a:solidFill>
-                      <a:prstDash val="solid"/>
-                      <a:round/>
-                      <a:headEnd type="none" w="med" len="med"/>
-                      <a:tailEnd type="none" w="med" len="med"/>
-                    </a:lnT>
-                    <a:lnB w="6350" cap="flat" cmpd="sng" algn="ctr">
-                      <a:solidFill>
-                        <a:srgbClr val="000000"/>
-                      </a:solidFill>
-                      <a:prstDash val="solid"/>
-                      <a:round/>
-                      <a:headEnd type="none" w="med" len="med"/>
-                      <a:tailEnd type="none" w="med" len="med"/>
-                    </a:lnB>
-                    <a:solidFill>
-                      <a:srgbClr val="FFFFFF"/>
-                    </a:solidFill>
-                  </a:tcPr>
-                </a:tc>
-                <a:tc>
-                  <a:txBody>
-                    <a:bodyPr/>
-                    <a:lstStyle/>
-                    <a:p>
-                      <a:pPr algn="ctr" fontAlgn="b"/>
-                      <a:r>
-                        <a:rPr lang="en-US" sz="1600" b="1" i="0" u="none" strike="noStrike">
-                          <a:solidFill>
-                            <a:srgbClr val="000000"/>
-                          </a:solidFill>
-                          <a:effectLst/>
-                          <a:latin typeface="Calibri"/>
-                        </a:rPr>
-                        <a:t>Arduino M0</a:t>
-                      </a:r>
-                    </a:p>
-                  </a:txBody>
-                  <a:tcPr marL="9525" marR="9525" marT="9525" marB="0" anchor="b">
-                    <a:lnL w="6350" cap="flat" cmpd="sng" algn="ctr">
-                      <a:solidFill>
-                        <a:srgbClr val="000000"/>
-                      </a:solidFill>
-                      <a:prstDash val="solid"/>
-                      <a:round/>
-                      <a:headEnd type="none" w="med" len="med"/>
-                      <a:tailEnd type="none" w="med" len="med"/>
-                    </a:lnL>
-                    <a:lnR w="6350" cap="flat" cmpd="sng" algn="ctr">
-                      <a:solidFill>
-                        <a:srgbClr val="000000"/>
-                      </a:solidFill>
-                      <a:prstDash val="solid"/>
-                      <a:round/>
-                      <a:headEnd type="none" w="med" len="med"/>
-                      <a:tailEnd type="none" w="med" len="med"/>
-                    </a:lnR>
-                    <a:lnT w="6350" cap="flat" cmpd="sng" algn="ctr">
-                      <a:solidFill>
-                        <a:srgbClr val="000000"/>
-                      </a:solidFill>
-                      <a:prstDash val="solid"/>
-                      <a:round/>
-                      <a:headEnd type="none" w="med" len="med"/>
-                      <a:tailEnd type="none" w="med" len="med"/>
-                    </a:lnT>
-                    <a:lnB w="6350" cap="flat" cmpd="sng" algn="ctr">
-                      <a:solidFill>
-                        <a:srgbClr val="000000"/>
-                      </a:solidFill>
-                      <a:prstDash val="solid"/>
-                      <a:round/>
-                      <a:headEnd type="none" w="med" len="med"/>
-                      <a:tailEnd type="none" w="med" len="med"/>
-                    </a:lnB>
-                    <a:solidFill>
-                      <a:srgbClr val="FFFFFF"/>
-                    </a:solidFill>
-                  </a:tcPr>
-                </a:tc>
-                <a:tc>
-                  <a:txBody>
-                    <a:bodyPr/>
-                    <a:lstStyle/>
-                    <a:p>
-                      <a:pPr algn="ctr" fontAlgn="b"/>
-                      <a:r>
-                        <a:rPr lang="en-US" sz="1600" b="1" i="0" u="none" strike="noStrike">
-                          <a:solidFill>
-                            <a:srgbClr val="000000"/>
-                          </a:solidFill>
-                          <a:effectLst/>
-                          <a:latin typeface="Calibri"/>
-                        </a:rPr>
-                        <a:t>Maple</a:t>
-                      </a:r>
-                    </a:p>
-                  </a:txBody>
-                  <a:tcPr marL="9525" marR="9525" marT="9525" marB="0" anchor="b">
-                    <a:lnL w="6350" cap="flat" cmpd="sng" algn="ctr">
-                      <a:solidFill>
-                        <a:srgbClr val="000000"/>
-                      </a:solidFill>
-                      <a:prstDash val="solid"/>
-                      <a:round/>
-                      <a:headEnd type="none" w="med" len="med"/>
-                      <a:tailEnd type="none" w="med" len="med"/>
-                    </a:lnL>
-                    <a:lnR w="6350" cap="flat" cmpd="sng" algn="ctr">
-                      <a:solidFill>
-                        <a:srgbClr val="000000"/>
-                      </a:solidFill>
-                      <a:prstDash val="solid"/>
-                      <a:round/>
-                      <a:headEnd type="none" w="med" len="med"/>
-                      <a:tailEnd type="none" w="med" len="med"/>
-                    </a:lnR>
-                    <a:lnT w="6350" cap="flat" cmpd="sng" algn="ctr">
-                      <a:solidFill>
-                        <a:srgbClr val="000000"/>
-                      </a:solidFill>
-                      <a:prstDash val="solid"/>
-                      <a:round/>
-                      <a:headEnd type="none" w="med" len="med"/>
-                      <a:tailEnd type="none" w="med" len="med"/>
-                    </a:lnT>
-                    <a:lnB w="6350" cap="flat" cmpd="sng" algn="ctr">
-                      <a:solidFill>
-                        <a:srgbClr val="000000"/>
-                      </a:solidFill>
-                      <a:prstDash val="solid"/>
-                      <a:round/>
-                      <a:headEnd type="none" w="med" len="med"/>
-                      <a:tailEnd type="none" w="med" len="med"/>
-                    </a:lnB>
-                    <a:solidFill>
-                      <a:srgbClr val="FFFFFF"/>
-                    </a:solidFill>
-                  </a:tcPr>
-                </a:tc>
-                <a:tc>
-                  <a:txBody>
-                    <a:bodyPr/>
-                    <a:lstStyle/>
-                    <a:p>
-                      <a:pPr algn="ctr" fontAlgn="b"/>
-                      <a:r>
-                        <a:rPr lang="en-US" sz="1600" b="1" i="0" u="none" strike="noStrike">
-                          <a:solidFill>
-                            <a:srgbClr val="000000"/>
-                          </a:solidFill>
-                          <a:effectLst/>
-                          <a:latin typeface="Calibri"/>
-                        </a:rPr>
-                        <a:t>Teensy 3.2</a:t>
-                      </a:r>
-                    </a:p>
-                  </a:txBody>
-                  <a:tcPr marL="9525" marR="9525" marT="9525" marB="0" anchor="b">
-                    <a:lnL w="6350" cap="flat" cmpd="sng" algn="ctr">
-                      <a:solidFill>
-                        <a:srgbClr val="000000"/>
-                      </a:solidFill>
-                      <a:prstDash val="solid"/>
-                      <a:round/>
-                      <a:headEnd type="none" w="med" len="med"/>
-                      <a:tailEnd type="none" w="med" len="med"/>
-                    </a:lnL>
-                    <a:lnR w="6350" cap="flat" cmpd="sng" algn="ctr">
-                      <a:solidFill>
-                        <a:srgbClr val="000000"/>
-                      </a:solidFill>
-                      <a:prstDash val="solid"/>
-                      <a:round/>
-                      <a:headEnd type="none" w="med" len="med"/>
-                      <a:tailEnd type="none" w="med" len="med"/>
-                    </a:lnR>
-                    <a:lnT w="6350" cap="flat" cmpd="sng" algn="ctr">
-                      <a:solidFill>
-                        <a:srgbClr val="000000"/>
-                      </a:solidFill>
-                      <a:prstDash val="solid"/>
-                      <a:round/>
-                      <a:headEnd type="none" w="med" len="med"/>
-                      <a:tailEnd type="none" w="med" len="med"/>
-                    </a:lnT>
-                    <a:lnB w="6350" cap="flat" cmpd="sng" algn="ctr">
-                      <a:solidFill>
-                        <a:srgbClr val="000000"/>
-                      </a:solidFill>
-                      <a:prstDash val="solid"/>
-                      <a:round/>
-                      <a:headEnd type="none" w="med" len="med"/>
-                      <a:tailEnd type="none" w="med" len="med"/>
-                    </a:lnB>
-                    <a:solidFill>
-                      <a:srgbClr val="FFFFFF"/>
-                    </a:solidFill>
-                  </a:tcPr>
-                </a:tc>
-                <a:tc>
-                  <a:txBody>
-                    <a:bodyPr/>
-                    <a:lstStyle/>
-                    <a:p>
-                      <a:pPr algn="ctr" fontAlgn="b"/>
-                      <a:r>
-                        <a:rPr lang="en-US" sz="1600" b="1" i="0" u="none" strike="noStrike">
-                          <a:solidFill>
-                            <a:srgbClr val="000000"/>
-                          </a:solidFill>
-                          <a:effectLst/>
-                          <a:latin typeface="Calibri"/>
-                        </a:rPr>
-                        <a:t>FRDM-K66F</a:t>
-                      </a:r>
-                    </a:p>
-                  </a:txBody>
-                  <a:tcPr marL="9525" marR="9525" marT="9525" marB="0" anchor="b">
-                    <a:lnL w="6350" cap="flat" cmpd="sng" algn="ctr">
-                      <a:solidFill>
-                        <a:srgbClr val="000000"/>
-                      </a:solidFill>
-                      <a:prstDash val="solid"/>
-                      <a:round/>
-                      <a:headEnd type="none" w="med" len="med"/>
-                      <a:tailEnd type="none" w="med" len="med"/>
-                    </a:lnL>
-                    <a:lnR w="6350" cap="flat" cmpd="sng" algn="ctr">
-                      <a:solidFill>
-                        <a:srgbClr val="000000"/>
-                      </a:solidFill>
-                      <a:prstDash val="solid"/>
-                      <a:round/>
-                      <a:headEnd type="none" w="med" len="med"/>
-                      <a:tailEnd type="none" w="med" len="med"/>
-                    </a:lnR>
-                    <a:lnT w="6350" cap="flat" cmpd="sng" algn="ctr">
-                      <a:solidFill>
-                        <a:srgbClr val="000000"/>
-                      </a:solidFill>
-                      <a:prstDash val="solid"/>
-                      <a:round/>
-                      <a:headEnd type="none" w="med" len="med"/>
-                      <a:tailEnd type="none" w="med" len="med"/>
-                    </a:lnT>
-                    <a:lnB w="6350" cap="flat" cmpd="sng" algn="ctr">
-                      <a:solidFill>
-                        <a:srgbClr val="000000"/>
-                      </a:solidFill>
-                      <a:prstDash val="solid"/>
-                      <a:round/>
-                      <a:headEnd type="none" w="med" len="med"/>
-                      <a:tailEnd type="none" w="med" len="med"/>
-                    </a:lnB>
-                    <a:solidFill>
-                      <a:srgbClr val="FFFFFF"/>
-                    </a:solidFill>
-                  </a:tcPr>
-                </a:tc>
-                <a:tc>
-                  <a:txBody>
-                    <a:bodyPr/>
-                    <a:lstStyle/>
-                    <a:p>
-                      <a:pPr algn="ctr" fontAlgn="b"/>
-                      <a:r>
-                        <a:rPr lang="en-US" sz="1600" b="1" i="0" u="none" strike="noStrike">
-                          <a:solidFill>
-                            <a:srgbClr val="000000"/>
-                          </a:solidFill>
-                          <a:effectLst/>
-                          <a:latin typeface="Calibri"/>
-                        </a:rPr>
-                        <a:t>Teensy 3.2</a:t>
-                      </a:r>
-                    </a:p>
-                  </a:txBody>
-                  <a:tcPr marL="9525" marR="9525" marT="9525" marB="0" anchor="b">
-                    <a:lnL w="6350" cap="flat" cmpd="sng" algn="ctr">
-                      <a:solidFill>
-                        <a:srgbClr val="000000"/>
-                      </a:solidFill>
-                      <a:prstDash val="solid"/>
-                      <a:round/>
-                      <a:headEnd type="none" w="med" len="med"/>
-                      <a:tailEnd type="none" w="med" len="med"/>
-                    </a:lnL>
-                    <a:lnR w="6350" cap="flat" cmpd="sng" algn="ctr">
-                      <a:solidFill>
-                        <a:srgbClr val="000000"/>
-                      </a:solidFill>
-                      <a:prstDash val="solid"/>
-                      <a:round/>
-                      <a:headEnd type="none" w="med" len="med"/>
-                      <a:tailEnd type="none" w="med" len="med"/>
-                    </a:lnR>
-                    <a:lnT w="6350" cap="flat" cmpd="sng" algn="ctr">
-                      <a:solidFill>
-                        <a:srgbClr val="000000"/>
-                      </a:solidFill>
-                      <a:prstDash val="solid"/>
-                      <a:round/>
-                      <a:headEnd type="none" w="med" len="med"/>
-                      <a:tailEnd type="none" w="med" len="med"/>
-                    </a:lnT>
-                    <a:lnB w="6350" cap="flat" cmpd="sng" algn="ctr">
-                      <a:solidFill>
-                        <a:srgbClr val="000000"/>
-                      </a:solidFill>
-                      <a:prstDash val="solid"/>
-                      <a:round/>
-                      <a:headEnd type="none" w="med" len="med"/>
-                      <a:tailEnd type="none" w="med" len="med"/>
-                    </a:lnB>
-                    <a:solidFill>
-                      <a:srgbClr val="FFFFFF"/>
-                    </a:solidFill>
-                  </a:tcPr>
-                </a:tc>
-                <a:tc>
-                  <a:txBody>
-                    <a:bodyPr/>
-                    <a:lstStyle/>
-                    <a:p>
-                      <a:pPr algn="ctr" fontAlgn="b"/>
-                      <a:r>
-                        <a:rPr lang="en-US" sz="1600" b="1" i="0" u="none" strike="noStrike">
-                          <a:solidFill>
-                            <a:srgbClr val="000000"/>
-                          </a:solidFill>
-                          <a:effectLst/>
-                          <a:latin typeface="Calibri"/>
-                        </a:rPr>
-                        <a:t>FRDM-K66F</a:t>
-                      </a:r>
-                    </a:p>
-                  </a:txBody>
-                  <a:tcPr marL="9525" marR="9525" marT="9525" marB="0" anchor="b">
-                    <a:lnL w="6350" cap="flat" cmpd="sng" algn="ctr">
-                      <a:solidFill>
-                        <a:srgbClr val="000000"/>
-                      </a:solidFill>
-                      <a:prstDash val="solid"/>
-                      <a:round/>
-                      <a:headEnd type="none" w="med" len="med"/>
-                      <a:tailEnd type="none" w="med" len="med"/>
-                    </a:lnL>
-                    <a:lnR w="6350" cap="flat" cmpd="sng" algn="ctr">
-                      <a:solidFill>
-                        <a:srgbClr val="000000"/>
-                      </a:solidFill>
-                      <a:prstDash val="solid"/>
-                      <a:round/>
-                      <a:headEnd type="none" w="med" len="med"/>
-                      <a:tailEnd type="none" w="med" len="med"/>
-                    </a:lnR>
-                    <a:lnT w="6350" cap="flat" cmpd="sng" algn="ctr">
-                      <a:solidFill>
-                        <a:srgbClr val="000000"/>
-                      </a:solidFill>
-                      <a:prstDash val="solid"/>
-                      <a:round/>
-                      <a:headEnd type="none" w="med" len="med"/>
-                      <a:tailEnd type="none" w="med" len="med"/>
-                    </a:lnT>
-                    <a:lnB w="6350" cap="flat" cmpd="sng" algn="ctr">
-                      <a:solidFill>
-                        <a:srgbClr val="000000"/>
-                      </a:solidFill>
-                      <a:prstDash val="solid"/>
-                      <a:round/>
-                      <a:headEnd type="none" w="med" len="med"/>
-                      <a:tailEnd type="none" w="med" len="med"/>
-                    </a:lnB>
-                    <a:solidFill>
-                      <a:srgbClr val="FFFFFF"/>
-                    </a:solidFill>
-                  </a:tcPr>
-                </a:tc>
-              </a:tr>
-              <a:tr h="190500">
-                <a:tc>
-                  <a:txBody>
-                    <a:bodyPr/>
-                    <a:lstStyle/>
-                    <a:p>
-                      <a:pPr algn="ctr" fontAlgn="b"/>
-                      <a:r>
-                        <a:rPr lang="en-US" sz="1600" b="0" i="0" u="none" strike="noStrike">
-                          <a:solidFill>
-                            <a:srgbClr val="000000"/>
-                          </a:solidFill>
-                          <a:effectLst/>
-                          <a:latin typeface="Calibri"/>
-                        </a:rPr>
-                        <a:t>128</a:t>
-                      </a:r>
-                    </a:p>
-                  </a:txBody>
-                  <a:tcPr marL="9525" marR="9525" marT="9525" marB="0" anchor="b">
-                    <a:lnL w="6350" cap="flat" cmpd="sng" algn="ctr">
-                      <a:solidFill>
-                        <a:srgbClr val="000000"/>
-                      </a:solidFill>
-                      <a:prstDash val="solid"/>
-                      <a:round/>
-                      <a:headEnd type="none" w="med" len="med"/>
-                      <a:tailEnd type="none" w="med" len="med"/>
-                    </a:lnL>
-                    <a:lnR w="6350" cap="flat" cmpd="sng" algn="ctr">
-                      <a:solidFill>
-                        <a:srgbClr val="000000"/>
-                      </a:solidFill>
-                      <a:prstDash val="solid"/>
-                      <a:round/>
-                      <a:headEnd type="none" w="med" len="med"/>
-                      <a:tailEnd type="none" w="med" len="med"/>
-                    </a:lnR>
-                    <a:lnT w="6350" cap="flat" cmpd="sng" algn="ctr">
-                      <a:solidFill>
-                        <a:srgbClr val="000000"/>
-                      </a:solidFill>
-                      <a:prstDash val="solid"/>
-                      <a:round/>
-                      <a:headEnd type="none" w="med" len="med"/>
-                      <a:tailEnd type="none" w="med" len="med"/>
-                    </a:lnT>
-                    <a:lnB w="6350" cap="flat" cmpd="sng" algn="ctr">
-                      <a:solidFill>
-                        <a:srgbClr val="000000"/>
-                      </a:solidFill>
-                      <a:prstDash val="solid"/>
-                      <a:round/>
-                      <a:headEnd type="none" w="med" len="med"/>
-                      <a:tailEnd type="none" w="med" len="med"/>
-                    </a:lnB>
-                    <a:solidFill>
-                      <a:srgbClr val="FFFFFF"/>
-                    </a:solidFill>
-                  </a:tcPr>
-                </a:tc>
-                <a:tc>
-                  <a:txBody>
-                    <a:bodyPr/>
-                    <a:lstStyle/>
-                    <a:p>
-                      <a:pPr algn="ctr" fontAlgn="b"/>
-                      <a:r>
-                        <a:rPr lang="en-US" sz="1600" b="0" i="0" u="none" strike="noStrike">
-                          <a:solidFill>
-                            <a:srgbClr val="000000"/>
-                          </a:solidFill>
-                          <a:effectLst/>
-                          <a:latin typeface="Calibri"/>
-                        </a:rPr>
-                        <a:t>Int16</a:t>
-                      </a:r>
-                    </a:p>
-                  </a:txBody>
-                  <a:tcPr marL="9525" marR="9525" marT="9525" marB="0" anchor="b">
-                    <a:lnL w="6350" cap="flat" cmpd="sng" algn="ctr">
-                      <a:solidFill>
-                        <a:srgbClr val="000000"/>
-                      </a:solidFill>
-                      <a:prstDash val="solid"/>
-                      <a:round/>
-                      <a:headEnd type="none" w="med" len="med"/>
-                      <a:tailEnd type="none" w="med" len="med"/>
-                    </a:lnL>
-                    <a:lnR w="6350" cap="flat" cmpd="sng" algn="ctr">
-                      <a:solidFill>
-                        <a:srgbClr val="000000"/>
-                      </a:solidFill>
-                      <a:prstDash val="solid"/>
-                      <a:round/>
-                      <a:headEnd type="none" w="med" len="med"/>
-                      <a:tailEnd type="none" w="med" len="med"/>
-                    </a:lnR>
-                    <a:lnT w="6350" cap="flat" cmpd="sng" algn="ctr">
-                      <a:solidFill>
-                        <a:srgbClr val="000000"/>
-                      </a:solidFill>
-                      <a:prstDash val="solid"/>
-                      <a:round/>
-                      <a:headEnd type="none" w="med" len="med"/>
-                      <a:tailEnd type="none" w="med" len="med"/>
-                    </a:lnT>
-                    <a:lnB w="6350" cap="flat" cmpd="sng" algn="ctr">
-                      <a:solidFill>
-                        <a:srgbClr val="000000"/>
-                      </a:solidFill>
-                      <a:prstDash val="solid"/>
-                      <a:round/>
-                      <a:headEnd type="none" w="med" len="med"/>
-                      <a:tailEnd type="none" w="med" len="med"/>
-                    </a:lnB>
-                    <a:solidFill>
-                      <a:srgbClr val="FFFFFF"/>
-                    </a:solidFill>
-                  </a:tcPr>
-                </a:tc>
-                <a:tc>
-                  <a:txBody>
-                    <a:bodyPr/>
-                    <a:lstStyle/>
-                    <a:p>
-                      <a:pPr algn="ctr" fontAlgn="b"/>
-                      <a:r>
-                        <a:rPr lang="en-US" sz="1600" b="0" i="0" u="none" strike="noStrike">
-                          <a:solidFill>
-                            <a:srgbClr val="000000"/>
-                          </a:solidFill>
-                          <a:effectLst/>
-                          <a:latin typeface="Calibri"/>
-                        </a:rPr>
-                        <a:t>*</a:t>
-                      </a:r>
-                    </a:p>
-                  </a:txBody>
-                  <a:tcPr marL="9525" marR="9525" marT="9525" marB="0" anchor="b">
-                    <a:lnL w="6350" cap="flat" cmpd="sng" algn="ctr">
-                      <a:solidFill>
-                        <a:srgbClr val="000000"/>
-                      </a:solidFill>
-                      <a:prstDash val="solid"/>
-                      <a:round/>
-                      <a:headEnd type="none" w="med" len="med"/>
-                      <a:tailEnd type="none" w="med" len="med"/>
-                    </a:lnL>
-                    <a:lnR w="6350" cap="flat" cmpd="sng" algn="ctr">
-                      <a:solidFill>
-                        <a:srgbClr val="000000"/>
-                      </a:solidFill>
-                      <a:prstDash val="solid"/>
-                      <a:round/>
-                      <a:headEnd type="none" w="med" len="med"/>
-                      <a:tailEnd type="none" w="med" len="med"/>
-                    </a:lnR>
-                    <a:lnT w="6350" cap="flat" cmpd="sng" algn="ctr">
-                      <a:solidFill>
-                        <a:srgbClr val="000000"/>
-                      </a:solidFill>
-                      <a:prstDash val="solid"/>
-                      <a:round/>
-                      <a:headEnd type="none" w="med" len="med"/>
-                      <a:tailEnd type="none" w="med" len="med"/>
-                    </a:lnT>
-                    <a:lnB w="6350" cap="flat" cmpd="sng" algn="ctr">
-                      <a:solidFill>
-                        <a:srgbClr val="000000"/>
-                      </a:solidFill>
-                      <a:prstDash val="solid"/>
-                      <a:round/>
-                      <a:headEnd type="none" w="med" len="med"/>
-                      <a:tailEnd type="none" w="med" len="med"/>
-                    </a:lnB>
-                    <a:solidFill>
-                      <a:srgbClr val="F2DCDB"/>
-                    </a:solidFill>
-                  </a:tcPr>
-                </a:tc>
-                <a:tc>
-                  <a:txBody>
-                    <a:bodyPr/>
-                    <a:lstStyle/>
-                    <a:p>
-                      <a:pPr algn="ctr" fontAlgn="b"/>
-                      <a:r>
-                        <a:rPr lang="en-US" sz="1600" b="0" i="0" u="none" strike="noStrike">
-                          <a:solidFill>
-                            <a:srgbClr val="000000"/>
-                          </a:solidFill>
-                          <a:effectLst/>
-                          <a:latin typeface="Calibri"/>
-                        </a:rPr>
-                        <a:t>20,447 </a:t>
-                      </a:r>
-                    </a:p>
-                  </a:txBody>
-                  <a:tcPr marL="9525" marR="9525" marT="9525" marB="0" anchor="b">
-                    <a:lnL w="6350" cap="flat" cmpd="sng" algn="ctr">
-                      <a:solidFill>
-                        <a:srgbClr val="000000"/>
-                      </a:solidFill>
-                      <a:prstDash val="solid"/>
-                      <a:round/>
-                      <a:headEnd type="none" w="med" len="med"/>
-                      <a:tailEnd type="none" w="med" len="med"/>
-                    </a:lnL>
-                    <a:lnR w="6350" cap="flat" cmpd="sng" algn="ctr">
-                      <a:solidFill>
-                        <a:srgbClr val="000000"/>
-                      </a:solidFill>
-                      <a:prstDash val="solid"/>
-                      <a:round/>
-                      <a:headEnd type="none" w="med" len="med"/>
-                      <a:tailEnd type="none" w="med" len="med"/>
-                    </a:lnR>
-                    <a:lnT w="6350" cap="flat" cmpd="sng" algn="ctr">
-                      <a:solidFill>
-                        <a:srgbClr val="000000"/>
-                      </a:solidFill>
-                      <a:prstDash val="solid"/>
-                      <a:round/>
-                      <a:headEnd type="none" w="med" len="med"/>
-                      <a:tailEnd type="none" w="med" len="med"/>
-                    </a:lnT>
-                    <a:lnB w="6350" cap="flat" cmpd="sng" algn="ctr">
-                      <a:solidFill>
-                        <a:srgbClr val="000000"/>
-                      </a:solidFill>
-                      <a:prstDash val="solid"/>
-                      <a:round/>
-                      <a:headEnd type="none" w="med" len="med"/>
-                      <a:tailEnd type="none" w="med" len="med"/>
-                    </a:lnB>
-                    <a:solidFill>
-                      <a:srgbClr val="F2DCDB"/>
-                    </a:solidFill>
-                  </a:tcPr>
-                </a:tc>
-                <a:tc>
-                  <a:txBody>
-                    <a:bodyPr/>
-                    <a:lstStyle/>
-                    <a:p>
-                      <a:pPr algn="ctr" fontAlgn="b"/>
-                      <a:r>
-                        <a:rPr lang="en-US" sz="1600" b="1" i="0" u="none" strike="noStrike">
-                          <a:solidFill>
-                            <a:srgbClr val="000000"/>
-                          </a:solidFill>
-                          <a:effectLst/>
-                          <a:latin typeface="Calibri"/>
-                        </a:rPr>
-                        <a:t>52,597 </a:t>
-                      </a:r>
-                    </a:p>
-                  </a:txBody>
-                  <a:tcPr marL="9525" marR="9525" marT="9525" marB="0" anchor="b">
-                    <a:lnL w="6350" cap="flat" cmpd="sng" algn="ctr">
-                      <a:solidFill>
-                        <a:srgbClr val="000000"/>
-                      </a:solidFill>
-                      <a:prstDash val="solid"/>
-                      <a:round/>
-                      <a:headEnd type="none" w="med" len="med"/>
-                      <a:tailEnd type="none" w="med" len="med"/>
-                    </a:lnL>
-                    <a:lnR w="6350" cap="flat" cmpd="sng" algn="ctr">
-                      <a:solidFill>
-                        <a:srgbClr val="000000"/>
-                      </a:solidFill>
-                      <a:prstDash val="solid"/>
-                      <a:round/>
-                      <a:headEnd type="none" w="med" len="med"/>
-                      <a:tailEnd type="none" w="med" len="med"/>
-                    </a:lnR>
-                    <a:lnT w="6350" cap="flat" cmpd="sng" algn="ctr">
-                      <a:solidFill>
-                        <a:srgbClr val="000000"/>
-                      </a:solidFill>
-                      <a:prstDash val="solid"/>
-                      <a:round/>
-                      <a:headEnd type="none" w="med" len="med"/>
-                      <a:tailEnd type="none" w="med" len="med"/>
-                    </a:lnT>
-                    <a:lnB w="6350" cap="flat" cmpd="sng" algn="ctr">
-                      <a:solidFill>
-                        <a:srgbClr val="000000"/>
-                      </a:solidFill>
-                      <a:prstDash val="solid"/>
-                      <a:round/>
-                      <a:headEnd type="none" w="med" len="med"/>
-                      <a:tailEnd type="none" w="med" len="med"/>
-                    </a:lnB>
-                    <a:solidFill>
-                      <a:srgbClr val="CCFFCC"/>
-                    </a:solidFill>
-                  </a:tcPr>
-                </a:tc>
-                <a:tc>
-                  <a:txBody>
-                    <a:bodyPr/>
-                    <a:lstStyle/>
-                    <a:p>
-                      <a:pPr algn="ctr" fontAlgn="b"/>
-                      <a:r>
-                        <a:rPr lang="en-US" sz="1600" b="1" i="0" u="none" strike="noStrike">
-                          <a:solidFill>
-                            <a:srgbClr val="000000"/>
-                          </a:solidFill>
-                          <a:effectLst/>
-                          <a:latin typeface="Calibri"/>
-                        </a:rPr>
-                        <a:t>61,491 </a:t>
-                      </a:r>
-                    </a:p>
-                  </a:txBody>
-                  <a:tcPr marL="9525" marR="9525" marT="9525" marB="0" anchor="b">
-                    <a:lnL w="6350" cap="flat" cmpd="sng" algn="ctr">
-                      <a:solidFill>
-                        <a:srgbClr val="000000"/>
-                      </a:solidFill>
-                      <a:prstDash val="solid"/>
-                      <a:round/>
-                      <a:headEnd type="none" w="med" len="med"/>
-                      <a:tailEnd type="none" w="med" len="med"/>
-                    </a:lnL>
-                    <a:lnR w="6350" cap="flat" cmpd="sng" algn="ctr">
-                      <a:solidFill>
-                        <a:srgbClr val="000000"/>
-                      </a:solidFill>
-                      <a:prstDash val="solid"/>
-                      <a:round/>
-                      <a:headEnd type="none" w="med" len="med"/>
-                      <a:tailEnd type="none" w="med" len="med"/>
-                    </a:lnR>
-                    <a:lnT w="6350" cap="flat" cmpd="sng" algn="ctr">
-                      <a:solidFill>
-                        <a:srgbClr val="000000"/>
-                      </a:solidFill>
-                      <a:prstDash val="solid"/>
-                      <a:round/>
-                      <a:headEnd type="none" w="med" len="med"/>
-                      <a:tailEnd type="none" w="med" len="med"/>
-                    </a:lnT>
-                    <a:lnB w="6350" cap="flat" cmpd="sng" algn="ctr">
-                      <a:solidFill>
-                        <a:srgbClr val="000000"/>
-                      </a:solidFill>
-                      <a:prstDash val="solid"/>
-                      <a:round/>
-                      <a:headEnd type="none" w="med" len="med"/>
-                      <a:tailEnd type="none" w="med" len="med"/>
-                    </a:lnB>
-                    <a:solidFill>
-                      <a:srgbClr val="CCFFCC"/>
-                    </a:solidFill>
-                  </a:tcPr>
-                </a:tc>
-                <a:tc>
-                  <a:txBody>
-                    <a:bodyPr/>
-                    <a:lstStyle/>
-                    <a:p>
-                      <a:pPr algn="ctr" fontAlgn="b"/>
-                      <a:r>
-                        <a:rPr lang="en-US" sz="1600" b="1" i="0" u="none" strike="noStrike">
-                          <a:solidFill>
-                            <a:srgbClr val="000000"/>
-                          </a:solidFill>
-                          <a:effectLst/>
-                          <a:latin typeface="Calibri"/>
-                        </a:rPr>
-                        <a:t>91,691 </a:t>
-                      </a:r>
-                    </a:p>
-                  </a:txBody>
-                  <a:tcPr marL="9525" marR="9525" marT="9525" marB="0" anchor="b">
-                    <a:lnL w="6350" cap="flat" cmpd="sng" algn="ctr">
-                      <a:solidFill>
-                        <a:srgbClr val="000000"/>
-                      </a:solidFill>
-                      <a:prstDash val="solid"/>
-                      <a:round/>
-                      <a:headEnd type="none" w="med" len="med"/>
-                      <a:tailEnd type="none" w="med" len="med"/>
-                    </a:lnL>
-                    <a:lnR w="6350" cap="flat" cmpd="sng" algn="ctr">
-                      <a:solidFill>
-                        <a:srgbClr val="000000"/>
-                      </a:solidFill>
-                      <a:prstDash val="solid"/>
-                      <a:round/>
-                      <a:headEnd type="none" w="med" len="med"/>
-                      <a:tailEnd type="none" w="med" len="med"/>
-                    </a:lnR>
-                    <a:lnT w="6350" cap="flat" cmpd="sng" algn="ctr">
-                      <a:solidFill>
-                        <a:srgbClr val="000000"/>
-                      </a:solidFill>
-                      <a:prstDash val="solid"/>
-                      <a:round/>
-                      <a:headEnd type="none" w="med" len="med"/>
-                      <a:tailEnd type="none" w="med" len="med"/>
-                    </a:lnT>
-                    <a:lnB w="6350" cap="flat" cmpd="sng" algn="ctr">
-                      <a:solidFill>
-                        <a:srgbClr val="000000"/>
-                      </a:solidFill>
-                      <a:prstDash val="solid"/>
-                      <a:round/>
-                      <a:headEnd type="none" w="med" len="med"/>
-                      <a:tailEnd type="none" w="med" len="med"/>
-                    </a:lnB>
-                    <a:solidFill>
-                      <a:srgbClr val="CCFFCC"/>
-                    </a:solidFill>
-                  </a:tcPr>
-                </a:tc>
-                <a:tc>
-                  <a:txBody>
-                    <a:bodyPr/>
-                    <a:lstStyle/>
-                    <a:p>
-                      <a:pPr algn="ctr" fontAlgn="b"/>
-                      <a:r>
-                        <a:rPr lang="en-US" sz="1600" b="1" i="0" u="none" strike="noStrike">
-                          <a:solidFill>
-                            <a:srgbClr val="000000"/>
-                          </a:solidFill>
-                          <a:effectLst/>
-                          <a:latin typeface="Calibri"/>
-                        </a:rPr>
-                        <a:t>228,997 </a:t>
-                      </a:r>
-                    </a:p>
-                  </a:txBody>
-                  <a:tcPr marL="9525" marR="9525" marT="9525" marB="0" anchor="b">
-                    <a:lnL w="6350" cap="flat" cmpd="sng" algn="ctr">
-                      <a:solidFill>
-                        <a:srgbClr val="000000"/>
-                      </a:solidFill>
-                      <a:prstDash val="solid"/>
-                      <a:round/>
-                      <a:headEnd type="none" w="med" len="med"/>
-                      <a:tailEnd type="none" w="med" len="med"/>
-                    </a:lnL>
-                    <a:lnR w="6350" cap="flat" cmpd="sng" algn="ctr">
-                      <a:solidFill>
-                        <a:srgbClr val="000000"/>
-                      </a:solidFill>
-                      <a:prstDash val="solid"/>
-                      <a:round/>
-                      <a:headEnd type="none" w="med" len="med"/>
-                      <a:tailEnd type="none" w="med" len="med"/>
-                    </a:lnR>
-                    <a:lnT w="6350" cap="flat" cmpd="sng" algn="ctr">
-                      <a:solidFill>
-                        <a:srgbClr val="000000"/>
-                      </a:solidFill>
-                      <a:prstDash val="solid"/>
-                      <a:round/>
-                      <a:headEnd type="none" w="med" len="med"/>
-                      <a:tailEnd type="none" w="med" len="med"/>
-                    </a:lnT>
-                    <a:lnB w="6350" cap="flat" cmpd="sng" algn="ctr">
-                      <a:solidFill>
-                        <a:srgbClr val="000000"/>
-                      </a:solidFill>
-                      <a:prstDash val="solid"/>
-                      <a:round/>
-                      <a:headEnd type="none" w="med" len="med"/>
-                      <a:tailEnd type="none" w="med" len="med"/>
-                    </a:lnB>
-                    <a:solidFill>
-                      <a:srgbClr val="CCFFCC"/>
-                    </a:solidFill>
-                  </a:tcPr>
-                </a:tc>
-                <a:tc>
-                  <a:txBody>
-                    <a:bodyPr/>
-                    <a:lstStyle/>
-                    <a:p>
-                      <a:pPr algn="ctr" fontAlgn="b"/>
-                      <a:r>
-                        <a:rPr lang="en-US" sz="1600" b="1" i="0" u="none" strike="noStrike">
-                          <a:solidFill>
-                            <a:srgbClr val="000000"/>
-                          </a:solidFill>
-                          <a:effectLst/>
-                          <a:latin typeface="Calibri"/>
-                        </a:rPr>
-                        <a:t>457,143 </a:t>
-                      </a:r>
-                    </a:p>
-                  </a:txBody>
-                  <a:tcPr marL="9525" marR="9525" marT="9525" marB="0" anchor="b">
-                    <a:lnL w="6350" cap="flat" cmpd="sng" algn="ctr">
-                      <a:solidFill>
-                        <a:srgbClr val="000000"/>
-                      </a:solidFill>
-                      <a:prstDash val="solid"/>
-                      <a:round/>
-                      <a:headEnd type="none" w="med" len="med"/>
-                      <a:tailEnd type="none" w="med" len="med"/>
-                    </a:lnL>
-                    <a:lnR w="6350" cap="flat" cmpd="sng" algn="ctr">
-                      <a:solidFill>
-                        <a:srgbClr val="000000"/>
-                      </a:solidFill>
-                      <a:prstDash val="solid"/>
-                      <a:round/>
-                      <a:headEnd type="none" w="med" len="med"/>
-                      <a:tailEnd type="none" w="med" len="med"/>
-                    </a:lnR>
-                    <a:lnT w="6350" cap="flat" cmpd="sng" algn="ctr">
-                      <a:solidFill>
-                        <a:srgbClr val="000000"/>
-                      </a:solidFill>
-                      <a:prstDash val="solid"/>
-                      <a:round/>
-                      <a:headEnd type="none" w="med" len="med"/>
-                      <a:tailEnd type="none" w="med" len="med"/>
-                    </a:lnT>
-                    <a:lnB w="6350" cap="flat" cmpd="sng" algn="ctr">
-                      <a:solidFill>
-                        <a:srgbClr val="000000"/>
-                      </a:solidFill>
-                      <a:prstDash val="solid"/>
-                      <a:round/>
-                      <a:headEnd type="none" w="med" len="med"/>
-                      <a:tailEnd type="none" w="med" len="med"/>
-                    </a:lnB>
-                    <a:solidFill>
-                      <a:srgbClr val="CCFFCC"/>
-                    </a:solidFill>
-                  </a:tcPr>
-                </a:tc>
-              </a:tr>
-              <a:tr h="190500">
-                <a:tc>
-                  <a:txBody>
-                    <a:bodyPr/>
-                    <a:lstStyle/>
-                    <a:p>
-                      <a:pPr algn="ctr" fontAlgn="b"/>
-                      <a:r>
-                        <a:rPr lang="en-US" sz="1600" b="0" i="0" u="none" strike="noStrike">
-                          <a:solidFill>
-                            <a:srgbClr val="000000"/>
-                          </a:solidFill>
-                          <a:effectLst/>
-                          <a:latin typeface="Calibri"/>
-                        </a:rPr>
-                        <a:t>128</a:t>
-                      </a:r>
-                    </a:p>
-                  </a:txBody>
-                  <a:tcPr marL="9525" marR="9525" marT="9525" marB="0" anchor="b">
-                    <a:lnL w="6350" cap="flat" cmpd="sng" algn="ctr">
-                      <a:solidFill>
-                        <a:srgbClr val="000000"/>
-                      </a:solidFill>
-                      <a:prstDash val="solid"/>
-                      <a:round/>
-                      <a:headEnd type="none" w="med" len="med"/>
-                      <a:tailEnd type="none" w="med" len="med"/>
-                    </a:lnL>
-                    <a:lnR w="6350" cap="flat" cmpd="sng" algn="ctr">
-                      <a:solidFill>
-                        <a:srgbClr val="000000"/>
-                      </a:solidFill>
-                      <a:prstDash val="solid"/>
-                      <a:round/>
-                      <a:headEnd type="none" w="med" len="med"/>
-                      <a:tailEnd type="none" w="med" len="med"/>
-                    </a:lnR>
-                    <a:lnT w="6350" cap="flat" cmpd="sng" algn="ctr">
-                      <a:solidFill>
-                        <a:srgbClr val="000000"/>
-                      </a:solidFill>
-                      <a:prstDash val="solid"/>
-                      <a:round/>
-                      <a:headEnd type="none" w="med" len="med"/>
-                      <a:tailEnd type="none" w="med" len="med"/>
-                    </a:lnT>
-                    <a:lnB w="6350" cap="flat" cmpd="sng" algn="ctr">
-                      <a:solidFill>
-                        <a:srgbClr val="000000"/>
-                      </a:solidFill>
-                      <a:prstDash val="solid"/>
-                      <a:round/>
-                      <a:headEnd type="none" w="med" len="med"/>
-                      <a:tailEnd type="none" w="med" len="med"/>
-                    </a:lnB>
-                    <a:solidFill>
-                      <a:srgbClr val="FFFFFF"/>
-                    </a:solidFill>
-                  </a:tcPr>
-                </a:tc>
-                <a:tc>
-                  <a:txBody>
-                    <a:bodyPr/>
-                    <a:lstStyle/>
-                    <a:p>
-                      <a:pPr algn="ctr" fontAlgn="b"/>
-                      <a:r>
-                        <a:rPr lang="en-US" sz="1600" b="0" i="0" u="none" strike="noStrike">
-                          <a:solidFill>
-                            <a:srgbClr val="000000"/>
-                          </a:solidFill>
-                          <a:effectLst/>
-                          <a:latin typeface="Calibri"/>
-                        </a:rPr>
-                        <a:t>Int32</a:t>
-                      </a:r>
-                    </a:p>
-                  </a:txBody>
-                  <a:tcPr marL="9525" marR="9525" marT="9525" marB="0" anchor="b">
-                    <a:lnL w="6350" cap="flat" cmpd="sng" algn="ctr">
-                      <a:solidFill>
-                        <a:srgbClr val="000000"/>
-                      </a:solidFill>
-                      <a:prstDash val="solid"/>
-                      <a:round/>
-                      <a:headEnd type="none" w="med" len="med"/>
-                      <a:tailEnd type="none" w="med" len="med"/>
-                    </a:lnL>
-                    <a:lnR w="6350" cap="flat" cmpd="sng" algn="ctr">
-                      <a:solidFill>
-                        <a:srgbClr val="000000"/>
-                      </a:solidFill>
-                      <a:prstDash val="solid"/>
-                      <a:round/>
-                      <a:headEnd type="none" w="med" len="med"/>
-                      <a:tailEnd type="none" w="med" len="med"/>
-                    </a:lnR>
-                    <a:lnT w="6350" cap="flat" cmpd="sng" algn="ctr">
-                      <a:solidFill>
-                        <a:srgbClr val="000000"/>
-                      </a:solidFill>
-                      <a:prstDash val="solid"/>
-                      <a:round/>
-                      <a:headEnd type="none" w="med" len="med"/>
-                      <a:tailEnd type="none" w="med" len="med"/>
-                    </a:lnT>
-                    <a:lnB w="6350" cap="flat" cmpd="sng" algn="ctr">
-                      <a:solidFill>
-                        <a:srgbClr val="000000"/>
-                      </a:solidFill>
-                      <a:prstDash val="solid"/>
-                      <a:round/>
-                      <a:headEnd type="none" w="med" len="med"/>
-                      <a:tailEnd type="none" w="med" len="med"/>
-                    </a:lnB>
-                    <a:solidFill>
-                      <a:srgbClr val="FFFFFF"/>
-                    </a:solidFill>
-                  </a:tcPr>
-                </a:tc>
-                <a:tc>
-                  <a:txBody>
-                    <a:bodyPr/>
-                    <a:lstStyle/>
-                    <a:p>
-                      <a:pPr algn="ctr" fontAlgn="b"/>
-                      <a:r>
-                        <a:rPr lang="en-US" sz="1600" b="0" i="0" u="none" strike="noStrike">
-                          <a:solidFill>
-                            <a:srgbClr val="000000"/>
-                          </a:solidFill>
-                          <a:effectLst/>
-                          <a:latin typeface="Calibri"/>
-                        </a:rPr>
-                        <a:t>*</a:t>
-                      </a:r>
-                    </a:p>
-                  </a:txBody>
-                  <a:tcPr marL="9525" marR="9525" marT="9525" marB="0" anchor="b">
-                    <a:lnL w="6350" cap="flat" cmpd="sng" algn="ctr">
-                      <a:solidFill>
-                        <a:srgbClr val="000000"/>
-                      </a:solidFill>
-                      <a:prstDash val="solid"/>
-                      <a:round/>
-                      <a:headEnd type="none" w="med" len="med"/>
-                      <a:tailEnd type="none" w="med" len="med"/>
-                    </a:lnL>
-                    <a:lnR w="6350" cap="flat" cmpd="sng" algn="ctr">
-                      <a:solidFill>
-                        <a:srgbClr val="000000"/>
-                      </a:solidFill>
-                      <a:prstDash val="solid"/>
-                      <a:round/>
-                      <a:headEnd type="none" w="med" len="med"/>
-                      <a:tailEnd type="none" w="med" len="med"/>
-                    </a:lnR>
-                    <a:lnT w="6350" cap="flat" cmpd="sng" algn="ctr">
-                      <a:solidFill>
-                        <a:srgbClr val="000000"/>
-                      </a:solidFill>
-                      <a:prstDash val="solid"/>
-                      <a:round/>
-                      <a:headEnd type="none" w="med" len="med"/>
-                      <a:tailEnd type="none" w="med" len="med"/>
-                    </a:lnT>
-                    <a:lnB w="6350" cap="flat" cmpd="sng" algn="ctr">
-                      <a:solidFill>
-                        <a:srgbClr val="000000"/>
-                      </a:solidFill>
-                      <a:prstDash val="solid"/>
-                      <a:round/>
-                      <a:headEnd type="none" w="med" len="med"/>
-                      <a:tailEnd type="none" w="med" len="med"/>
-                    </a:lnB>
-                    <a:solidFill>
-                      <a:srgbClr val="F2DCDB"/>
-                    </a:solidFill>
-                  </a:tcPr>
-                </a:tc>
-                <a:tc>
-                  <a:txBody>
-                    <a:bodyPr/>
-                    <a:lstStyle/>
-                    <a:p>
-                      <a:pPr algn="ctr" fontAlgn="b"/>
-                      <a:r>
-                        <a:rPr lang="en-US" sz="1600" b="0" i="0" u="none" strike="noStrike">
-                          <a:solidFill>
-                            <a:srgbClr val="000000"/>
-                          </a:solidFill>
-                          <a:effectLst/>
-                          <a:latin typeface="Calibri"/>
-                        </a:rPr>
-                        <a:t>7,545 </a:t>
-                      </a:r>
-                    </a:p>
-                  </a:txBody>
-                  <a:tcPr marL="9525" marR="9525" marT="9525" marB="0" anchor="b">
-                    <a:lnL w="6350" cap="flat" cmpd="sng" algn="ctr">
-                      <a:solidFill>
-                        <a:srgbClr val="000000"/>
-                      </a:solidFill>
-                      <a:prstDash val="solid"/>
-                      <a:round/>
-                      <a:headEnd type="none" w="med" len="med"/>
-                      <a:tailEnd type="none" w="med" len="med"/>
-                    </a:lnL>
-                    <a:lnR w="6350" cap="flat" cmpd="sng" algn="ctr">
-                      <a:solidFill>
-                        <a:srgbClr val="000000"/>
-                      </a:solidFill>
-                      <a:prstDash val="solid"/>
-                      <a:round/>
-                      <a:headEnd type="none" w="med" len="med"/>
-                      <a:tailEnd type="none" w="med" len="med"/>
-                    </a:lnR>
-                    <a:lnT w="6350" cap="flat" cmpd="sng" algn="ctr">
-                      <a:solidFill>
-                        <a:srgbClr val="000000"/>
-                      </a:solidFill>
-                      <a:prstDash val="solid"/>
-                      <a:round/>
-                      <a:headEnd type="none" w="med" len="med"/>
-                      <a:tailEnd type="none" w="med" len="med"/>
-                    </a:lnT>
-                    <a:lnB w="6350" cap="flat" cmpd="sng" algn="ctr">
-                      <a:solidFill>
-                        <a:srgbClr val="000000"/>
-                      </a:solidFill>
-                      <a:prstDash val="solid"/>
-                      <a:round/>
-                      <a:headEnd type="none" w="med" len="med"/>
-                      <a:tailEnd type="none" w="med" len="med"/>
-                    </a:lnB>
-                    <a:solidFill>
-                      <a:srgbClr val="F2DCDB"/>
-                    </a:solidFill>
-                  </a:tcPr>
-                </a:tc>
-                <a:tc>
-                  <a:txBody>
-                    <a:bodyPr/>
-                    <a:lstStyle/>
-                    <a:p>
-                      <a:pPr algn="ctr" fontAlgn="b"/>
-                      <a:r>
-                        <a:rPr lang="en-US" sz="1600" b="0" i="0" u="none" strike="noStrike">
-                          <a:solidFill>
-                            <a:srgbClr val="000000"/>
-                          </a:solidFill>
-                          <a:effectLst/>
-                          <a:latin typeface="Calibri"/>
-                        </a:rPr>
-                        <a:t>33,003 </a:t>
-                      </a:r>
-                    </a:p>
-                  </a:txBody>
-                  <a:tcPr marL="9525" marR="9525" marT="9525" marB="0" anchor="b">
-                    <a:lnL w="6350" cap="flat" cmpd="sng" algn="ctr">
-                      <a:solidFill>
-                        <a:srgbClr val="000000"/>
-                      </a:solidFill>
-                      <a:prstDash val="solid"/>
-                      <a:round/>
-                      <a:headEnd type="none" w="med" len="med"/>
-                      <a:tailEnd type="none" w="med" len="med"/>
-                    </a:lnL>
-                    <a:lnR w="6350" cap="flat" cmpd="sng" algn="ctr">
-                      <a:solidFill>
-                        <a:srgbClr val="000000"/>
-                      </a:solidFill>
-                      <a:prstDash val="solid"/>
-                      <a:round/>
-                      <a:headEnd type="none" w="med" len="med"/>
-                      <a:tailEnd type="none" w="med" len="med"/>
-                    </a:lnR>
-                    <a:lnT w="6350" cap="flat" cmpd="sng" algn="ctr">
-                      <a:solidFill>
-                        <a:srgbClr val="000000"/>
-                      </a:solidFill>
-                      <a:prstDash val="solid"/>
-                      <a:round/>
-                      <a:headEnd type="none" w="med" len="med"/>
-                      <a:tailEnd type="none" w="med" len="med"/>
-                    </a:lnT>
-                    <a:lnB w="6350" cap="flat" cmpd="sng" algn="ctr">
-                      <a:solidFill>
-                        <a:srgbClr val="000000"/>
-                      </a:solidFill>
-                      <a:prstDash val="solid"/>
-                      <a:round/>
-                      <a:headEnd type="none" w="med" len="med"/>
-                      <a:tailEnd type="none" w="med" len="med"/>
-                    </a:lnB>
-                    <a:solidFill>
-                      <a:srgbClr val="F2DCDB"/>
-                    </a:solidFill>
-                  </a:tcPr>
-                </a:tc>
-                <a:tc>
-                  <a:txBody>
-                    <a:bodyPr/>
-                    <a:lstStyle/>
-                    <a:p>
-                      <a:pPr algn="ctr" fontAlgn="b"/>
-                      <a:r>
-                        <a:rPr lang="en-US" sz="1600" b="0" i="0" u="none" strike="noStrike">
-                          <a:solidFill>
-                            <a:srgbClr val="000000"/>
-                          </a:solidFill>
-                          <a:effectLst/>
-                          <a:latin typeface="Calibri"/>
-                        </a:rPr>
-                        <a:t>32,219 </a:t>
-                      </a:r>
-                    </a:p>
-                  </a:txBody>
-                  <a:tcPr marL="9525" marR="9525" marT="9525" marB="0" anchor="b">
-                    <a:lnL w="6350" cap="flat" cmpd="sng" algn="ctr">
-                      <a:solidFill>
-                        <a:srgbClr val="000000"/>
-                      </a:solidFill>
-                      <a:prstDash val="solid"/>
-                      <a:round/>
-                      <a:headEnd type="none" w="med" len="med"/>
-                      <a:tailEnd type="none" w="med" len="med"/>
-                    </a:lnL>
-                    <a:lnR w="6350" cap="flat" cmpd="sng" algn="ctr">
-                      <a:solidFill>
-                        <a:srgbClr val="000000"/>
-                      </a:solidFill>
-                      <a:prstDash val="solid"/>
-                      <a:round/>
-                      <a:headEnd type="none" w="med" len="med"/>
-                      <a:tailEnd type="none" w="med" len="med"/>
-                    </a:lnR>
-                    <a:lnT w="6350" cap="flat" cmpd="sng" algn="ctr">
-                      <a:solidFill>
-                        <a:srgbClr val="000000"/>
-                      </a:solidFill>
-                      <a:prstDash val="solid"/>
-                      <a:round/>
-                      <a:headEnd type="none" w="med" len="med"/>
-                      <a:tailEnd type="none" w="med" len="med"/>
-                    </a:lnT>
-                    <a:lnB w="6350" cap="flat" cmpd="sng" algn="ctr">
-                      <a:solidFill>
-                        <a:srgbClr val="000000"/>
-                      </a:solidFill>
-                      <a:prstDash val="solid"/>
-                      <a:round/>
-                      <a:headEnd type="none" w="med" len="med"/>
-                      <a:tailEnd type="none" w="med" len="med"/>
-                    </a:lnB>
-                    <a:solidFill>
-                      <a:srgbClr val="F2DCDB"/>
-                    </a:solidFill>
-                  </a:tcPr>
-                </a:tc>
-                <a:tc>
-                  <a:txBody>
-                    <a:bodyPr/>
-                    <a:lstStyle/>
-                    <a:p>
-                      <a:pPr algn="ctr" fontAlgn="b"/>
-                      <a:r>
-                        <a:rPr lang="en-US" sz="1600" b="1" i="0" u="none" strike="noStrike">
-                          <a:solidFill>
-                            <a:srgbClr val="000000"/>
-                          </a:solidFill>
-                          <a:effectLst/>
-                          <a:latin typeface="Calibri"/>
-                        </a:rPr>
-                        <a:t>62,500 </a:t>
-                      </a:r>
-                    </a:p>
-                  </a:txBody>
-                  <a:tcPr marL="9525" marR="9525" marT="9525" marB="0" anchor="b">
-                    <a:lnL w="6350" cap="flat" cmpd="sng" algn="ctr">
-                      <a:solidFill>
-                        <a:srgbClr val="000000"/>
-                      </a:solidFill>
-                      <a:prstDash val="solid"/>
-                      <a:round/>
-                      <a:headEnd type="none" w="med" len="med"/>
-                      <a:tailEnd type="none" w="med" len="med"/>
-                    </a:lnL>
-                    <a:lnR w="6350" cap="flat" cmpd="sng" algn="ctr">
-                      <a:solidFill>
-                        <a:srgbClr val="000000"/>
-                      </a:solidFill>
-                      <a:prstDash val="solid"/>
-                      <a:round/>
-                      <a:headEnd type="none" w="med" len="med"/>
-                      <a:tailEnd type="none" w="med" len="med"/>
-                    </a:lnR>
-                    <a:lnT w="6350" cap="flat" cmpd="sng" algn="ctr">
-                      <a:solidFill>
-                        <a:srgbClr val="000000"/>
-                      </a:solidFill>
-                      <a:prstDash val="solid"/>
-                      <a:round/>
-                      <a:headEnd type="none" w="med" len="med"/>
-                      <a:tailEnd type="none" w="med" len="med"/>
-                    </a:lnT>
-                    <a:lnB w="6350" cap="flat" cmpd="sng" algn="ctr">
-                      <a:solidFill>
-                        <a:srgbClr val="000000"/>
-                      </a:solidFill>
-                      <a:prstDash val="solid"/>
-                      <a:round/>
-                      <a:headEnd type="none" w="med" len="med"/>
-                      <a:tailEnd type="none" w="med" len="med"/>
-                    </a:lnB>
-                    <a:solidFill>
-                      <a:srgbClr val="CCFFCC"/>
-                    </a:solidFill>
-                  </a:tcPr>
-                </a:tc>
-                <a:tc>
-                  <a:txBody>
-                    <a:bodyPr/>
-                    <a:lstStyle/>
-                    <a:p>
-                      <a:pPr algn="ctr" fontAlgn="b"/>
-                      <a:r>
-                        <a:rPr lang="en-US" sz="1600" b="1" i="0" u="none" strike="noStrike">
-                          <a:solidFill>
-                            <a:srgbClr val="000000"/>
-                          </a:solidFill>
-                          <a:effectLst/>
-                          <a:latin typeface="Calibri"/>
-                        </a:rPr>
-                        <a:t>105,367 </a:t>
-                      </a:r>
-                    </a:p>
-                  </a:txBody>
-                  <a:tcPr marL="9525" marR="9525" marT="9525" marB="0" anchor="b">
-                    <a:lnL w="6350" cap="flat" cmpd="sng" algn="ctr">
-                      <a:solidFill>
-                        <a:srgbClr val="000000"/>
-                      </a:solidFill>
-                      <a:prstDash val="solid"/>
-                      <a:round/>
-                      <a:headEnd type="none" w="med" len="med"/>
-                      <a:tailEnd type="none" w="med" len="med"/>
-                    </a:lnL>
-                    <a:lnR w="6350" cap="flat" cmpd="sng" algn="ctr">
-                      <a:solidFill>
-                        <a:srgbClr val="000000"/>
-                      </a:solidFill>
-                      <a:prstDash val="solid"/>
-                      <a:round/>
-                      <a:headEnd type="none" w="med" len="med"/>
-                      <a:tailEnd type="none" w="med" len="med"/>
-                    </a:lnR>
-                    <a:lnT w="6350" cap="flat" cmpd="sng" algn="ctr">
-                      <a:solidFill>
-                        <a:srgbClr val="000000"/>
-                      </a:solidFill>
-                      <a:prstDash val="solid"/>
-                      <a:round/>
-                      <a:headEnd type="none" w="med" len="med"/>
-                      <a:tailEnd type="none" w="med" len="med"/>
-                    </a:lnT>
-                    <a:lnB w="6350" cap="flat" cmpd="sng" algn="ctr">
-                      <a:solidFill>
-                        <a:srgbClr val="000000"/>
-                      </a:solidFill>
-                      <a:prstDash val="solid"/>
-                      <a:round/>
-                      <a:headEnd type="none" w="med" len="med"/>
-                      <a:tailEnd type="none" w="med" len="med"/>
-                    </a:lnB>
-                    <a:solidFill>
-                      <a:srgbClr val="CCFFCC"/>
-                    </a:solidFill>
-                  </a:tcPr>
-                </a:tc>
-                <a:tc>
-                  <a:txBody>
-                    <a:bodyPr/>
-                    <a:lstStyle/>
-                    <a:p>
-                      <a:pPr algn="ctr" fontAlgn="b"/>
-                      <a:r>
-                        <a:rPr lang="en-US" sz="1600" b="1" i="0" u="none" strike="noStrike">
-                          <a:solidFill>
-                            <a:srgbClr val="000000"/>
-                          </a:solidFill>
-                          <a:effectLst/>
-                          <a:latin typeface="Calibri"/>
-                        </a:rPr>
-                        <a:t>198,758 </a:t>
-                      </a:r>
-                    </a:p>
-                  </a:txBody>
-                  <a:tcPr marL="9525" marR="9525" marT="9525" marB="0" anchor="b">
-                    <a:lnL w="6350" cap="flat" cmpd="sng" algn="ctr">
-                      <a:solidFill>
-                        <a:srgbClr val="000000"/>
-                      </a:solidFill>
-                      <a:prstDash val="solid"/>
-                      <a:round/>
-                      <a:headEnd type="none" w="med" len="med"/>
-                      <a:tailEnd type="none" w="med" len="med"/>
-                    </a:lnL>
-                    <a:lnR w="6350" cap="flat" cmpd="sng" algn="ctr">
-                      <a:solidFill>
-                        <a:srgbClr val="000000"/>
-                      </a:solidFill>
-                      <a:prstDash val="solid"/>
-                      <a:round/>
-                      <a:headEnd type="none" w="med" len="med"/>
-                      <a:tailEnd type="none" w="med" len="med"/>
-                    </a:lnR>
-                    <a:lnT w="6350" cap="flat" cmpd="sng" algn="ctr">
-                      <a:solidFill>
-                        <a:srgbClr val="000000"/>
-                      </a:solidFill>
-                      <a:prstDash val="solid"/>
-                      <a:round/>
-                      <a:headEnd type="none" w="med" len="med"/>
-                      <a:tailEnd type="none" w="med" len="med"/>
-                    </a:lnT>
-                    <a:lnB w="6350" cap="flat" cmpd="sng" algn="ctr">
-                      <a:solidFill>
-                        <a:srgbClr val="000000"/>
-                      </a:solidFill>
-                      <a:prstDash val="solid"/>
-                      <a:round/>
-                      <a:headEnd type="none" w="med" len="med"/>
-                      <a:tailEnd type="none" w="med" len="med"/>
-                    </a:lnB>
-                    <a:solidFill>
-                      <a:srgbClr val="CCFFCC"/>
-                    </a:solidFill>
-                  </a:tcPr>
-                </a:tc>
-              </a:tr>
-              <a:tr h="190500">
-                <a:tc>
-                  <a:txBody>
-                    <a:bodyPr/>
-                    <a:lstStyle/>
-                    <a:p>
-                      <a:pPr algn="ctr" fontAlgn="b"/>
-                      <a:r>
-                        <a:rPr lang="en-US" sz="1600" b="0" i="0" u="none" strike="noStrike">
-                          <a:solidFill>
-                            <a:srgbClr val="000000"/>
-                          </a:solidFill>
-                          <a:effectLst/>
-                          <a:latin typeface="Calibri"/>
-                        </a:rPr>
-                        <a:t>128</a:t>
-                      </a:r>
-                    </a:p>
-                  </a:txBody>
-                  <a:tcPr marL="9525" marR="9525" marT="9525" marB="0" anchor="b">
-                    <a:lnL w="6350" cap="flat" cmpd="sng" algn="ctr">
-                      <a:solidFill>
-                        <a:srgbClr val="000000"/>
-                      </a:solidFill>
-                      <a:prstDash val="solid"/>
-                      <a:round/>
-                      <a:headEnd type="none" w="med" len="med"/>
-                      <a:tailEnd type="none" w="med" len="med"/>
-                    </a:lnL>
-                    <a:lnR w="6350" cap="flat" cmpd="sng" algn="ctr">
-                      <a:solidFill>
-                        <a:srgbClr val="000000"/>
-                      </a:solidFill>
-                      <a:prstDash val="solid"/>
-                      <a:round/>
-                      <a:headEnd type="none" w="med" len="med"/>
-                      <a:tailEnd type="none" w="med" len="med"/>
-                    </a:lnR>
-                    <a:lnT w="6350" cap="flat" cmpd="sng" algn="ctr">
-                      <a:solidFill>
-                        <a:srgbClr val="000000"/>
-                      </a:solidFill>
-                      <a:prstDash val="solid"/>
-                      <a:round/>
-                      <a:headEnd type="none" w="med" len="med"/>
-                      <a:tailEnd type="none" w="med" len="med"/>
-                    </a:lnT>
-                    <a:lnB w="6350" cap="flat" cmpd="sng" algn="ctr">
-                      <a:solidFill>
-                        <a:srgbClr val="000000"/>
-                      </a:solidFill>
-                      <a:prstDash val="solid"/>
-                      <a:round/>
-                      <a:headEnd type="none" w="med" len="med"/>
-                      <a:tailEnd type="none" w="med" len="med"/>
-                    </a:lnB>
-                    <a:solidFill>
-                      <a:srgbClr val="FFFFFF"/>
-                    </a:solidFill>
-                  </a:tcPr>
-                </a:tc>
-                <a:tc>
-                  <a:txBody>
-                    <a:bodyPr/>
-                    <a:lstStyle/>
-                    <a:p>
-                      <a:pPr algn="ctr" fontAlgn="b"/>
-                      <a:r>
-                        <a:rPr lang="en-US" sz="1600" b="0" i="0" u="none" strike="noStrike">
-                          <a:solidFill>
-                            <a:srgbClr val="000000"/>
-                          </a:solidFill>
-                          <a:effectLst/>
-                          <a:latin typeface="Calibri"/>
-                        </a:rPr>
-                        <a:t>Float32</a:t>
-                      </a:r>
-                    </a:p>
-                  </a:txBody>
-                  <a:tcPr marL="9525" marR="9525" marT="9525" marB="0" anchor="b">
-                    <a:lnL w="6350" cap="flat" cmpd="sng" algn="ctr">
-                      <a:solidFill>
-                        <a:srgbClr val="000000"/>
-                      </a:solidFill>
-                      <a:prstDash val="solid"/>
-                      <a:round/>
-                      <a:headEnd type="none" w="med" len="med"/>
-                      <a:tailEnd type="none" w="med" len="med"/>
-                    </a:lnL>
-                    <a:lnR w="6350" cap="flat" cmpd="sng" algn="ctr">
-                      <a:solidFill>
-                        <a:srgbClr val="000000"/>
-                      </a:solidFill>
-                      <a:prstDash val="solid"/>
-                      <a:round/>
-                      <a:headEnd type="none" w="med" len="med"/>
-                      <a:tailEnd type="none" w="med" len="med"/>
-                    </a:lnR>
-                    <a:lnT w="6350" cap="flat" cmpd="sng" algn="ctr">
-                      <a:solidFill>
-                        <a:srgbClr val="000000"/>
-                      </a:solidFill>
-                      <a:prstDash val="solid"/>
-                      <a:round/>
-                      <a:headEnd type="none" w="med" len="med"/>
-                      <a:tailEnd type="none" w="med" len="med"/>
-                    </a:lnT>
-                    <a:lnB w="6350" cap="flat" cmpd="sng" algn="ctr">
-                      <a:solidFill>
-                        <a:srgbClr val="000000"/>
-                      </a:solidFill>
-                      <a:prstDash val="solid"/>
-                      <a:round/>
-                      <a:headEnd type="none" w="med" len="med"/>
-                      <a:tailEnd type="none" w="med" len="med"/>
-                    </a:lnB>
-                    <a:solidFill>
-                      <a:srgbClr val="FFFFFF"/>
-                    </a:solidFill>
-                  </a:tcPr>
-                </a:tc>
-                <a:tc>
-                  <a:txBody>
-                    <a:bodyPr/>
-                    <a:lstStyle/>
-                    <a:p>
-                      <a:pPr algn="ctr" fontAlgn="b"/>
-                      <a:r>
-                        <a:rPr lang="en-US" sz="1600" b="0" i="0" u="none" strike="noStrike">
-                          <a:solidFill>
-                            <a:srgbClr val="000000"/>
-                          </a:solidFill>
-                          <a:effectLst/>
-                          <a:latin typeface="Calibri"/>
-                        </a:rPr>
-                        <a:t>*</a:t>
-                      </a:r>
-                    </a:p>
-                  </a:txBody>
-                  <a:tcPr marL="9525" marR="9525" marT="9525" marB="0" anchor="b">
-                    <a:lnL w="6350" cap="flat" cmpd="sng" algn="ctr">
-                      <a:solidFill>
-                        <a:srgbClr val="000000"/>
-                      </a:solidFill>
-                      <a:prstDash val="solid"/>
-                      <a:round/>
-                      <a:headEnd type="none" w="med" len="med"/>
-                      <a:tailEnd type="none" w="med" len="med"/>
-                    </a:lnL>
-                    <a:lnR w="6350" cap="flat" cmpd="sng" algn="ctr">
-                      <a:solidFill>
-                        <a:srgbClr val="000000"/>
-                      </a:solidFill>
-                      <a:prstDash val="solid"/>
-                      <a:round/>
-                      <a:headEnd type="none" w="med" len="med"/>
-                      <a:tailEnd type="none" w="med" len="med"/>
-                    </a:lnR>
-                    <a:lnT w="6350" cap="flat" cmpd="sng" algn="ctr">
-                      <a:solidFill>
-                        <a:srgbClr val="000000"/>
-                      </a:solidFill>
-                      <a:prstDash val="solid"/>
-                      <a:round/>
-                      <a:headEnd type="none" w="med" len="med"/>
-                      <a:tailEnd type="none" w="med" len="med"/>
-                    </a:lnT>
-                    <a:lnB w="6350" cap="flat" cmpd="sng" algn="ctr">
-                      <a:solidFill>
-                        <a:srgbClr val="000000"/>
-                      </a:solidFill>
-                      <a:prstDash val="solid"/>
-                      <a:round/>
-                      <a:headEnd type="none" w="med" len="med"/>
-                      <a:tailEnd type="none" w="med" len="med"/>
-                    </a:lnB>
-                    <a:solidFill>
-                      <a:srgbClr val="F2DCDB"/>
-                    </a:solidFill>
-                  </a:tcPr>
-                </a:tc>
-                <a:tc>
-                  <a:txBody>
-                    <a:bodyPr/>
-                    <a:lstStyle/>
-                    <a:p>
-                      <a:pPr algn="ctr" fontAlgn="b"/>
-                      <a:r>
-                        <a:rPr lang="en-US" sz="1600" b="0" i="0" u="none" strike="noStrike">
-                          <a:solidFill>
-                            <a:srgbClr val="000000"/>
-                          </a:solidFill>
-                          <a:effectLst/>
-                          <a:latin typeface="Calibri"/>
-                        </a:rPr>
-                        <a:t>2,599 </a:t>
-                      </a:r>
-                    </a:p>
-                  </a:txBody>
-                  <a:tcPr marL="9525" marR="9525" marT="9525" marB="0" anchor="b">
-                    <a:lnL w="6350" cap="flat" cmpd="sng" algn="ctr">
-                      <a:solidFill>
-                        <a:srgbClr val="000000"/>
-                      </a:solidFill>
-                      <a:prstDash val="solid"/>
-                      <a:round/>
-                      <a:headEnd type="none" w="med" len="med"/>
-                      <a:tailEnd type="none" w="med" len="med"/>
-                    </a:lnL>
-                    <a:lnR w="6350" cap="flat" cmpd="sng" algn="ctr">
-                      <a:solidFill>
-                        <a:srgbClr val="000000"/>
-                      </a:solidFill>
-                      <a:prstDash val="solid"/>
-                      <a:round/>
-                      <a:headEnd type="none" w="med" len="med"/>
-                      <a:tailEnd type="none" w="med" len="med"/>
-                    </a:lnR>
-                    <a:lnT w="6350" cap="flat" cmpd="sng" algn="ctr">
-                      <a:solidFill>
-                        <a:srgbClr val="000000"/>
-                      </a:solidFill>
-                      <a:prstDash val="solid"/>
-                      <a:round/>
-                      <a:headEnd type="none" w="med" len="med"/>
-                      <a:tailEnd type="none" w="med" len="med"/>
-                    </a:lnT>
-                    <a:lnB w="6350" cap="flat" cmpd="sng" algn="ctr">
-                      <a:solidFill>
-                        <a:srgbClr val="000000"/>
-                      </a:solidFill>
-                      <a:prstDash val="solid"/>
-                      <a:round/>
-                      <a:headEnd type="none" w="med" len="med"/>
-                      <a:tailEnd type="none" w="med" len="med"/>
-                    </a:lnB>
-                    <a:solidFill>
-                      <a:srgbClr val="F2DCDB"/>
-                    </a:solidFill>
-                  </a:tcPr>
-                </a:tc>
-                <a:tc>
-                  <a:txBody>
-                    <a:bodyPr/>
-                    <a:lstStyle/>
-                    <a:p>
-                      <a:pPr algn="ctr" fontAlgn="b"/>
-                      <a:r>
-                        <a:rPr lang="en-US" sz="1600" b="0" i="0" u="none" strike="noStrike">
-                          <a:solidFill>
-                            <a:srgbClr val="000000"/>
-                          </a:solidFill>
-                          <a:effectLst/>
-                          <a:latin typeface="Calibri"/>
-                        </a:rPr>
-                        <a:t>8,407 </a:t>
-                      </a:r>
-                    </a:p>
-                  </a:txBody>
-                  <a:tcPr marL="9525" marR="9525" marT="9525" marB="0" anchor="b">
-                    <a:lnL w="6350" cap="flat" cmpd="sng" algn="ctr">
-                      <a:solidFill>
-                        <a:srgbClr val="000000"/>
-                      </a:solidFill>
-                      <a:prstDash val="solid"/>
-                      <a:round/>
-                      <a:headEnd type="none" w="med" len="med"/>
-                      <a:tailEnd type="none" w="med" len="med"/>
-                    </a:lnL>
-                    <a:lnR w="6350" cap="flat" cmpd="sng" algn="ctr">
-                      <a:solidFill>
-                        <a:srgbClr val="000000"/>
-                      </a:solidFill>
-                      <a:prstDash val="solid"/>
-                      <a:round/>
-                      <a:headEnd type="none" w="med" len="med"/>
-                      <a:tailEnd type="none" w="med" len="med"/>
-                    </a:lnR>
-                    <a:lnT w="6350" cap="flat" cmpd="sng" algn="ctr">
-                      <a:solidFill>
-                        <a:srgbClr val="000000"/>
-                      </a:solidFill>
-                      <a:prstDash val="solid"/>
-                      <a:round/>
-                      <a:headEnd type="none" w="med" len="med"/>
-                      <a:tailEnd type="none" w="med" len="med"/>
-                    </a:lnT>
-                    <a:lnB w="6350" cap="flat" cmpd="sng" algn="ctr">
-                      <a:solidFill>
-                        <a:srgbClr val="000000"/>
-                      </a:solidFill>
-                      <a:prstDash val="solid"/>
-                      <a:round/>
-                      <a:headEnd type="none" w="med" len="med"/>
-                      <a:tailEnd type="none" w="med" len="med"/>
-                    </a:lnB>
-                    <a:solidFill>
-                      <a:srgbClr val="F2DCDB"/>
-                    </a:solidFill>
-                  </a:tcPr>
-                </a:tc>
-                <a:tc>
-                  <a:txBody>
-                    <a:bodyPr/>
-                    <a:lstStyle/>
-                    <a:p>
-                      <a:pPr algn="ctr" fontAlgn="b"/>
-                      <a:r>
-                        <a:rPr lang="en-US" sz="1600" b="0" i="0" u="none" strike="noStrike">
-                          <a:solidFill>
-                            <a:srgbClr val="000000"/>
-                          </a:solidFill>
-                          <a:effectLst/>
-                          <a:latin typeface="Calibri"/>
-                        </a:rPr>
-                        <a:t>11,229 </a:t>
-                      </a:r>
-                    </a:p>
-                  </a:txBody>
-                  <a:tcPr marL="9525" marR="9525" marT="9525" marB="0" anchor="b">
-                    <a:lnL w="6350" cap="flat" cmpd="sng" algn="ctr">
-                      <a:solidFill>
-                        <a:srgbClr val="000000"/>
-                      </a:solidFill>
-                      <a:prstDash val="solid"/>
-                      <a:round/>
-                      <a:headEnd type="none" w="med" len="med"/>
-                      <a:tailEnd type="none" w="med" len="med"/>
-                    </a:lnL>
-                    <a:lnR w="6350" cap="flat" cmpd="sng" algn="ctr">
-                      <a:solidFill>
-                        <a:srgbClr val="000000"/>
-                      </a:solidFill>
-                      <a:prstDash val="solid"/>
-                      <a:round/>
-                      <a:headEnd type="none" w="med" len="med"/>
-                      <a:tailEnd type="none" w="med" len="med"/>
-                    </a:lnR>
-                    <a:lnT w="6350" cap="flat" cmpd="sng" algn="ctr">
-                      <a:solidFill>
-                        <a:srgbClr val="000000"/>
-                      </a:solidFill>
-                      <a:prstDash val="solid"/>
-                      <a:round/>
-                      <a:headEnd type="none" w="med" len="med"/>
-                      <a:tailEnd type="none" w="med" len="med"/>
-                    </a:lnT>
-                    <a:lnB w="6350" cap="flat" cmpd="sng" algn="ctr">
-                      <a:solidFill>
-                        <a:srgbClr val="000000"/>
-                      </a:solidFill>
-                      <a:prstDash val="solid"/>
-                      <a:round/>
-                      <a:headEnd type="none" w="med" len="med"/>
-                      <a:tailEnd type="none" w="med" len="med"/>
-                    </a:lnB>
-                    <a:solidFill>
-                      <a:srgbClr val="F2DCDB"/>
-                    </a:solidFill>
-                  </a:tcPr>
-                </a:tc>
-                <a:tc>
-                  <a:txBody>
-                    <a:bodyPr/>
-                    <a:lstStyle/>
-                    <a:p>
-                      <a:pPr algn="ctr" fontAlgn="b"/>
-                      <a:r>
-                        <a:rPr lang="en-US" sz="1600" b="1" i="0" u="none" strike="noStrike">
-                          <a:solidFill>
-                            <a:srgbClr val="000000"/>
-                          </a:solidFill>
-                          <a:effectLst/>
-                          <a:latin typeface="Calibri"/>
-                        </a:rPr>
-                        <a:t>147,465 </a:t>
-                      </a:r>
-                    </a:p>
-                  </a:txBody>
-                  <a:tcPr marL="9525" marR="9525" marT="9525" marB="0" anchor="b">
-                    <a:lnL w="6350" cap="flat" cmpd="sng" algn="ctr">
-                      <a:solidFill>
-                        <a:srgbClr val="000000"/>
-                      </a:solidFill>
-                      <a:prstDash val="solid"/>
-                      <a:round/>
-                      <a:headEnd type="none" w="med" len="med"/>
-                      <a:tailEnd type="none" w="med" len="med"/>
-                    </a:lnL>
-                    <a:lnR w="6350" cap="flat" cmpd="sng" algn="ctr">
-                      <a:solidFill>
-                        <a:srgbClr val="000000"/>
-                      </a:solidFill>
-                      <a:prstDash val="solid"/>
-                      <a:round/>
-                      <a:headEnd type="none" w="med" len="med"/>
-                      <a:tailEnd type="none" w="med" len="med"/>
-                    </a:lnR>
-                    <a:lnT w="6350" cap="flat" cmpd="sng" algn="ctr">
-                      <a:solidFill>
-                        <a:srgbClr val="000000"/>
-                      </a:solidFill>
-                      <a:prstDash val="solid"/>
-                      <a:round/>
-                      <a:headEnd type="none" w="med" len="med"/>
-                      <a:tailEnd type="none" w="med" len="med"/>
-                    </a:lnT>
-                    <a:lnB w="6350" cap="flat" cmpd="sng" algn="ctr">
-                      <a:solidFill>
-                        <a:srgbClr val="000000"/>
-                      </a:solidFill>
-                      <a:prstDash val="solid"/>
-                      <a:round/>
-                      <a:headEnd type="none" w="med" len="med"/>
-                      <a:tailEnd type="none" w="med" len="med"/>
-                    </a:lnB>
-                    <a:solidFill>
-                      <a:srgbClr val="CCFFCC"/>
-                    </a:solidFill>
-                  </a:tcPr>
-                </a:tc>
-                <a:tc>
-                  <a:txBody>
-                    <a:bodyPr/>
-                    <a:lstStyle/>
-                    <a:p>
-                      <a:pPr algn="ctr" fontAlgn="b"/>
-                      <a:r>
-                        <a:rPr lang="en-US" sz="1600" b="0" i="0" u="none" strike="noStrike">
-                          <a:solidFill>
-                            <a:srgbClr val="000000"/>
-                          </a:solidFill>
-                          <a:effectLst/>
-                          <a:latin typeface="Calibri"/>
-                        </a:rPr>
-                        <a:t>21,042 </a:t>
-                      </a:r>
-                    </a:p>
-                  </a:txBody>
-                  <a:tcPr marL="9525" marR="9525" marT="9525" marB="0" anchor="b">
-                    <a:lnL w="6350" cap="flat" cmpd="sng" algn="ctr">
-                      <a:solidFill>
-                        <a:srgbClr val="000000"/>
-                      </a:solidFill>
-                      <a:prstDash val="solid"/>
-                      <a:round/>
-                      <a:headEnd type="none" w="med" len="med"/>
-                      <a:tailEnd type="none" w="med" len="med"/>
-                    </a:lnL>
-                    <a:lnR w="6350" cap="flat" cmpd="sng" algn="ctr">
-                      <a:solidFill>
-                        <a:srgbClr val="000000"/>
-                      </a:solidFill>
-                      <a:prstDash val="solid"/>
-                      <a:round/>
-                      <a:headEnd type="none" w="med" len="med"/>
-                      <a:tailEnd type="none" w="med" len="med"/>
-                    </a:lnR>
-                    <a:lnT w="6350" cap="flat" cmpd="sng" algn="ctr">
-                      <a:solidFill>
-                        <a:srgbClr val="000000"/>
-                      </a:solidFill>
-                      <a:prstDash val="solid"/>
-                      <a:round/>
-                      <a:headEnd type="none" w="med" len="med"/>
-                      <a:tailEnd type="none" w="med" len="med"/>
-                    </a:lnT>
-                    <a:lnB w="6350" cap="flat" cmpd="sng" algn="ctr">
-                      <a:solidFill>
-                        <a:srgbClr val="000000"/>
-                      </a:solidFill>
-                      <a:prstDash val="solid"/>
-                      <a:round/>
-                      <a:headEnd type="none" w="med" len="med"/>
-                      <a:tailEnd type="none" w="med" len="med"/>
-                    </a:lnB>
-                    <a:solidFill>
-                      <a:srgbClr val="F2DCDB"/>
-                    </a:solidFill>
-                  </a:tcPr>
-                </a:tc>
-                <a:tc>
-                  <a:txBody>
-                    <a:bodyPr/>
-                    <a:lstStyle/>
-                    <a:p>
-                      <a:pPr algn="ctr" fontAlgn="b"/>
-                      <a:r>
-                        <a:rPr lang="en-US" sz="1600" b="1" i="0" u="none" strike="noStrike">
-                          <a:solidFill>
-                            <a:srgbClr val="000000"/>
-                          </a:solidFill>
-                          <a:effectLst/>
-                          <a:latin typeface="Calibri"/>
-                        </a:rPr>
-                        <a:t>304,762 </a:t>
-                      </a:r>
-                    </a:p>
-                  </a:txBody>
-                  <a:tcPr marL="9525" marR="9525" marT="9525" marB="0" anchor="b">
-                    <a:lnL w="6350" cap="flat" cmpd="sng" algn="ctr">
-                      <a:solidFill>
-                        <a:srgbClr val="000000"/>
-                      </a:solidFill>
-                      <a:prstDash val="solid"/>
-                      <a:round/>
-                      <a:headEnd type="none" w="med" len="med"/>
-                      <a:tailEnd type="none" w="med" len="med"/>
-                    </a:lnL>
-                    <a:lnR w="6350" cap="flat" cmpd="sng" algn="ctr">
-                      <a:solidFill>
-                        <a:srgbClr val="000000"/>
-                      </a:solidFill>
-                      <a:prstDash val="solid"/>
-                      <a:round/>
-                      <a:headEnd type="none" w="med" len="med"/>
-                      <a:tailEnd type="none" w="med" len="med"/>
-                    </a:lnR>
-                    <a:lnT w="6350" cap="flat" cmpd="sng" algn="ctr">
-                      <a:solidFill>
-                        <a:srgbClr val="000000"/>
-                      </a:solidFill>
-                      <a:prstDash val="solid"/>
-                      <a:round/>
-                      <a:headEnd type="none" w="med" len="med"/>
-                      <a:tailEnd type="none" w="med" len="med"/>
-                    </a:lnT>
-                    <a:lnB w="6350" cap="flat" cmpd="sng" algn="ctr">
-                      <a:solidFill>
-                        <a:srgbClr val="000000"/>
-                      </a:solidFill>
-                      <a:prstDash val="solid"/>
-                      <a:round/>
-                      <a:headEnd type="none" w="med" len="med"/>
-                      <a:tailEnd type="none" w="med" len="med"/>
-                    </a:lnB>
-                    <a:solidFill>
-                      <a:srgbClr val="CCFFCC"/>
-                    </a:solidFill>
-                  </a:tcPr>
-                </a:tc>
-              </a:tr>
-              <a:tr h="190500">
-                <a:tc gridSpan="9">
-                  <a:txBody>
-                    <a:bodyPr/>
-                    <a:lstStyle/>
-                    <a:p>
-                      <a:pPr algn="ctr" fontAlgn="b"/>
-                      <a:r>
-                        <a:rPr lang="en-US" sz="1600" b="0" i="0" u="none" strike="noStrike" dirty="0">
-                          <a:solidFill>
-                            <a:srgbClr val="000000"/>
-                          </a:solidFill>
-                          <a:effectLst/>
-                          <a:latin typeface="Calibri"/>
-                        </a:rPr>
-                        <a:t>* Insufficient RAM</a:t>
-                      </a:r>
-                    </a:p>
-                  </a:txBody>
-                  <a:tcPr marL="9525" marR="9525" marT="9525" marB="0" anchor="b">
-                    <a:lnL w="6350" cap="flat" cmpd="sng" algn="ctr">
-                      <a:solidFill>
-                        <a:srgbClr val="000000"/>
-                      </a:solidFill>
-                      <a:prstDash val="solid"/>
-                      <a:round/>
-                      <a:headEnd type="none" w="med" len="med"/>
-                      <a:tailEnd type="none" w="med" len="med"/>
-                    </a:lnL>
-                    <a:lnR w="6350" cap="flat" cmpd="sng" algn="ctr">
-                      <a:solidFill>
-                        <a:srgbClr val="000000"/>
-                      </a:solidFill>
-                      <a:prstDash val="solid"/>
-                      <a:round/>
-                      <a:headEnd type="none" w="med" len="med"/>
-                      <a:tailEnd type="none" w="med" len="med"/>
-                    </a:lnR>
-                    <a:lnT w="6350" cap="flat" cmpd="sng" algn="ctr">
-                      <a:solidFill>
-                        <a:srgbClr val="000000"/>
-                      </a:solidFill>
-                      <a:prstDash val="solid"/>
-                      <a:round/>
-                      <a:headEnd type="none" w="med" len="med"/>
-                      <a:tailEnd type="none" w="med" len="med"/>
-                    </a:lnT>
-                    <a:lnB w="6350" cap="flat" cmpd="sng" algn="ctr">
-                      <a:solidFill>
-                        <a:srgbClr val="000000"/>
-                      </a:solidFill>
-                      <a:prstDash val="solid"/>
-                      <a:round/>
-                      <a:headEnd type="none" w="med" len="med"/>
-                      <a:tailEnd type="none" w="med" len="med"/>
-                    </a:lnB>
-                    <a:solidFill>
-                      <a:srgbClr val="FFFFFF"/>
-                    </a:solidFill>
-                  </a:tcPr>
-                </a:tc>
-                <a:tc hMerge="1">
-                  <a:txBody>
-                    <a:bodyPr/>
-                    <a:lstStyle/>
-                    <a:p>
-                      <a:endParaRPr lang="en-US"/>
-                    </a:p>
-                  </a:txBody>
-                  <a:tcPr/>
-                </a:tc>
-                <a:tc hMerge="1">
-                  <a:txBody>
-                    <a:bodyPr/>
-                    <a:lstStyle/>
-                    <a:p>
-                      <a:endParaRPr lang="en-US"/>
-                    </a:p>
-                  </a:txBody>
-                  <a:tcPr/>
-                </a:tc>
-                <a:tc hMerge="1">
-                  <a:txBody>
-                    <a:bodyPr/>
-                    <a:lstStyle/>
-                    <a:p>
-                      <a:endParaRPr lang="en-US"/>
-                    </a:p>
-                  </a:txBody>
-                  <a:tcPr/>
-                </a:tc>
-                <a:tc hMerge="1">
-                  <a:txBody>
-                    <a:bodyPr/>
-                    <a:lstStyle/>
-                    <a:p>
-                      <a:endParaRPr lang="en-US"/>
-                    </a:p>
-                  </a:txBody>
-                  <a:tcPr/>
-                </a:tc>
-                <a:tc hMerge="1">
-                  <a:txBody>
-                    <a:bodyPr/>
-                    <a:lstStyle/>
-                    <a:p>
-                      <a:endParaRPr lang="en-US"/>
-                    </a:p>
-                  </a:txBody>
-                  <a:tcPr/>
-                </a:tc>
-                <a:tc hMerge="1">
-                  <a:txBody>
-                    <a:bodyPr/>
-                    <a:lstStyle/>
-                    <a:p>
-                      <a:endParaRPr lang="en-US"/>
-                    </a:p>
-                  </a:txBody>
-                  <a:tcPr/>
-                </a:tc>
-                <a:tc hMerge="1">
-                  <a:txBody>
-                    <a:bodyPr/>
-                    <a:lstStyle/>
-                    <a:p>
-                      <a:endParaRPr lang="en-US"/>
-                    </a:p>
-                  </a:txBody>
-                  <a:tcPr/>
-                </a:tc>
-                <a:tc hMerge="1">
-                  <a:txBody>
-                    <a:bodyPr/>
-                    <a:lstStyle/>
-                    <a:p>
-                      <a:endParaRPr lang="en-US"/>
-                    </a:p>
-                  </a:txBody>
-                  <a:tcPr/>
-                </a:tc>
-              </a:tr>
-            </a:tbl>
-          </a:graphicData>
-        </a:graphic>
-      </p:graphicFrame>
-    </p:spTree>
-    <p:extLst>
-      <p:ext uri="{BB962C8B-B14F-4D97-AF65-F5344CB8AC3E}">
-        <p14:creationId xmlns:p14="http://schemas.microsoft.com/office/powerpoint/2010/main" val="2514136812"/>
-      </p:ext>
-    </p:extLst>
-  </p:cSld>
-  <p:clrMapOvr>
-    <a:masterClrMapping/>
-  </p:clrMapOvr>
-</p:sld>
-</file>
-
-<file path=ppt/slides/slide9.xml><?xml version="1.0" encoding="utf-8"?>
-<p:sld xmlns:a="http://schemas.openxmlformats.org/drawingml/2006/main" xmlns:r="http://schemas.openxmlformats.org/officeDocument/2006/relationships" xmlns:p="http://schemas.openxmlformats.org/presentationml/2006/main">
-  <p:cSld>
-    <p:spTree>
-      <p:nvGrpSpPr>
-        <p:cNvPr id="1" name=""/>
-        <p:cNvGrpSpPr/>
-        <p:nvPr/>
-      </p:nvGrpSpPr>
-      <p:grpSpPr>
-        <a:xfrm>
-          <a:off x="0" y="0"/>
-          <a:ext cx="0" cy="0"/>
-          <a:chOff x="0" y="0"/>
-          <a:chExt cx="0" cy="0"/>
-        </a:xfrm>
-      </p:grpSpPr>
-      <p:graphicFrame>
-        <p:nvGraphicFramePr>
-          <p:cNvPr id="2" name="Table 1"/>
-          <p:cNvGraphicFramePr>
-            <a:graphicFrameLocks noGrp="1"/>
-          </p:cNvGraphicFramePr>
-          <p:nvPr>
-            <p:extLst>
-              <p:ext uri="{D42A27DB-BD31-4B8C-83A1-F6EECF244321}">
-                <p14:modId xmlns:p14="http://schemas.microsoft.com/office/powerpoint/2010/main" val="2571247349"/>
-              </p:ext>
-            </p:extLst>
-          </p:nvPr>
-        </p:nvGraphicFramePr>
-        <p:xfrm>
-          <a:off x="2286000" y="3386931"/>
-          <a:ext cx="3479799" cy="1266825"/>
-        </p:xfrm>
-        <a:graphic>
-          <a:graphicData uri="http://schemas.openxmlformats.org/drawingml/2006/table">
-            <a:tbl>
-              <a:tblPr/>
-              <a:tblGrid>
-                <a:gridCol w="1150691"/>
-                <a:gridCol w="1164554"/>
-                <a:gridCol w="1164554"/>
-              </a:tblGrid>
-              <a:tr h="190500">
-                <a:tc gridSpan="3">
-                  <a:txBody>
-                    <a:bodyPr/>
-                    <a:lstStyle/>
-                    <a:p>
-                      <a:pPr algn="ctr" fontAlgn="b"/>
-                      <a:r>
-                        <a:rPr lang="en-US" sz="1600" b="1" i="0" u="none" strike="noStrike">
-                          <a:solidFill>
-                            <a:srgbClr val="000000"/>
-                          </a:solidFill>
-                          <a:effectLst/>
-                          <a:latin typeface="Calibri"/>
-                        </a:rPr>
-                        <a:t>Speedup in FFT Due to CMSIS</a:t>
-                      </a:r>
-                    </a:p>
-                  </a:txBody>
-                  <a:tcPr marL="9525" marR="9525" marT="9525" marB="0" anchor="b">
-                    <a:lnL w="6350" cap="flat" cmpd="sng" algn="ctr">
-                      <a:solidFill>
-                        <a:srgbClr val="000000"/>
-                      </a:solidFill>
-                      <a:prstDash val="solid"/>
-                      <a:round/>
-                      <a:headEnd type="none" w="med" len="med"/>
-                      <a:tailEnd type="none" w="med" len="med"/>
-                    </a:lnL>
-                    <a:lnR w="6350" cap="flat" cmpd="sng" algn="ctr">
-                      <a:solidFill>
-                        <a:srgbClr val="000000"/>
-                      </a:solidFill>
-                      <a:prstDash val="solid"/>
-                      <a:round/>
-                      <a:headEnd type="none" w="med" len="med"/>
-                      <a:tailEnd type="none" w="med" len="med"/>
-                    </a:lnR>
-                    <a:lnT w="6350" cap="flat" cmpd="sng" algn="ctr">
-                      <a:solidFill>
-                        <a:srgbClr val="000000"/>
-                      </a:solidFill>
-                      <a:prstDash val="solid"/>
-                      <a:round/>
-                      <a:headEnd type="none" w="med" len="med"/>
-                      <a:tailEnd type="none" w="med" len="med"/>
-                    </a:lnT>
-                    <a:lnB w="6350" cap="flat" cmpd="sng" algn="ctr">
-                      <a:solidFill>
-                        <a:srgbClr val="000000"/>
-                      </a:solidFill>
-                      <a:prstDash val="solid"/>
-                      <a:round/>
-                      <a:headEnd type="none" w="med" len="med"/>
-                      <a:tailEnd type="none" w="med" len="med"/>
-                    </a:lnB>
-                    <a:solidFill>
-                      <a:srgbClr val="F2F2F2"/>
-                    </a:solidFill>
-                  </a:tcPr>
-                </a:tc>
-                <a:tc hMerge="1">
-                  <a:txBody>
-                    <a:bodyPr/>
-                    <a:lstStyle/>
-                    <a:p>
-                      <a:endParaRPr lang="en-US"/>
-                    </a:p>
-                  </a:txBody>
-                  <a:tcPr/>
-                </a:tc>
-                <a:tc hMerge="1">
-                  <a:txBody>
-                    <a:bodyPr/>
-                    <a:lstStyle/>
-                    <a:p>
-                      <a:endParaRPr lang="en-US"/>
-                    </a:p>
-                  </a:txBody>
-                  <a:tcPr/>
-                </a:tc>
-              </a:tr>
-              <a:tr h="190500">
-                <a:tc>
-                  <a:txBody>
-                    <a:bodyPr/>
-                    <a:lstStyle/>
-                    <a:p>
-                      <a:pPr algn="ctr" fontAlgn="b"/>
-                      <a:r>
-                        <a:rPr lang="en-US" sz="1600" b="1" i="0" u="none" strike="noStrike">
-                          <a:solidFill>
-                            <a:srgbClr val="000000"/>
-                          </a:solidFill>
-                          <a:effectLst/>
-                          <a:latin typeface="Calibri"/>
-                        </a:rPr>
-                        <a:t>Data</a:t>
-                      </a:r>
-                    </a:p>
-                  </a:txBody>
-                  <a:tcPr marL="9525" marR="9525" marT="9525" marB="0" anchor="b">
-                    <a:lnL w="6350" cap="flat" cmpd="sng" algn="ctr">
-                      <a:solidFill>
-                        <a:srgbClr val="000000"/>
-                      </a:solidFill>
-                      <a:prstDash val="solid"/>
-                      <a:round/>
-                      <a:headEnd type="none" w="med" len="med"/>
-                      <a:tailEnd type="none" w="med" len="med"/>
-                    </a:lnL>
-                    <a:lnR w="6350" cap="flat" cmpd="sng" algn="ctr">
-                      <a:solidFill>
-                        <a:srgbClr val="000000"/>
-                      </a:solidFill>
-                      <a:prstDash val="solid"/>
-                      <a:round/>
-                      <a:headEnd type="none" w="med" len="med"/>
-                      <a:tailEnd type="none" w="med" len="med"/>
-                    </a:lnR>
-                    <a:lnT w="6350" cap="flat" cmpd="sng" algn="ctr">
-                      <a:solidFill>
-                        <a:srgbClr val="000000"/>
-                      </a:solidFill>
-                      <a:prstDash val="solid"/>
-                      <a:round/>
-                      <a:headEnd type="none" w="med" len="med"/>
-                      <a:tailEnd type="none" w="med" len="med"/>
-                    </a:lnT>
-                    <a:lnB w="6350" cap="flat" cmpd="sng" algn="ctr">
-                      <a:solidFill>
-                        <a:srgbClr val="000000"/>
-                      </a:solidFill>
-                      <a:prstDash val="solid"/>
-                      <a:round/>
-                      <a:headEnd type="none" w="med" len="med"/>
-                      <a:tailEnd type="none" w="med" len="med"/>
-                    </a:lnB>
-                  </a:tcPr>
-                </a:tc>
-                <a:tc>
-                  <a:txBody>
-                    <a:bodyPr/>
-                    <a:lstStyle/>
-                    <a:p>
-                      <a:pPr algn="ctr" fontAlgn="b"/>
-                      <a:r>
-                        <a:rPr lang="en-US" sz="1600" b="1" i="0" u="none" strike="noStrike">
-                          <a:solidFill>
-                            <a:srgbClr val="000000"/>
-                          </a:solidFill>
-                          <a:effectLst/>
-                          <a:latin typeface="Calibri"/>
-                        </a:rPr>
-                        <a:t>Teensy 3.2</a:t>
-                      </a:r>
-                    </a:p>
-                  </a:txBody>
-                  <a:tcPr marL="9525" marR="9525" marT="9525" marB="0" anchor="b">
-                    <a:lnL w="6350" cap="flat" cmpd="sng" algn="ctr">
-                      <a:solidFill>
-                        <a:srgbClr val="000000"/>
-                      </a:solidFill>
-                      <a:prstDash val="solid"/>
-                      <a:round/>
-                      <a:headEnd type="none" w="med" len="med"/>
-                      <a:tailEnd type="none" w="med" len="med"/>
-                    </a:lnL>
-                    <a:lnR w="6350" cap="flat" cmpd="sng" algn="ctr">
-                      <a:solidFill>
-                        <a:srgbClr val="000000"/>
-                      </a:solidFill>
-                      <a:prstDash val="solid"/>
-                      <a:round/>
-                      <a:headEnd type="none" w="med" len="med"/>
-                      <a:tailEnd type="none" w="med" len="med"/>
-                    </a:lnR>
-                    <a:lnT w="6350" cap="flat" cmpd="sng" algn="ctr">
-                      <a:solidFill>
-                        <a:srgbClr val="000000"/>
-                      </a:solidFill>
-                      <a:prstDash val="solid"/>
-                      <a:round/>
-                      <a:headEnd type="none" w="med" len="med"/>
-                      <a:tailEnd type="none" w="med" len="med"/>
-                    </a:lnT>
-                    <a:lnB w="6350" cap="flat" cmpd="sng" algn="ctr">
-                      <a:solidFill>
-                        <a:srgbClr val="000000"/>
-                      </a:solidFill>
-                      <a:prstDash val="solid"/>
-                      <a:round/>
-                      <a:headEnd type="none" w="med" len="med"/>
-                      <a:tailEnd type="none" w="med" len="med"/>
-                    </a:lnB>
-                  </a:tcPr>
-                </a:tc>
-                <a:tc>
-                  <a:txBody>
-                    <a:bodyPr/>
-                    <a:lstStyle/>
-                    <a:p>
-                      <a:pPr algn="ctr" fontAlgn="b"/>
-                      <a:r>
-                        <a:rPr lang="en-US" sz="1600" b="1" i="0" u="none" strike="noStrike">
-                          <a:solidFill>
-                            <a:srgbClr val="000000"/>
-                          </a:solidFill>
-                          <a:effectLst/>
-                          <a:latin typeface="Calibri"/>
-                        </a:rPr>
-                        <a:t>FRDM-K66F</a:t>
-                      </a:r>
-                    </a:p>
-                  </a:txBody>
-                  <a:tcPr marL="9525" marR="9525" marT="9525" marB="0" anchor="b">
-                    <a:lnL w="6350" cap="flat" cmpd="sng" algn="ctr">
-                      <a:solidFill>
-                        <a:srgbClr val="000000"/>
-                      </a:solidFill>
-                      <a:prstDash val="solid"/>
-                      <a:round/>
-                      <a:headEnd type="none" w="med" len="med"/>
-                      <a:tailEnd type="none" w="med" len="med"/>
-                    </a:lnL>
-                    <a:lnR w="6350" cap="flat" cmpd="sng" algn="ctr">
-                      <a:solidFill>
-                        <a:srgbClr val="000000"/>
-                      </a:solidFill>
-                      <a:prstDash val="solid"/>
-                      <a:round/>
-                      <a:headEnd type="none" w="med" len="med"/>
-                      <a:tailEnd type="none" w="med" len="med"/>
-                    </a:lnR>
-                    <a:lnT w="6350" cap="flat" cmpd="sng" algn="ctr">
-                      <a:solidFill>
-                        <a:srgbClr val="000000"/>
-                      </a:solidFill>
-                      <a:prstDash val="solid"/>
-                      <a:round/>
-                      <a:headEnd type="none" w="med" len="med"/>
-                      <a:tailEnd type="none" w="med" len="med"/>
-                    </a:lnT>
-                    <a:lnB w="6350" cap="flat" cmpd="sng" algn="ctr">
-                      <a:solidFill>
-                        <a:srgbClr val="000000"/>
-                      </a:solidFill>
-                      <a:prstDash val="solid"/>
-                      <a:round/>
-                      <a:headEnd type="none" w="med" len="med"/>
-                      <a:tailEnd type="none" w="med" len="med"/>
-                    </a:lnB>
-                  </a:tcPr>
-                </a:tc>
-              </a:tr>
-              <a:tr h="190500">
-                <a:tc>
-                  <a:txBody>
-                    <a:bodyPr/>
-                    <a:lstStyle/>
-                    <a:p>
-                      <a:pPr algn="ctr" fontAlgn="b"/>
-                      <a:r>
-                        <a:rPr lang="en-US" sz="1600" b="0" i="0" u="none" strike="noStrike">
-                          <a:solidFill>
-                            <a:srgbClr val="000000"/>
-                          </a:solidFill>
-                          <a:effectLst/>
-                          <a:latin typeface="Calibri"/>
-                        </a:rPr>
-                        <a:t>Int16</a:t>
-                      </a:r>
-                    </a:p>
-                  </a:txBody>
-                  <a:tcPr marL="9525" marR="9525" marT="9525" marB="0" anchor="b">
-                    <a:lnL w="6350" cap="flat" cmpd="sng" algn="ctr">
-                      <a:solidFill>
-                        <a:srgbClr val="000000"/>
-                      </a:solidFill>
-                      <a:prstDash val="solid"/>
-                      <a:round/>
-                      <a:headEnd type="none" w="med" len="med"/>
-                      <a:tailEnd type="none" w="med" len="med"/>
-                    </a:lnL>
-                    <a:lnR w="6350" cap="flat" cmpd="sng" algn="ctr">
-                      <a:solidFill>
-                        <a:srgbClr val="000000"/>
-                      </a:solidFill>
-                      <a:prstDash val="solid"/>
-                      <a:round/>
-                      <a:headEnd type="none" w="med" len="med"/>
-                      <a:tailEnd type="none" w="med" len="med"/>
-                    </a:lnR>
-                    <a:lnT w="6350" cap="flat" cmpd="sng" algn="ctr">
-                      <a:solidFill>
-                        <a:srgbClr val="000000"/>
-                      </a:solidFill>
-                      <a:prstDash val="solid"/>
-                      <a:round/>
-                      <a:headEnd type="none" w="med" len="med"/>
-                      <a:tailEnd type="none" w="med" len="med"/>
-                    </a:lnT>
-                    <a:lnB w="6350" cap="flat" cmpd="sng" algn="ctr">
-                      <a:solidFill>
-                        <a:srgbClr val="000000"/>
-                      </a:solidFill>
-                      <a:prstDash val="solid"/>
-                      <a:round/>
-                      <a:headEnd type="none" w="med" len="med"/>
-                      <a:tailEnd type="none" w="med" len="med"/>
-                    </a:lnB>
-                  </a:tcPr>
-                </a:tc>
-                <a:tc>
-                  <a:txBody>
-                    <a:bodyPr/>
-                    <a:lstStyle/>
-                    <a:p>
-                      <a:pPr algn="ctr" fontAlgn="b"/>
-                      <a:r>
-                        <a:rPr lang="en-US" sz="1600" b="0" i="0" u="none" strike="noStrike">
-                          <a:solidFill>
-                            <a:srgbClr val="000000"/>
-                          </a:solidFill>
-                          <a:effectLst/>
-                          <a:latin typeface="Calibri"/>
-                        </a:rPr>
-                        <a:t>3.7x</a:t>
-                      </a:r>
-                    </a:p>
-                  </a:txBody>
-                  <a:tcPr marL="9525" marR="9525" marT="9525" marB="0" anchor="b">
-                    <a:lnL w="6350" cap="flat" cmpd="sng" algn="ctr">
-                      <a:solidFill>
-                        <a:srgbClr val="000000"/>
-                      </a:solidFill>
-                      <a:prstDash val="solid"/>
-                      <a:round/>
-                      <a:headEnd type="none" w="med" len="med"/>
-                      <a:tailEnd type="none" w="med" len="med"/>
-                    </a:lnL>
-                    <a:lnR w="6350" cap="flat" cmpd="sng" algn="ctr">
-                      <a:solidFill>
-                        <a:srgbClr val="000000"/>
-                      </a:solidFill>
-                      <a:prstDash val="solid"/>
-                      <a:round/>
-                      <a:headEnd type="none" w="med" len="med"/>
-                      <a:tailEnd type="none" w="med" len="med"/>
-                    </a:lnR>
-                    <a:lnT w="6350" cap="flat" cmpd="sng" algn="ctr">
-                      <a:solidFill>
-                        <a:srgbClr val="000000"/>
-                      </a:solidFill>
-                      <a:prstDash val="solid"/>
-                      <a:round/>
-                      <a:headEnd type="none" w="med" len="med"/>
-                      <a:tailEnd type="none" w="med" len="med"/>
-                    </a:lnT>
-                    <a:lnB w="6350" cap="flat" cmpd="sng" algn="ctr">
-                      <a:solidFill>
-                        <a:srgbClr val="000000"/>
-                      </a:solidFill>
-                      <a:prstDash val="solid"/>
-                      <a:round/>
-                      <a:headEnd type="none" w="med" len="med"/>
-                      <a:tailEnd type="none" w="med" len="med"/>
-                    </a:lnB>
-                  </a:tcPr>
-                </a:tc>
-                <a:tc>
-                  <a:txBody>
-                    <a:bodyPr/>
-                    <a:lstStyle/>
-                    <a:p>
-                      <a:pPr algn="ctr" fontAlgn="b"/>
-                      <a:r>
-                        <a:rPr lang="en-US" sz="1600" b="0" i="0" u="none" strike="noStrike">
-                          <a:solidFill>
-                            <a:srgbClr val="000000"/>
-                          </a:solidFill>
-                          <a:effectLst/>
-                          <a:latin typeface="Calibri"/>
-                        </a:rPr>
-                        <a:t>5.0x</a:t>
-                      </a:r>
-                    </a:p>
-                  </a:txBody>
-                  <a:tcPr marL="9525" marR="9525" marT="9525" marB="0" anchor="b">
-                    <a:lnL w="6350" cap="flat" cmpd="sng" algn="ctr">
-                      <a:solidFill>
-                        <a:srgbClr val="000000"/>
-                      </a:solidFill>
-                      <a:prstDash val="solid"/>
-                      <a:round/>
-                      <a:headEnd type="none" w="med" len="med"/>
-                      <a:tailEnd type="none" w="med" len="med"/>
-                    </a:lnL>
-                    <a:lnR w="6350" cap="flat" cmpd="sng" algn="ctr">
-                      <a:solidFill>
-                        <a:srgbClr val="000000"/>
-                      </a:solidFill>
-                      <a:prstDash val="solid"/>
-                      <a:round/>
-                      <a:headEnd type="none" w="med" len="med"/>
-                      <a:tailEnd type="none" w="med" len="med"/>
-                    </a:lnR>
-                    <a:lnT w="6350" cap="flat" cmpd="sng" algn="ctr">
-                      <a:solidFill>
-                        <a:srgbClr val="000000"/>
-                      </a:solidFill>
-                      <a:prstDash val="solid"/>
-                      <a:round/>
-                      <a:headEnd type="none" w="med" len="med"/>
-                      <a:tailEnd type="none" w="med" len="med"/>
-                    </a:lnT>
-                    <a:lnB w="6350" cap="flat" cmpd="sng" algn="ctr">
-                      <a:solidFill>
-                        <a:srgbClr val="000000"/>
-                      </a:solidFill>
-                      <a:prstDash val="solid"/>
-                      <a:round/>
-                      <a:headEnd type="none" w="med" len="med"/>
-                      <a:tailEnd type="none" w="med" len="med"/>
-                    </a:lnB>
-                  </a:tcPr>
-                </a:tc>
-              </a:tr>
-              <a:tr h="190500">
-                <a:tc>
-                  <a:txBody>
-                    <a:bodyPr/>
-                    <a:lstStyle/>
-                    <a:p>
-                      <a:pPr algn="ctr" fontAlgn="b"/>
-                      <a:r>
-                        <a:rPr lang="en-US" sz="1600" b="0" i="0" u="none" strike="noStrike">
-                          <a:solidFill>
-                            <a:srgbClr val="000000"/>
-                          </a:solidFill>
-                          <a:effectLst/>
-                          <a:latin typeface="Calibri"/>
-                        </a:rPr>
-                        <a:t>Int32</a:t>
-                      </a:r>
-                    </a:p>
-                  </a:txBody>
-                  <a:tcPr marL="9525" marR="9525" marT="9525" marB="0" anchor="b">
-                    <a:lnL w="6350" cap="flat" cmpd="sng" algn="ctr">
-                      <a:solidFill>
-                        <a:srgbClr val="000000"/>
-                      </a:solidFill>
-                      <a:prstDash val="solid"/>
-                      <a:round/>
-                      <a:headEnd type="none" w="med" len="med"/>
-                      <a:tailEnd type="none" w="med" len="med"/>
-                    </a:lnL>
-                    <a:lnR w="6350" cap="flat" cmpd="sng" algn="ctr">
-                      <a:solidFill>
-                        <a:srgbClr val="000000"/>
-                      </a:solidFill>
-                      <a:prstDash val="solid"/>
-                      <a:round/>
-                      <a:headEnd type="none" w="med" len="med"/>
-                      <a:tailEnd type="none" w="med" len="med"/>
-                    </a:lnR>
-                    <a:lnT w="6350" cap="flat" cmpd="sng" algn="ctr">
-                      <a:solidFill>
-                        <a:srgbClr val="000000"/>
-                      </a:solidFill>
-                      <a:prstDash val="solid"/>
-                      <a:round/>
-                      <a:headEnd type="none" w="med" len="med"/>
-                      <a:tailEnd type="none" w="med" len="med"/>
-                    </a:lnT>
-                    <a:lnB w="6350" cap="flat" cmpd="sng" algn="ctr">
-                      <a:solidFill>
-                        <a:srgbClr val="000000"/>
-                      </a:solidFill>
-                      <a:prstDash val="solid"/>
-                      <a:round/>
-                      <a:headEnd type="none" w="med" len="med"/>
-                      <a:tailEnd type="none" w="med" len="med"/>
-                    </a:lnB>
-                  </a:tcPr>
-                </a:tc>
-                <a:tc>
-                  <a:txBody>
-                    <a:bodyPr/>
-                    <a:lstStyle/>
-                    <a:p>
-                      <a:pPr algn="ctr" fontAlgn="b"/>
-                      <a:r>
-                        <a:rPr lang="en-US" sz="1600" b="0" i="0" u="none" strike="noStrike">
-                          <a:solidFill>
-                            <a:srgbClr val="000000"/>
-                          </a:solidFill>
-                          <a:effectLst/>
-                          <a:latin typeface="Calibri"/>
-                        </a:rPr>
-                        <a:t>3.3x</a:t>
-                      </a:r>
-                    </a:p>
-                  </a:txBody>
-                  <a:tcPr marL="9525" marR="9525" marT="9525" marB="0" anchor="b">
-                    <a:lnL w="6350" cap="flat" cmpd="sng" algn="ctr">
-                      <a:solidFill>
-                        <a:srgbClr val="000000"/>
-                      </a:solidFill>
-                      <a:prstDash val="solid"/>
-                      <a:round/>
-                      <a:headEnd type="none" w="med" len="med"/>
-                      <a:tailEnd type="none" w="med" len="med"/>
-                    </a:lnL>
-                    <a:lnR w="6350" cap="flat" cmpd="sng" algn="ctr">
-                      <a:solidFill>
-                        <a:srgbClr val="000000"/>
-                      </a:solidFill>
-                      <a:prstDash val="solid"/>
-                      <a:round/>
-                      <a:headEnd type="none" w="med" len="med"/>
-                      <a:tailEnd type="none" w="med" len="med"/>
-                    </a:lnR>
-                    <a:lnT w="6350" cap="flat" cmpd="sng" algn="ctr">
-                      <a:solidFill>
-                        <a:srgbClr val="000000"/>
-                      </a:solidFill>
-                      <a:prstDash val="solid"/>
-                      <a:round/>
-                      <a:headEnd type="none" w="med" len="med"/>
-                      <a:tailEnd type="none" w="med" len="med"/>
-                    </a:lnT>
-                    <a:lnB w="6350" cap="flat" cmpd="sng" algn="ctr">
-                      <a:solidFill>
-                        <a:srgbClr val="000000"/>
-                      </a:solidFill>
-                      <a:prstDash val="solid"/>
-                      <a:round/>
-                      <a:headEnd type="none" w="med" len="med"/>
-                      <a:tailEnd type="none" w="med" len="med"/>
-                    </a:lnB>
-                  </a:tcPr>
-                </a:tc>
-                <a:tc>
-                  <a:txBody>
-                    <a:bodyPr/>
-                    <a:lstStyle/>
-                    <a:p>
-                      <a:pPr algn="ctr" fontAlgn="b"/>
-                      <a:r>
-                        <a:rPr lang="en-US" sz="1600" b="0" i="0" u="none" strike="noStrike">
-                          <a:solidFill>
-                            <a:srgbClr val="000000"/>
-                          </a:solidFill>
-                          <a:effectLst/>
-                          <a:latin typeface="Calibri"/>
-                        </a:rPr>
-                        <a:t>3.2x</a:t>
-                      </a:r>
-                    </a:p>
-                  </a:txBody>
-                  <a:tcPr marL="9525" marR="9525" marT="9525" marB="0" anchor="b">
-                    <a:lnL w="6350" cap="flat" cmpd="sng" algn="ctr">
-                      <a:solidFill>
-                        <a:srgbClr val="000000"/>
-                      </a:solidFill>
-                      <a:prstDash val="solid"/>
-                      <a:round/>
-                      <a:headEnd type="none" w="med" len="med"/>
-                      <a:tailEnd type="none" w="med" len="med"/>
-                    </a:lnL>
-                    <a:lnR w="6350" cap="flat" cmpd="sng" algn="ctr">
-                      <a:solidFill>
-                        <a:srgbClr val="000000"/>
-                      </a:solidFill>
-                      <a:prstDash val="solid"/>
-                      <a:round/>
-                      <a:headEnd type="none" w="med" len="med"/>
-                      <a:tailEnd type="none" w="med" len="med"/>
-                    </a:lnR>
-                    <a:lnT w="6350" cap="flat" cmpd="sng" algn="ctr">
-                      <a:solidFill>
-                        <a:srgbClr val="000000"/>
-                      </a:solidFill>
-                      <a:prstDash val="solid"/>
-                      <a:round/>
-                      <a:headEnd type="none" w="med" len="med"/>
-                      <a:tailEnd type="none" w="med" len="med"/>
-                    </a:lnT>
-                    <a:lnB w="6350" cap="flat" cmpd="sng" algn="ctr">
-                      <a:solidFill>
-                        <a:srgbClr val="000000"/>
-                      </a:solidFill>
-                      <a:prstDash val="solid"/>
-                      <a:round/>
-                      <a:headEnd type="none" w="med" len="med"/>
-                      <a:tailEnd type="none" w="med" len="med"/>
-                    </a:lnB>
-                  </a:tcPr>
-                </a:tc>
-              </a:tr>
-              <a:tr h="190500">
-                <a:tc>
-                  <a:txBody>
-                    <a:bodyPr/>
-                    <a:lstStyle/>
-                    <a:p>
-                      <a:pPr algn="ctr" fontAlgn="b"/>
-                      <a:r>
-                        <a:rPr lang="en-US" sz="1600" b="0" i="0" u="none" strike="noStrike">
-                          <a:solidFill>
-                            <a:srgbClr val="000000"/>
-                          </a:solidFill>
-                          <a:effectLst/>
-                          <a:latin typeface="Calibri"/>
-                        </a:rPr>
-                        <a:t>Float32</a:t>
-                      </a:r>
-                    </a:p>
-                  </a:txBody>
-                  <a:tcPr marL="9525" marR="9525" marT="9525" marB="0" anchor="b">
-                    <a:lnL w="6350" cap="flat" cmpd="sng" algn="ctr">
-                      <a:solidFill>
-                        <a:srgbClr val="000000"/>
-                      </a:solidFill>
-                      <a:prstDash val="solid"/>
-                      <a:round/>
-                      <a:headEnd type="none" w="med" len="med"/>
-                      <a:tailEnd type="none" w="med" len="med"/>
-                    </a:lnL>
-                    <a:lnR w="6350" cap="flat" cmpd="sng" algn="ctr">
-                      <a:solidFill>
-                        <a:srgbClr val="000000"/>
-                      </a:solidFill>
-                      <a:prstDash val="solid"/>
-                      <a:round/>
-                      <a:headEnd type="none" w="med" len="med"/>
-                      <a:tailEnd type="none" w="med" len="med"/>
-                    </a:lnR>
-                    <a:lnT w="6350" cap="flat" cmpd="sng" algn="ctr">
-                      <a:solidFill>
-                        <a:srgbClr val="000000"/>
-                      </a:solidFill>
-                      <a:prstDash val="solid"/>
-                      <a:round/>
-                      <a:headEnd type="none" w="med" len="med"/>
-                      <a:tailEnd type="none" w="med" len="med"/>
-                    </a:lnT>
-                    <a:lnB w="6350" cap="flat" cmpd="sng" algn="ctr">
-                      <a:solidFill>
-                        <a:srgbClr val="000000"/>
-                      </a:solidFill>
-                      <a:prstDash val="solid"/>
-                      <a:round/>
-                      <a:headEnd type="none" w="med" len="med"/>
-                      <a:tailEnd type="none" w="med" len="med"/>
-                    </a:lnB>
-                  </a:tcPr>
-                </a:tc>
-                <a:tc>
-                  <a:txBody>
-                    <a:bodyPr/>
-                    <a:lstStyle/>
-                    <a:p>
-                      <a:pPr algn="ctr" fontAlgn="b"/>
-                      <a:r>
-                        <a:rPr lang="en-US" sz="1600" b="0" i="0" u="none" strike="noStrike">
-                          <a:solidFill>
-                            <a:srgbClr val="000000"/>
-                          </a:solidFill>
-                          <a:effectLst/>
-                          <a:latin typeface="Calibri"/>
-                        </a:rPr>
-                        <a:t>1.9x</a:t>
-                      </a:r>
-                    </a:p>
-                  </a:txBody>
-                  <a:tcPr marL="9525" marR="9525" marT="9525" marB="0" anchor="b">
-                    <a:lnL w="6350" cap="flat" cmpd="sng" algn="ctr">
-                      <a:solidFill>
-                        <a:srgbClr val="000000"/>
-                      </a:solidFill>
-                      <a:prstDash val="solid"/>
-                      <a:round/>
-                      <a:headEnd type="none" w="med" len="med"/>
-                      <a:tailEnd type="none" w="med" len="med"/>
-                    </a:lnL>
-                    <a:lnR w="6350" cap="flat" cmpd="sng" algn="ctr">
-                      <a:solidFill>
-                        <a:srgbClr val="000000"/>
-                      </a:solidFill>
-                      <a:prstDash val="solid"/>
-                      <a:round/>
-                      <a:headEnd type="none" w="med" len="med"/>
-                      <a:tailEnd type="none" w="med" len="med"/>
-                    </a:lnR>
-                    <a:lnT w="6350" cap="flat" cmpd="sng" algn="ctr">
-                      <a:solidFill>
-                        <a:srgbClr val="000000"/>
-                      </a:solidFill>
-                      <a:prstDash val="solid"/>
-                      <a:round/>
-                      <a:headEnd type="none" w="med" len="med"/>
-                      <a:tailEnd type="none" w="med" len="med"/>
-                    </a:lnT>
-                    <a:lnB w="6350" cap="flat" cmpd="sng" algn="ctr">
-                      <a:solidFill>
-                        <a:srgbClr val="000000"/>
-                      </a:solidFill>
-                      <a:prstDash val="solid"/>
-                      <a:round/>
-                      <a:headEnd type="none" w="med" len="med"/>
-                      <a:tailEnd type="none" w="med" len="med"/>
-                    </a:lnB>
-                  </a:tcPr>
-                </a:tc>
-                <a:tc>
-                  <a:txBody>
-                    <a:bodyPr/>
-                    <a:lstStyle/>
-                    <a:p>
-                      <a:pPr algn="ctr" fontAlgn="b"/>
-                      <a:r>
-                        <a:rPr lang="en-US" sz="1600" b="0" i="0" u="none" strike="noStrike" dirty="0">
-                          <a:solidFill>
-                            <a:srgbClr val="000000"/>
-                          </a:solidFill>
-                          <a:effectLst/>
-                          <a:latin typeface="Calibri"/>
-                        </a:rPr>
-                        <a:t>2.1x</a:t>
-                      </a:r>
-                    </a:p>
-                  </a:txBody>
-                  <a:tcPr marL="9525" marR="9525" marT="9525" marB="0" anchor="b">
-                    <a:lnL w="6350" cap="flat" cmpd="sng" algn="ctr">
-                      <a:solidFill>
-                        <a:srgbClr val="000000"/>
-                      </a:solidFill>
-                      <a:prstDash val="solid"/>
-                      <a:round/>
-                      <a:headEnd type="none" w="med" len="med"/>
-                      <a:tailEnd type="none" w="med" len="med"/>
-                    </a:lnL>
-                    <a:lnR w="6350" cap="flat" cmpd="sng" algn="ctr">
-                      <a:solidFill>
-                        <a:srgbClr val="000000"/>
-                      </a:solidFill>
-                      <a:prstDash val="solid"/>
-                      <a:round/>
-                      <a:headEnd type="none" w="med" len="med"/>
-                      <a:tailEnd type="none" w="med" len="med"/>
-                    </a:lnR>
-                    <a:lnT w="6350" cap="flat" cmpd="sng" algn="ctr">
-                      <a:solidFill>
-                        <a:srgbClr val="000000"/>
-                      </a:solidFill>
-                      <a:prstDash val="solid"/>
-                      <a:round/>
-                      <a:headEnd type="none" w="med" len="med"/>
-                      <a:tailEnd type="none" w="med" len="med"/>
-                    </a:lnT>
-                    <a:lnB w="6350" cap="flat" cmpd="sng" algn="ctr">
-                      <a:solidFill>
-                        <a:srgbClr val="000000"/>
-                      </a:solidFill>
-                      <a:prstDash val="solid"/>
-                      <a:round/>
-                      <a:headEnd type="none" w="med" len="med"/>
-                      <a:tailEnd type="none" w="med" len="med"/>
-                    </a:lnB>
-                  </a:tcPr>
-                </a:tc>
-              </a:tr>
-            </a:tbl>
-          </a:graphicData>
-        </a:graphic>
-      </p:graphicFrame>
-    </p:spTree>
-    <p:extLst>
-      <p:ext uri="{BB962C8B-B14F-4D97-AF65-F5344CB8AC3E}">
-        <p14:creationId xmlns:p14="http://schemas.microsoft.com/office/powerpoint/2010/main" val="2725117831"/>
       </p:ext>
     </p:extLst>
   </p:cSld>
